--- a/doc/review-slides/uc2-review.pptx
+++ b/doc/review-slides/uc2-review.pptx
@@ -5,25 +5,16 @@
     <p:sldMasterId id="2147483648" r:id="rId1"/>
   </p:sldMasterIdLst>
   <p:notesMasterIdLst>
-    <p:notesMasterId r:id="rId18"/>
+    <p:notesMasterId r:id="rId9"/>
   </p:notesMasterIdLst>
   <p:sldIdLst>
     <p:sldId id="540" r:id="rId2"/>
     <p:sldId id="556" r:id="rId3"/>
     <p:sldId id="578" r:id="rId4"/>
-    <p:sldId id="563" r:id="rId5"/>
-    <p:sldId id="572" r:id="rId6"/>
-    <p:sldId id="575" r:id="rId7"/>
-    <p:sldId id="569" r:id="rId8"/>
-    <p:sldId id="565" r:id="rId9"/>
-    <p:sldId id="571" r:id="rId10"/>
-    <p:sldId id="573" r:id="rId11"/>
-    <p:sldId id="558" r:id="rId12"/>
-    <p:sldId id="568" r:id="rId13"/>
-    <p:sldId id="566" r:id="rId14"/>
-    <p:sldId id="576" r:id="rId15"/>
-    <p:sldId id="577" r:id="rId16"/>
-    <p:sldId id="555" r:id="rId17"/>
+    <p:sldId id="580" r:id="rId5"/>
+    <p:sldId id="563" r:id="rId6"/>
+    <p:sldId id="581" r:id="rId7"/>
+    <p:sldId id="555" r:id="rId8"/>
   </p:sldIdLst>
   <p:sldSz cx="12192000" cy="6858000"/>
   <p:notesSz cx="6858000" cy="9144000"/>
@@ -142,6 +133,69 @@
     </p:ext>
   </p:extLst>
 </p:presentation>
+</file>
+
+<file path=ppt/commentAuthors.xml><?xml version="1.0" encoding="utf-8"?>
+<p:cmAuthorLst xmlns:a="http://schemas.openxmlformats.org/drawingml/2006/main" xmlns:r="http://schemas.openxmlformats.org/officeDocument/2006/relationships" xmlns:p="http://schemas.openxmlformats.org/presentationml/2006/main">
+  <p:cmAuthor id="2" name="Author" initials="A" lastIdx="7" clrIdx="1"/>
+</p:cmAuthorLst>
+</file>
+
+<file path=ppt/comments/comment1.xml><?xml version="1.0" encoding="utf-8"?>
+<p:cmLst xmlns:a="http://schemas.openxmlformats.org/drawingml/2006/main" xmlns:r="http://schemas.openxmlformats.org/officeDocument/2006/relationships" xmlns:p="http://schemas.openxmlformats.org/presentationml/2006/main">
+  <p:cm authorId="2" dt="2020-03-04T14:39:48.320" idx="3">
+    <p:pos x="10" y="10"/>
+    <p:text>Why doesn't NS2 locally decide to send to NS1-q in case of intrusion? Why the need for the entire MANO loop?</p:text>
+    <p:extLst>
+      <p:ext uri="{C676402C-5697-4E1C-873F-D02D1690AC5C}">
+        <p15:threadingInfo xmlns:p15="http://schemas.microsoft.com/office/powerpoint/2012/main" timeZoneBias="-60"/>
+      </p:ext>
+    </p:extLst>
+  </p:cm>
+  <p:cm authorId="2" dt="2020-03-04T14:41:23.926" idx="4">
+    <p:pos x="10" y="146"/>
+    <p:text>Maybe possible for simple intrusion. But: Show case to demonstrate potential of MANO control loop.
+Necessary, eg, when we notice the attack only by looking at joint data from multiple machines (ie, no individual decision possible).</p:text>
+    <p:extLst>
+      <p:ext uri="{C676402C-5697-4E1C-873F-D02D1690AC5C}">
+        <p15:threadingInfo xmlns:p15="http://schemas.microsoft.com/office/powerpoint/2012/main" timeZoneBias="-60">
+          <p15:parentCm authorId="2" idx="3"/>
+        </p15:threadingInfo>
+      </p:ext>
+    </p:extLst>
+  </p:cm>
+  <p:cm authorId="2" dt="2020-03-04T15:38:48.216" idx="5">
+    <p:pos x="10" y="282"/>
+    <p:text>also more cloud native</p:text>
+    <p:extLst>
+      <p:ext uri="{C676402C-5697-4E1C-873F-D02D1690AC5C}">
+        <p15:threadingInfo xmlns:p15="http://schemas.microsoft.com/office/powerpoint/2012/main" timeZoneBias="-60">
+          <p15:parentCm authorId="2" idx="3"/>
+        </p15:threadingInfo>
+      </p:ext>
+    </p:extLst>
+  </p:cm>
+  <p:cm authorId="2" dt="2020-03-04T15:38:55.409" idx="6">
+    <p:pos x="146" y="146"/>
+    <p:text>wouldn't sill some malicous data arrive during reconfiguration?</p:text>
+    <p:extLst>
+      <p:ext uri="{C676402C-5697-4E1C-873F-D02D1690AC5C}">
+        <p15:threadingInfo xmlns:p15="http://schemas.microsoft.com/office/powerpoint/2012/main" timeZoneBias="-60"/>
+      </p:ext>
+    </p:extLst>
+  </p:cm>
+  <p:cm authorId="2" dt="2020-03-04T15:39:55.064" idx="7">
+    <p:pos x="146" y="282"/>
+    <p:text>possibly, but just very small amounts. there should anyways be systems to deal with short deviations. but we prevent long-term wrong data</p:text>
+    <p:extLst>
+      <p:ext uri="{C676402C-5697-4E1C-873F-D02D1690AC5C}">
+        <p15:threadingInfo xmlns:p15="http://schemas.microsoft.com/office/powerpoint/2012/main" timeZoneBias="-60">
+          <p15:parentCm authorId="2" idx="6"/>
+        </p15:threadingInfo>
+      </p:ext>
+    </p:extLst>
+  </p:cm>
+</p:cmLst>
 </file>
 
 <file path=ppt/notesMasters/notesMaster1.xml><?xml version="1.0" encoding="utf-8"?>
@@ -650,7 +704,47 @@
             </a:pPr>
             <a:r>
               <a:rPr lang="en-US" dirty="0" smtClean="0"/>
-              <a:t>Normal production</a:t>
+              <a:t>Normal </a:t>
+            </a:r>
+            <a:r>
+              <a:rPr lang="en-US" dirty="0" smtClean="0"/>
+              <a:t>production: Machine </a:t>
+            </a:r>
+            <a:r>
+              <a:rPr lang="en-US" dirty="0" smtClean="0">
+                <a:sym typeface="Wingdings" panose="05000000000000000000" pitchFamily="2" charset="2"/>
+              </a:rPr>
+              <a:t> NS2  NS1  Cloud</a:t>
+            </a:r>
+          </a:p>
+          <a:p>
+            <a:pPr marL="171450" indent="-171450">
+              <a:buFont typeface="Arial" panose="020B0604020202020204" pitchFamily="34" charset="0"/>
+              <a:buChar char="•"/>
+            </a:pPr>
+            <a:r>
+              <a:rPr lang="en-US" dirty="0" smtClean="0"/>
+              <a:t>Intrusion: Ensure no malicious data is sent to NS1 and cloud</a:t>
+            </a:r>
+          </a:p>
+          <a:p>
+            <a:pPr marL="171450" indent="-171450">
+              <a:buFont typeface="Arial" panose="020B0604020202020204" pitchFamily="34" charset="0"/>
+              <a:buChar char="•"/>
+            </a:pPr>
+            <a:r>
+              <a:rPr lang="en-US" dirty="0" smtClean="0"/>
+              <a:t>But also don’t throw</a:t>
+            </a:r>
+            <a:r>
+              <a:rPr lang="en-US" baseline="0" dirty="0" smtClean="0"/>
+              <a:t> data away </a:t>
+            </a:r>
+            <a:r>
+              <a:rPr lang="en-US" baseline="0" dirty="0" smtClean="0">
+                <a:sym typeface="Wingdings" panose="05000000000000000000" pitchFamily="2" charset="2"/>
+              </a:rPr>
+              <a:t> analyze, debug, maybe merge later</a:t>
             </a:r>
           </a:p>
           <a:p>
@@ -742,17 +836,75 @@
           <a:bodyPr/>
           <a:lstStyle/>
           <a:p>
+            <a:pPr marL="0" indent="0">
+              <a:buFont typeface="Arial" panose="020B0604020202020204" pitchFamily="34" charset="0"/>
+              <a:buNone/>
+            </a:pPr>
+            <a:r>
+              <a:rPr lang="en-US" baseline="0" dirty="0" smtClean="0">
+                <a:sym typeface="Wingdings" panose="05000000000000000000" pitchFamily="2" charset="2"/>
+              </a:rPr>
+              <a:t>What we did:</a:t>
+            </a:r>
+          </a:p>
+          <a:p>
             <a:pPr marL="171450" indent="-171450">
               <a:buFont typeface="Arial" panose="020B0604020202020204" pitchFamily="34" charset="0"/>
               <a:buChar char="•"/>
             </a:pPr>
             <a:r>
-              <a:rPr lang="en-US" dirty="0" smtClean="0"/>
-              <a:t>Example Intrusion:</a:t>
-            </a:r>
-            <a:r>
-              <a:rPr lang="en-US" baseline="0" dirty="0" smtClean="0"/>
-              <a:t> Attacker tries to connect to Samba share in NS2 (to read/write data)</a:t>
+              <a:rPr lang="en-US" baseline="0" dirty="0" smtClean="0">
+                <a:sym typeface="Wingdings" panose="05000000000000000000" pitchFamily="2" charset="2"/>
+              </a:rPr>
+              <a:t>IDS in each NS2 to detect if someone unauthorized tries to connect</a:t>
+            </a:r>
+          </a:p>
+          <a:p>
+            <a:pPr marL="171450" indent="-171450">
+              <a:buFont typeface="Arial" panose="020B0604020202020204" pitchFamily="34" charset="0"/>
+              <a:buChar char="•"/>
+            </a:pPr>
+            <a:r>
+              <a:rPr lang="en-US" baseline="0" dirty="0" smtClean="0">
+                <a:sym typeface="Wingdings" panose="05000000000000000000" pitchFamily="2" charset="2"/>
+              </a:rPr>
+              <a:t>Quarantine NS1 (shadow copy)</a:t>
+            </a:r>
+          </a:p>
+          <a:p>
+            <a:pPr marL="171450" indent="-171450">
+              <a:buFont typeface="Arial" panose="020B0604020202020204" pitchFamily="34" charset="0"/>
+              <a:buChar char="•"/>
+            </a:pPr>
+            <a:r>
+              <a:rPr lang="en-US" baseline="0" dirty="0" smtClean="0">
+                <a:sym typeface="Wingdings" panose="05000000000000000000" pitchFamily="2" charset="2"/>
+              </a:rPr>
+              <a:t>NS2 sends intrusion event to monitoring  MANO  </a:t>
+            </a:r>
+            <a:r>
+              <a:rPr lang="en-US" baseline="0" dirty="0" err="1" smtClean="0">
+                <a:sym typeface="Wingdings" panose="05000000000000000000" pitchFamily="2" charset="2"/>
+              </a:rPr>
+              <a:t>reconfig</a:t>
+            </a:r>
+            <a:r>
+              <a:rPr lang="en-US" baseline="0" dirty="0" smtClean="0">
+                <a:sym typeface="Wingdings" panose="05000000000000000000" pitchFamily="2" charset="2"/>
+              </a:rPr>
+              <a:t>  send to NS1-q</a:t>
+            </a:r>
+          </a:p>
+          <a:p>
+            <a:pPr marL="0" indent="0">
+              <a:buFont typeface="Arial" panose="020B0604020202020204" pitchFamily="34" charset="0"/>
+              <a:buNone/>
+            </a:pPr>
+            <a:r>
+              <a:rPr lang="en-US" baseline="0" dirty="0" smtClean="0">
+                <a:sym typeface="Wingdings" panose="05000000000000000000" pitchFamily="2" charset="2"/>
+              </a:rPr>
+              <a:t> data separated  threat contained  data still available for analysis</a:t>
             </a:r>
             <a:endParaRPr lang="en-US" dirty="0"/>
           </a:p>
@@ -842,7 +994,58 @@
               <a:buFont typeface="Arial" panose="020B0604020202020204" pitchFamily="34" charset="0"/>
               <a:buChar char="•"/>
             </a:pPr>
-            <a:endParaRPr lang="de-DE" dirty="0"/>
+            <a:r>
+              <a:rPr lang="en-GB" dirty="0" smtClean="0"/>
+              <a:t>Realize</a:t>
+            </a:r>
+            <a:r>
+              <a:rPr lang="en-GB" baseline="0" dirty="0" smtClean="0"/>
+              <a:t> flexible, automated detection &amp; </a:t>
+            </a:r>
+            <a:r>
+              <a:rPr lang="en-GB" baseline="0" dirty="0" err="1" smtClean="0"/>
+              <a:t>reconfig</a:t>
+            </a:r>
+            <a:r>
+              <a:rPr lang="en-GB" baseline="0" dirty="0" smtClean="0"/>
+              <a:t> via 5GTANGO MANO </a:t>
+            </a:r>
+            <a:r>
+              <a:rPr lang="en-GB" baseline="0" dirty="0" smtClean="0">
+                <a:sym typeface="Wingdings" panose="05000000000000000000" pitchFamily="2" charset="2"/>
+              </a:rPr>
+              <a:t> multiple advanced components play together</a:t>
+            </a:r>
+            <a:endParaRPr lang="en-GB" baseline="0" dirty="0" smtClean="0"/>
+          </a:p>
+          <a:p>
+            <a:pPr marL="171450" indent="-171450">
+              <a:buFont typeface="Arial" panose="020B0604020202020204" pitchFamily="34" charset="0"/>
+              <a:buChar char="•"/>
+            </a:pPr>
+            <a:r>
+              <a:rPr lang="en-GB" baseline="0" dirty="0" smtClean="0"/>
+              <a:t>Start: NS2 (IDS, MDC) </a:t>
+            </a:r>
+            <a:r>
+              <a:rPr lang="en-GB" baseline="0" dirty="0" smtClean="0">
+                <a:sym typeface="Wingdings" panose="05000000000000000000" pitchFamily="2" charset="2"/>
+              </a:rPr>
+              <a:t> NS1</a:t>
+            </a:r>
+          </a:p>
+          <a:p>
+            <a:pPr marL="171450" indent="-171450">
+              <a:buFont typeface="Arial" panose="020B0604020202020204" pitchFamily="34" charset="0"/>
+              <a:buChar char="•"/>
+            </a:pPr>
+            <a:r>
+              <a:rPr lang="en-GB" baseline="0" dirty="0" smtClean="0">
+                <a:sym typeface="Wingdings" panose="05000000000000000000" pitchFamily="2" charset="2"/>
+              </a:rPr>
+              <a:t>Powerful  could also be used for more complex attacks/actions based on monitoring data</a:t>
+            </a:r>
+            <a:endParaRPr lang="en-GB" dirty="0"/>
           </a:p>
         </p:txBody>
       </p:sp>
@@ -853,7 +1056,7 @@
             <a:spLocks noGrp="1"/>
           </p:cNvSpPr>
           <p:nvPr>
-            <p:ph type="sldNum" sz="quarter" idx="10"/>
+            <p:ph type="sldNum" sz="quarter" idx="5"/>
           </p:nvPr>
         </p:nvSpPr>
         <p:spPr/>
@@ -861,18 +1064,18 @@
           <a:bodyPr/>
           <a:lstStyle/>
           <a:p>
-            <a:fld id="{7B79B4D4-0913-8344-AEAE-F95D4504677A}" type="slidenum">
-              <a:rPr lang="en-US" smtClean="0"/>
+            <a:fld id="{F56865E8-DD54-A94C-9BBA-945C5EF609D6}" type="slidenum">
+              <a:rPr lang="en-GB" smtClean="0"/>
               <a:t>4</a:t>
             </a:fld>
-            <a:endParaRPr lang="en-US"/>
+            <a:endParaRPr lang="en-GB"/>
           </a:p>
         </p:txBody>
       </p:sp>
     </p:spTree>
     <p:extLst>
       <p:ext uri="{BB962C8B-B14F-4D97-AF65-F5344CB8AC3E}">
-        <p14:creationId xmlns:p14="http://schemas.microsoft.com/office/powerpoint/2010/main" val="1890734631"/>
+        <p14:creationId xmlns:p14="http://schemas.microsoft.com/office/powerpoint/2010/main" val="1060862260"/>
       </p:ext>
     </p:extLst>
   </p:cSld>
@@ -926,7 +1129,11 @@
           <a:bodyPr/>
           <a:lstStyle/>
           <a:p>
-            <a:endParaRPr lang="en-US" dirty="0"/>
+            <a:pPr marL="171450" indent="-171450">
+              <a:buFont typeface="Arial" panose="020B0604020202020204" pitchFamily="34" charset="0"/>
+              <a:buChar char="•"/>
+            </a:pPr>
+            <a:endParaRPr lang="de-DE" dirty="0"/>
           </a:p>
         </p:txBody>
       </p:sp>
@@ -956,7 +1163,7 @@
     </p:spTree>
     <p:extLst>
       <p:ext uri="{BB962C8B-B14F-4D97-AF65-F5344CB8AC3E}">
-        <p14:creationId xmlns:p14="http://schemas.microsoft.com/office/powerpoint/2010/main" val="1466287463"/>
+        <p14:creationId xmlns:p14="http://schemas.microsoft.com/office/powerpoint/2010/main" val="1890734631"/>
       </p:ext>
     </p:extLst>
   </p:cSld>
@@ -1010,7 +1217,11 @@
           <a:bodyPr/>
           <a:lstStyle/>
           <a:p>
-            <a:endParaRPr lang="en-US" dirty="0"/>
+            <a:pPr marL="0" indent="0">
+              <a:buFont typeface="Arial" panose="020B0604020202020204" pitchFamily="34" charset="0"/>
+              <a:buNone/>
+            </a:pPr>
+            <a:endParaRPr lang="en-GB" dirty="0"/>
           </a:p>
         </p:txBody>
       </p:sp>
@@ -1021,7 +1232,7 @@
             <a:spLocks noGrp="1"/>
           </p:cNvSpPr>
           <p:nvPr>
-            <p:ph type="sldNum" sz="quarter" idx="10"/>
+            <p:ph type="sldNum" sz="quarter" idx="5"/>
           </p:nvPr>
         </p:nvSpPr>
         <p:spPr/>
@@ -1029,102 +1240,18 @@
           <a:bodyPr/>
           <a:lstStyle/>
           <a:p>
-            <a:fld id="{7B79B4D4-0913-8344-AEAE-F95D4504677A}" type="slidenum">
-              <a:rPr lang="en-US" smtClean="0"/>
+            <a:fld id="{F56865E8-DD54-A94C-9BBA-945C5EF609D6}" type="slidenum">
+              <a:rPr lang="en-GB" smtClean="0"/>
               <a:t>6</a:t>
             </a:fld>
-            <a:endParaRPr lang="en-US"/>
+            <a:endParaRPr lang="en-GB"/>
           </a:p>
         </p:txBody>
       </p:sp>
     </p:spTree>
     <p:extLst>
       <p:ext uri="{BB962C8B-B14F-4D97-AF65-F5344CB8AC3E}">
-        <p14:creationId xmlns:p14="http://schemas.microsoft.com/office/powerpoint/2010/main" val="1075816295"/>
-      </p:ext>
-    </p:extLst>
-  </p:cSld>
-  <p:clrMapOvr>
-    <a:masterClrMapping/>
-  </p:clrMapOvr>
-</p:notes>
-</file>
-
-<file path=ppt/notesSlides/notesSlide7.xml><?xml version="1.0" encoding="utf-8"?>
-<p:notes xmlns:a="http://schemas.openxmlformats.org/drawingml/2006/main" xmlns:r="http://schemas.openxmlformats.org/officeDocument/2006/relationships" xmlns:p="http://schemas.openxmlformats.org/presentationml/2006/main">
-  <p:cSld>
-    <p:spTree>
-      <p:nvGrpSpPr>
-        <p:cNvPr id="1" name=""/>
-        <p:cNvGrpSpPr/>
-        <p:nvPr/>
-      </p:nvGrpSpPr>
-      <p:grpSpPr>
-        <a:xfrm>
-          <a:off x="0" y="0"/>
-          <a:ext cx="0" cy="0"/>
-          <a:chOff x="0" y="0"/>
-          <a:chExt cx="0" cy="0"/>
-        </a:xfrm>
-      </p:grpSpPr>
-      <p:sp>
-        <p:nvSpPr>
-          <p:cNvPr id="2" name="Slide Image Placeholder 1"/>
-          <p:cNvSpPr>
-            <a:spLocks noGrp="1" noRot="1" noChangeAspect="1"/>
-          </p:cNvSpPr>
-          <p:nvPr>
-            <p:ph type="sldImg"/>
-          </p:nvPr>
-        </p:nvSpPr>
-        <p:spPr/>
-      </p:sp>
-      <p:sp>
-        <p:nvSpPr>
-          <p:cNvPr id="3" name="Notes Placeholder 2"/>
-          <p:cNvSpPr>
-            <a:spLocks noGrp="1"/>
-          </p:cNvSpPr>
-          <p:nvPr>
-            <p:ph type="body" idx="1"/>
-          </p:nvPr>
-        </p:nvSpPr>
-        <p:spPr/>
-        <p:txBody>
-          <a:bodyPr/>
-          <a:lstStyle/>
-          <a:p>
-            <a:endParaRPr lang="en-US" dirty="0"/>
-          </a:p>
-        </p:txBody>
-      </p:sp>
-      <p:sp>
-        <p:nvSpPr>
-          <p:cNvPr id="4" name="Slide Number Placeholder 3"/>
-          <p:cNvSpPr>
-            <a:spLocks noGrp="1"/>
-          </p:cNvSpPr>
-          <p:nvPr>
-            <p:ph type="sldNum" sz="quarter" idx="10"/>
-          </p:nvPr>
-        </p:nvSpPr>
-        <p:spPr/>
-        <p:txBody>
-          <a:bodyPr/>
-          <a:lstStyle/>
-          <a:p>
-            <a:fld id="{7B79B4D4-0913-8344-AEAE-F95D4504677A}" type="slidenum">
-              <a:rPr lang="en-US" smtClean="0"/>
-              <a:t>11</a:t>
-            </a:fld>
-            <a:endParaRPr lang="en-US"/>
-          </a:p>
-        </p:txBody>
-      </p:sp>
-    </p:spTree>
-    <p:extLst>
-      <p:ext uri="{BB962C8B-B14F-4D97-AF65-F5344CB8AC3E}">
-        <p14:creationId xmlns:p14="http://schemas.microsoft.com/office/powerpoint/2010/main" val="1033773171"/>
+        <p14:creationId xmlns:p14="http://schemas.microsoft.com/office/powerpoint/2010/main" val="4144942178"/>
       </p:ext>
     </p:extLst>
   </p:cSld>
@@ -2988,596 +3115,6 @@
 </p:sld>
 </file>
 
-<file path=ppt/slides/slide10.xml><?xml version="1.0" encoding="utf-8"?>
-<p:sld xmlns:a="http://schemas.openxmlformats.org/drawingml/2006/main" xmlns:r="http://schemas.openxmlformats.org/officeDocument/2006/relationships" xmlns:p="http://schemas.openxmlformats.org/presentationml/2006/main">
-  <p:cSld>
-    <p:spTree>
-      <p:nvGrpSpPr>
-        <p:cNvPr id="1" name=""/>
-        <p:cNvGrpSpPr/>
-        <p:nvPr/>
-      </p:nvGrpSpPr>
-      <p:grpSpPr>
-        <a:xfrm>
-          <a:off x="0" y="0"/>
-          <a:ext cx="0" cy="0"/>
-          <a:chOff x="0" y="0"/>
-          <a:chExt cx="0" cy="0"/>
-        </a:xfrm>
-      </p:grpSpPr>
-      <p:sp>
-        <p:nvSpPr>
-          <p:cNvPr id="3" name="Title 2"/>
-          <p:cNvSpPr>
-            <a:spLocks noGrp="1"/>
-          </p:cNvSpPr>
-          <p:nvPr>
-            <p:ph type="title"/>
-          </p:nvPr>
-        </p:nvSpPr>
-        <p:spPr/>
-        <p:txBody>
-          <a:bodyPr/>
-          <a:lstStyle/>
-          <a:p>
-            <a:r>
-              <a:rPr lang="en-US" dirty="0" smtClean="0"/>
-              <a:t>Automatic Reconfiguration</a:t>
-            </a:r>
-            <a:endParaRPr lang="en-US" dirty="0"/>
-          </a:p>
-        </p:txBody>
-      </p:sp>
-      <p:pic>
-        <p:nvPicPr>
-          <p:cNvPr id="5" name="Content Placeholder 4"/>
-          <p:cNvPicPr>
-            <a:picLocks noGrp="1" noChangeAspect="1"/>
-          </p:cNvPicPr>
-          <p:nvPr>
-            <p:ph idx="1"/>
-          </p:nvPr>
-        </p:nvPicPr>
-        <p:blipFill>
-          <a:blip r:embed="rId2">
-            <a:extLst>
-              <a:ext uri="{28A0092B-C50C-407E-A947-70E740481C1C}">
-                <a14:useLocalDpi xmlns:a14="http://schemas.microsoft.com/office/drawing/2010/main" val="0"/>
-              </a:ext>
-            </a:extLst>
-          </a:blip>
-          <a:stretch>
-            <a:fillRect/>
-          </a:stretch>
-        </p:blipFill>
-        <p:spPr>
-          <a:xfrm>
-            <a:off x="1673578" y="1328738"/>
-            <a:ext cx="8844844" cy="4975225"/>
-          </a:xfrm>
-        </p:spPr>
-      </p:pic>
-    </p:spTree>
-    <p:extLst>
-      <p:ext uri="{BB962C8B-B14F-4D97-AF65-F5344CB8AC3E}">
-        <p14:creationId xmlns:p14="http://schemas.microsoft.com/office/powerpoint/2010/main" val="3582280741"/>
-      </p:ext>
-    </p:extLst>
-  </p:cSld>
-  <p:clrMapOvr>
-    <a:masterClrMapping/>
-  </p:clrMapOvr>
-</p:sld>
-</file>
-
-<file path=ppt/slides/slide11.xml><?xml version="1.0" encoding="utf-8"?>
-<p:sld xmlns:a="http://schemas.openxmlformats.org/drawingml/2006/main" xmlns:r="http://schemas.openxmlformats.org/officeDocument/2006/relationships" xmlns:p="http://schemas.openxmlformats.org/presentationml/2006/main">
-  <p:cSld>
-    <p:spTree>
-      <p:nvGrpSpPr>
-        <p:cNvPr id="1" name=""/>
-        <p:cNvGrpSpPr/>
-        <p:nvPr/>
-      </p:nvGrpSpPr>
-      <p:grpSpPr>
-        <a:xfrm>
-          <a:off x="0" y="0"/>
-          <a:ext cx="0" cy="0"/>
-          <a:chOff x="0" y="0"/>
-          <a:chExt cx="0" cy="0"/>
-        </a:xfrm>
-      </p:grpSpPr>
-      <p:sp>
-        <p:nvSpPr>
-          <p:cNvPr id="5" name="Title 4"/>
-          <p:cNvSpPr>
-            <a:spLocks noGrp="1"/>
-          </p:cNvSpPr>
-          <p:nvPr>
-            <p:ph type="ctrTitle"/>
-          </p:nvPr>
-        </p:nvSpPr>
-        <p:spPr/>
-        <p:txBody>
-          <a:bodyPr/>
-          <a:lstStyle/>
-          <a:p>
-            <a:r>
-              <a:rPr lang="en-US" dirty="0" smtClean="0"/>
-              <a:t>Demo time!</a:t>
-            </a:r>
-            <a:endParaRPr lang="en-US" dirty="0"/>
-          </a:p>
-        </p:txBody>
-      </p:sp>
-      <p:sp>
-        <p:nvSpPr>
-          <p:cNvPr id="6" name="Subtitle 5"/>
-          <p:cNvSpPr>
-            <a:spLocks noGrp="1"/>
-          </p:cNvSpPr>
-          <p:nvPr>
-            <p:ph type="subTitle" idx="1"/>
-          </p:nvPr>
-        </p:nvSpPr>
-        <p:spPr/>
-        <p:txBody>
-          <a:bodyPr>
-            <a:normAutofit/>
-          </a:bodyPr>
-          <a:lstStyle/>
-          <a:p>
-            <a:r>
-              <a:rPr lang="en-US" dirty="0" smtClean="0"/>
-              <a:t>Starting point: Machine data arriving in normal NS1</a:t>
-            </a:r>
-            <a:endParaRPr lang="en-US" dirty="0"/>
-          </a:p>
-        </p:txBody>
-      </p:sp>
-    </p:spTree>
-    <p:extLst>
-      <p:ext uri="{BB962C8B-B14F-4D97-AF65-F5344CB8AC3E}">
-        <p14:creationId xmlns:p14="http://schemas.microsoft.com/office/powerpoint/2010/main" val="573179383"/>
-      </p:ext>
-    </p:extLst>
-  </p:cSld>
-  <p:clrMapOvr>
-    <a:masterClrMapping/>
-  </p:clrMapOvr>
-  <p:timing>
-    <p:tnLst>
-      <p:par>
-        <p:cTn id="1" dur="indefinite" restart="never" nodeType="tmRoot"/>
-      </p:par>
-    </p:tnLst>
-  </p:timing>
-</p:sld>
-</file>
-
-<file path=ppt/slides/slide12.xml><?xml version="1.0" encoding="utf-8"?>
-<p:sld xmlns:a="http://schemas.openxmlformats.org/drawingml/2006/main" xmlns:r="http://schemas.openxmlformats.org/officeDocument/2006/relationships" xmlns:p="http://schemas.openxmlformats.org/presentationml/2006/main">
-  <p:cSld>
-    <p:spTree>
-      <p:nvGrpSpPr>
-        <p:cNvPr id="1" name=""/>
-        <p:cNvGrpSpPr/>
-        <p:nvPr/>
-      </p:nvGrpSpPr>
-      <p:grpSpPr>
-        <a:xfrm>
-          <a:off x="0" y="0"/>
-          <a:ext cx="0" cy="0"/>
-          <a:chOff x="0" y="0"/>
-          <a:chExt cx="0" cy="0"/>
-        </a:xfrm>
-      </p:grpSpPr>
-      <p:sp>
-        <p:nvSpPr>
-          <p:cNvPr id="4" name="Title 3"/>
-          <p:cNvSpPr>
-            <a:spLocks noGrp="1"/>
-          </p:cNvSpPr>
-          <p:nvPr>
-            <p:ph type="ctrTitle"/>
-          </p:nvPr>
-        </p:nvSpPr>
-        <p:spPr/>
-        <p:txBody>
-          <a:bodyPr/>
-          <a:lstStyle/>
-          <a:p>
-            <a:r>
-              <a:rPr lang="en-US" dirty="0" smtClean="0"/>
-              <a:t>Intrusion attempt by attacker</a:t>
-            </a:r>
-            <a:endParaRPr lang="en-US" dirty="0"/>
-          </a:p>
-        </p:txBody>
-      </p:sp>
-      <p:sp>
-        <p:nvSpPr>
-          <p:cNvPr id="5" name="Subtitle 4"/>
-          <p:cNvSpPr>
-            <a:spLocks noGrp="1"/>
-          </p:cNvSpPr>
-          <p:nvPr>
-            <p:ph type="subTitle" idx="1"/>
-          </p:nvPr>
-        </p:nvSpPr>
-        <p:spPr/>
-        <p:txBody>
-          <a:bodyPr/>
-          <a:lstStyle/>
-          <a:p>
-            <a:endParaRPr lang="en-US" dirty="0"/>
-          </a:p>
-        </p:txBody>
-      </p:sp>
-    </p:spTree>
-    <p:extLst>
-      <p:ext uri="{BB962C8B-B14F-4D97-AF65-F5344CB8AC3E}">
-        <p14:creationId xmlns:p14="http://schemas.microsoft.com/office/powerpoint/2010/main" val="3722428363"/>
-      </p:ext>
-    </p:extLst>
-  </p:cSld>
-  <p:clrMapOvr>
-    <a:masterClrMapping/>
-  </p:clrMapOvr>
-  <mc:AlternateContent xmlns:mc="http://schemas.openxmlformats.org/markup-compatibility/2006" xmlns:p14="http://schemas.microsoft.com/office/powerpoint/2010/main">
-    <mc:Choice Requires="p14">
-      <p:transition spd="slow" p14:dur="2000"/>
-    </mc:Choice>
-    <mc:Fallback xmlns="">
-      <p:transition spd="slow"/>
-    </mc:Fallback>
-  </mc:AlternateContent>
-  <p:timing>
-    <p:tnLst>
-      <p:par>
-        <p:cTn id="1" dur="indefinite" restart="never" nodeType="tmRoot"/>
-      </p:par>
-    </p:tnLst>
-  </p:timing>
-</p:sld>
-</file>
-
-<file path=ppt/slides/slide13.xml><?xml version="1.0" encoding="utf-8"?>
-<p:sld xmlns:a="http://schemas.openxmlformats.org/drawingml/2006/main" xmlns:r="http://schemas.openxmlformats.org/officeDocument/2006/relationships" xmlns:p="http://schemas.openxmlformats.org/presentationml/2006/main">
-  <p:cSld>
-    <p:spTree>
-      <p:nvGrpSpPr>
-        <p:cNvPr id="1" name=""/>
-        <p:cNvGrpSpPr/>
-        <p:nvPr/>
-      </p:nvGrpSpPr>
-      <p:grpSpPr>
-        <a:xfrm>
-          <a:off x="0" y="0"/>
-          <a:ext cx="0" cy="0"/>
-          <a:chOff x="0" y="0"/>
-          <a:chExt cx="0" cy="0"/>
-        </a:xfrm>
-      </p:grpSpPr>
-      <p:sp>
-        <p:nvSpPr>
-          <p:cNvPr id="2" name="Title 1"/>
-          <p:cNvSpPr>
-            <a:spLocks noGrp="1"/>
-          </p:cNvSpPr>
-          <p:nvPr>
-            <p:ph type="ctrTitle"/>
-          </p:nvPr>
-        </p:nvSpPr>
-        <p:spPr/>
-        <p:txBody>
-          <a:bodyPr>
-            <a:normAutofit/>
-          </a:bodyPr>
-          <a:lstStyle/>
-          <a:p>
-            <a:r>
-              <a:rPr lang="en-US" dirty="0" smtClean="0"/>
-              <a:t>IDS Detects Intrusion</a:t>
-            </a:r>
-            <a:endParaRPr lang="en-US" dirty="0"/>
-          </a:p>
-        </p:txBody>
-      </p:sp>
-      <p:sp>
-        <p:nvSpPr>
-          <p:cNvPr id="3" name="Subtitle 2"/>
-          <p:cNvSpPr>
-            <a:spLocks noGrp="1"/>
-          </p:cNvSpPr>
-          <p:nvPr>
-            <p:ph type="subTitle" idx="1"/>
-          </p:nvPr>
-        </p:nvSpPr>
-        <p:spPr/>
-        <p:txBody>
-          <a:bodyPr/>
-          <a:lstStyle/>
-          <a:p>
-            <a:r>
-              <a:rPr lang="en-US" dirty="0" smtClean="0"/>
-              <a:t>Intrusion attempt shown in IDS logs</a:t>
-            </a:r>
-            <a:endParaRPr lang="en-US" dirty="0"/>
-          </a:p>
-        </p:txBody>
-      </p:sp>
-    </p:spTree>
-    <p:extLst>
-      <p:ext uri="{BB962C8B-B14F-4D97-AF65-F5344CB8AC3E}">
-        <p14:creationId xmlns:p14="http://schemas.microsoft.com/office/powerpoint/2010/main" val="2792483557"/>
-      </p:ext>
-    </p:extLst>
-  </p:cSld>
-  <p:clrMapOvr>
-    <a:masterClrMapping/>
-  </p:clrMapOvr>
-  <mc:AlternateContent xmlns:mc="http://schemas.openxmlformats.org/markup-compatibility/2006" xmlns:p14="http://schemas.microsoft.com/office/powerpoint/2010/main">
-    <mc:Choice Requires="p14">
-      <p:transition spd="slow" p14:dur="2000"/>
-    </mc:Choice>
-    <mc:Fallback xmlns="">
-      <p:transition spd="slow"/>
-    </mc:Fallback>
-  </mc:AlternateContent>
-</p:sld>
-</file>
-
-<file path=ppt/slides/slide14.xml><?xml version="1.0" encoding="utf-8"?>
-<p:sld xmlns:a="http://schemas.openxmlformats.org/drawingml/2006/main" xmlns:r="http://schemas.openxmlformats.org/officeDocument/2006/relationships" xmlns:p="http://schemas.openxmlformats.org/presentationml/2006/main">
-  <p:cSld>
-    <p:spTree>
-      <p:nvGrpSpPr>
-        <p:cNvPr id="1" name=""/>
-        <p:cNvGrpSpPr/>
-        <p:nvPr/>
-      </p:nvGrpSpPr>
-      <p:grpSpPr>
-        <a:xfrm>
-          <a:off x="0" y="0"/>
-          <a:ext cx="0" cy="0"/>
-          <a:chOff x="0" y="0"/>
-          <a:chExt cx="0" cy="0"/>
-        </a:xfrm>
-      </p:grpSpPr>
-      <p:sp>
-        <p:nvSpPr>
-          <p:cNvPr id="2" name="Title 1"/>
-          <p:cNvSpPr>
-            <a:spLocks noGrp="1"/>
-          </p:cNvSpPr>
-          <p:nvPr>
-            <p:ph type="ctrTitle"/>
-          </p:nvPr>
-        </p:nvSpPr>
-        <p:spPr/>
-        <p:txBody>
-          <a:bodyPr>
-            <a:normAutofit/>
-          </a:bodyPr>
-          <a:lstStyle/>
-          <a:p>
-            <a:r>
-              <a:rPr lang="en-US" dirty="0" smtClean="0"/>
-              <a:t>Alert triggered</a:t>
-            </a:r>
-            <a:endParaRPr lang="en-US" dirty="0"/>
-          </a:p>
-        </p:txBody>
-      </p:sp>
-      <p:sp>
-        <p:nvSpPr>
-          <p:cNvPr id="3" name="Subtitle 2"/>
-          <p:cNvSpPr>
-            <a:spLocks noGrp="1"/>
-          </p:cNvSpPr>
-          <p:nvPr>
-            <p:ph type="subTitle" idx="1"/>
-          </p:nvPr>
-        </p:nvSpPr>
-        <p:spPr/>
-        <p:txBody>
-          <a:bodyPr/>
-          <a:lstStyle/>
-          <a:p>
-            <a:r>
-              <a:rPr lang="en-US" dirty="0" smtClean="0"/>
-              <a:t>Alert triggered through IDS, monitoring system, policies</a:t>
-            </a:r>
-            <a:endParaRPr lang="en-US" dirty="0"/>
-          </a:p>
-        </p:txBody>
-      </p:sp>
-    </p:spTree>
-    <p:extLst>
-      <p:ext uri="{BB962C8B-B14F-4D97-AF65-F5344CB8AC3E}">
-        <p14:creationId xmlns:p14="http://schemas.microsoft.com/office/powerpoint/2010/main" val="670289665"/>
-      </p:ext>
-    </p:extLst>
-  </p:cSld>
-  <p:clrMapOvr>
-    <a:masterClrMapping/>
-  </p:clrMapOvr>
-  <mc:AlternateContent xmlns:mc="http://schemas.openxmlformats.org/markup-compatibility/2006" xmlns:p14="http://schemas.microsoft.com/office/powerpoint/2010/main">
-    <mc:Choice Requires="p14">
-      <p:transition spd="slow" p14:dur="2000"/>
-    </mc:Choice>
-    <mc:Fallback xmlns="">
-      <p:transition spd="slow"/>
-    </mc:Fallback>
-  </mc:AlternateContent>
-</p:sld>
-</file>
-
-<file path=ppt/slides/slide15.xml><?xml version="1.0" encoding="utf-8"?>
-<p:sld xmlns:a="http://schemas.openxmlformats.org/drawingml/2006/main" xmlns:r="http://schemas.openxmlformats.org/officeDocument/2006/relationships" xmlns:p="http://schemas.openxmlformats.org/presentationml/2006/main">
-  <p:cSld>
-    <p:spTree>
-      <p:nvGrpSpPr>
-        <p:cNvPr id="1" name=""/>
-        <p:cNvGrpSpPr/>
-        <p:nvPr/>
-      </p:nvGrpSpPr>
-      <p:grpSpPr>
-        <a:xfrm>
-          <a:off x="0" y="0"/>
-          <a:ext cx="0" cy="0"/>
-          <a:chOff x="0" y="0"/>
-          <a:chExt cx="0" cy="0"/>
-        </a:xfrm>
-      </p:grpSpPr>
-      <p:sp>
-        <p:nvSpPr>
-          <p:cNvPr id="2" name="Title 1"/>
-          <p:cNvSpPr>
-            <a:spLocks noGrp="1"/>
-          </p:cNvSpPr>
-          <p:nvPr>
-            <p:ph type="ctrTitle"/>
-          </p:nvPr>
-        </p:nvSpPr>
-        <p:spPr/>
-        <p:txBody>
-          <a:bodyPr>
-            <a:normAutofit/>
-          </a:bodyPr>
-          <a:lstStyle/>
-          <a:p>
-            <a:r>
-              <a:rPr lang="en-US" dirty="0" smtClean="0"/>
-              <a:t>NS2 reconfigured</a:t>
-            </a:r>
-            <a:endParaRPr lang="en-US" dirty="0"/>
-          </a:p>
-        </p:txBody>
-      </p:sp>
-      <p:sp>
-        <p:nvSpPr>
-          <p:cNvPr id="3" name="Subtitle 2"/>
-          <p:cNvSpPr>
-            <a:spLocks noGrp="1"/>
-          </p:cNvSpPr>
-          <p:nvPr>
-            <p:ph type="subTitle" idx="1"/>
-          </p:nvPr>
-        </p:nvSpPr>
-        <p:spPr/>
-        <p:txBody>
-          <a:bodyPr/>
-          <a:lstStyle/>
-          <a:p>
-            <a:r>
-              <a:rPr lang="en-US" dirty="0" smtClean="0"/>
-              <a:t>To send data to quarantine NS1</a:t>
-            </a:r>
-            <a:endParaRPr lang="en-US" dirty="0"/>
-          </a:p>
-        </p:txBody>
-      </p:sp>
-    </p:spTree>
-    <p:extLst>
-      <p:ext uri="{BB962C8B-B14F-4D97-AF65-F5344CB8AC3E}">
-        <p14:creationId xmlns:p14="http://schemas.microsoft.com/office/powerpoint/2010/main" val="1373315280"/>
-      </p:ext>
-    </p:extLst>
-  </p:cSld>
-  <p:clrMapOvr>
-    <a:masterClrMapping/>
-  </p:clrMapOvr>
-  <mc:AlternateContent xmlns:mc="http://schemas.openxmlformats.org/markup-compatibility/2006" xmlns:p14="http://schemas.microsoft.com/office/powerpoint/2010/main">
-    <mc:Choice Requires="p14">
-      <p:transition spd="slow" p14:dur="2000"/>
-    </mc:Choice>
-    <mc:Fallback xmlns="">
-      <p:transition spd="slow"/>
-    </mc:Fallback>
-  </mc:AlternateContent>
-</p:sld>
-</file>
-
-<file path=ppt/slides/slide16.xml><?xml version="1.0" encoding="utf-8"?>
-<p:sld xmlns:a="http://schemas.openxmlformats.org/drawingml/2006/main" xmlns:r="http://schemas.openxmlformats.org/officeDocument/2006/relationships" xmlns:p="http://schemas.openxmlformats.org/presentationml/2006/main">
-  <p:cSld>
-    <p:spTree>
-      <p:nvGrpSpPr>
-        <p:cNvPr id="1" name=""/>
-        <p:cNvGrpSpPr/>
-        <p:nvPr/>
-      </p:nvGrpSpPr>
-      <p:grpSpPr>
-        <a:xfrm>
-          <a:off x="0" y="0"/>
-          <a:ext cx="0" cy="0"/>
-          <a:chOff x="0" y="0"/>
-          <a:chExt cx="0" cy="0"/>
-        </a:xfrm>
-      </p:grpSpPr>
-      <p:sp>
-        <p:nvSpPr>
-          <p:cNvPr id="5" name="Title 4"/>
-          <p:cNvSpPr>
-            <a:spLocks noGrp="1"/>
-          </p:cNvSpPr>
-          <p:nvPr>
-            <p:ph type="ctrTitle"/>
-          </p:nvPr>
-        </p:nvSpPr>
-        <p:spPr/>
-        <p:txBody>
-          <a:bodyPr/>
-          <a:lstStyle/>
-          <a:p>
-            <a:r>
-              <a:rPr lang="en-US" dirty="0"/>
-              <a:t>Thanks!</a:t>
-            </a:r>
-          </a:p>
-        </p:txBody>
-      </p:sp>
-      <p:sp>
-        <p:nvSpPr>
-          <p:cNvPr id="6" name="Subtitle 5"/>
-          <p:cNvSpPr>
-            <a:spLocks noGrp="1"/>
-          </p:cNvSpPr>
-          <p:nvPr>
-            <p:ph type="subTitle" idx="1"/>
-          </p:nvPr>
-        </p:nvSpPr>
-        <p:spPr/>
-        <p:txBody>
-          <a:bodyPr/>
-          <a:lstStyle/>
-          <a:p>
-            <a:endParaRPr lang="en-US"/>
-          </a:p>
-        </p:txBody>
-      </p:sp>
-    </p:spTree>
-    <p:extLst>
-      <p:ext uri="{BB962C8B-B14F-4D97-AF65-F5344CB8AC3E}">
-        <p14:creationId xmlns:p14="http://schemas.microsoft.com/office/powerpoint/2010/main" val="839276976"/>
-      </p:ext>
-    </p:extLst>
-  </p:cSld>
-  <p:clrMapOvr>
-    <a:masterClrMapping/>
-  </p:clrMapOvr>
-  <p:timing>
-    <p:tnLst>
-      <p:par>
-        <p:cTn id="1" dur="indefinite" restart="never" nodeType="tmRoot"/>
-      </p:par>
-    </p:tnLst>
-  </p:timing>
-</p:sld>
-</file>
-
 <file path=ppt/slides/slide2.xml><?xml version="1.0" encoding="utf-8"?>
 <p:sld xmlns:a="http://schemas.openxmlformats.org/drawingml/2006/main" xmlns:r="http://schemas.openxmlformats.org/officeDocument/2006/relationships" xmlns:p="http://schemas.openxmlformats.org/presentationml/2006/main">
   <p:cSld>
@@ -3612,11 +3149,7 @@
           <a:p>
             <a:r>
               <a:rPr lang="en-US" dirty="0" smtClean="0"/>
-              <a:t>High-Level </a:t>
-            </a:r>
-            <a:r>
-              <a:rPr lang="en-US" dirty="0" smtClean="0"/>
-              <a:t>Architecture: Normal Production</a:t>
+              <a:t>High-Level Architecture: Normal Production</a:t>
             </a:r>
             <a:endParaRPr lang="en-US" dirty="0"/>
           </a:p>
@@ -3646,11 +3179,130 @@
         </p:blipFill>
         <p:spPr>
           <a:xfrm>
-            <a:off x="4163942" y="1455739"/>
+            <a:off x="4165200" y="1455739"/>
             <a:ext cx="3864115" cy="4975225"/>
           </a:xfrm>
         </p:spPr>
       </p:pic>
+      <p:grpSp>
+        <p:nvGrpSpPr>
+          <p:cNvPr id="5" name="Group 4">
+            <a:extLst>
+              <a:ext uri="{FF2B5EF4-FFF2-40B4-BE49-F238E27FC236}">
+                <a16:creationId xmlns:a16="http://schemas.microsoft.com/office/drawing/2014/main" id="{94FBA9F4-E5B1-B747-B2D3-E9BC9C10BF80}"/>
+              </a:ext>
+            </a:extLst>
+          </p:cNvPr>
+          <p:cNvGrpSpPr/>
+          <p:nvPr/>
+        </p:nvGrpSpPr>
+        <p:grpSpPr>
+          <a:xfrm>
+            <a:off x="3482780" y="5056724"/>
+            <a:ext cx="1022716" cy="1395819"/>
+            <a:chOff x="355537" y="4897975"/>
+            <a:chExt cx="1022716" cy="1395819"/>
+          </a:xfrm>
+        </p:grpSpPr>
+        <p:sp>
+          <p:nvSpPr>
+            <p:cNvPr id="6" name="Lightning Bolt 5">
+              <a:extLst>
+                <a:ext uri="{FF2B5EF4-FFF2-40B4-BE49-F238E27FC236}">
+                  <a16:creationId xmlns:a16="http://schemas.microsoft.com/office/drawing/2014/main" id="{3B85B2E8-5C1D-B14C-A927-AD80FE3759A2}"/>
+                </a:ext>
+              </a:extLst>
+            </p:cNvPr>
+            <p:cNvSpPr/>
+            <p:nvPr/>
+          </p:nvSpPr>
+          <p:spPr>
+            <a:xfrm>
+              <a:off x="540266" y="4897975"/>
+              <a:ext cx="565724" cy="1025215"/>
+            </a:xfrm>
+            <a:prstGeom prst="lightningBolt">
+              <a:avLst/>
+            </a:prstGeom>
+            <a:solidFill>
+              <a:srgbClr val="FFFF00"/>
+            </a:solidFill>
+            <a:ln>
+              <a:solidFill>
+                <a:schemeClr val="accent4">
+                  <a:lumMod val="75000"/>
+                </a:schemeClr>
+              </a:solidFill>
+            </a:ln>
+          </p:spPr>
+          <p:style>
+            <a:lnRef idx="2">
+              <a:schemeClr val="accent1">
+                <a:shade val="50000"/>
+              </a:schemeClr>
+            </a:lnRef>
+            <a:fillRef idx="1">
+              <a:schemeClr val="accent1"/>
+            </a:fillRef>
+            <a:effectRef idx="0">
+              <a:schemeClr val="accent1"/>
+            </a:effectRef>
+            <a:fontRef idx="minor">
+              <a:schemeClr val="lt1"/>
+            </a:fontRef>
+          </p:style>
+          <p:txBody>
+            <a:bodyPr rtlCol="0" anchor="ctr"/>
+            <a:lstStyle/>
+            <a:p>
+              <a:pPr algn="ctr"/>
+              <a:endParaRPr lang="en-GB"/>
+            </a:p>
+          </p:txBody>
+        </p:sp>
+        <p:sp>
+          <p:nvSpPr>
+            <p:cNvPr id="7" name="TextBox 6">
+              <a:extLst>
+                <a:ext uri="{FF2B5EF4-FFF2-40B4-BE49-F238E27FC236}">
+                  <a16:creationId xmlns:a16="http://schemas.microsoft.com/office/drawing/2014/main" id="{014A927A-8286-3C4C-9836-3A5A240E07D8}"/>
+                </a:ext>
+              </a:extLst>
+            </p:cNvPr>
+            <p:cNvSpPr txBox="1"/>
+            <p:nvPr/>
+          </p:nvSpPr>
+          <p:spPr>
+            <a:xfrm>
+              <a:off x="355537" y="5955240"/>
+              <a:ext cx="1022716" cy="338554"/>
+            </a:xfrm>
+            <a:prstGeom prst="rect">
+              <a:avLst/>
+            </a:prstGeom>
+            <a:noFill/>
+          </p:spPr>
+          <p:txBody>
+            <a:bodyPr wrap="none" rtlCol="0">
+              <a:spAutoFit/>
+            </a:bodyPr>
+            <a:lstStyle/>
+            <a:p>
+              <a:pPr algn="ctr"/>
+              <a:r>
+                <a:rPr lang="en-GB" sz="1600" b="1" dirty="0">
+                  <a:solidFill>
+                    <a:schemeClr val="accent4">
+                      <a:lumMod val="75000"/>
+                    </a:schemeClr>
+                  </a:solidFill>
+                </a:rPr>
+                <a:t>Intrusion!</a:t>
+              </a:r>
+            </a:p>
+          </p:txBody>
+        </p:sp>
+      </p:grpSp>
     </p:spTree>
     <p:extLst>
       <p:ext uri="{BB962C8B-B14F-4D97-AF65-F5344CB8AC3E}">
@@ -3664,7 +3316,75 @@
   <p:timing>
     <p:tnLst>
       <p:par>
-        <p:cTn id="1" dur="indefinite" restart="never" nodeType="tmRoot"/>
+        <p:cTn id="1" dur="indefinite" restart="never" nodeType="tmRoot">
+          <p:childTnLst>
+            <p:seq concurrent="1" nextAc="seek">
+              <p:cTn id="2" dur="indefinite" nodeType="mainSeq">
+                <p:childTnLst>
+                  <p:par>
+                    <p:cTn id="3" fill="hold">
+                      <p:stCondLst>
+                        <p:cond delay="indefinite"/>
+                      </p:stCondLst>
+                      <p:childTnLst>
+                        <p:par>
+                          <p:cTn id="4" fill="hold">
+                            <p:stCondLst>
+                              <p:cond delay="0"/>
+                            </p:stCondLst>
+                            <p:childTnLst>
+                              <p:par>
+                                <p:cTn id="5" presetID="1" presetClass="entr" presetSubtype="0" fill="hold" nodeType="clickEffect">
+                                  <p:stCondLst>
+                                    <p:cond delay="0"/>
+                                  </p:stCondLst>
+                                  <p:childTnLst>
+                                    <p:set>
+                                      <p:cBhvr>
+                                        <p:cTn id="6" dur="1" fill="hold">
+                                          <p:stCondLst>
+                                            <p:cond delay="0"/>
+                                          </p:stCondLst>
+                                        </p:cTn>
+                                        <p:tgtEl>
+                                          <p:spTgt spid="5"/>
+                                        </p:tgtEl>
+                                        <p:attrNameLst>
+                                          <p:attrName>style.visibility</p:attrName>
+                                        </p:attrNameLst>
+                                      </p:cBhvr>
+                                      <p:to>
+                                        <p:strVal val="visible"/>
+                                      </p:to>
+                                    </p:set>
+                                  </p:childTnLst>
+                                </p:cTn>
+                              </p:par>
+                            </p:childTnLst>
+                          </p:cTn>
+                        </p:par>
+                      </p:childTnLst>
+                    </p:cTn>
+                  </p:par>
+                </p:childTnLst>
+              </p:cTn>
+              <p:prevCondLst>
+                <p:cond evt="onPrev" delay="0">
+                  <p:tgtEl>
+                    <p:sldTgt/>
+                  </p:tgtEl>
+                </p:cond>
+              </p:prevCondLst>
+              <p:nextCondLst>
+                <p:cond evt="onNext" delay="0">
+                  <p:tgtEl>
+                    <p:sldTgt/>
+                  </p:tgtEl>
+                </p:cond>
+              </p:nextCondLst>
+            </p:seq>
+          </p:childTnLst>
+        </p:cTn>
       </p:par>
     </p:tnLst>
   </p:timing>
@@ -3710,7 +3430,7 @@
         </p:blipFill>
         <p:spPr>
           <a:xfrm>
-            <a:off x="4196323" y="1455739"/>
+            <a:off x="4165200" y="1455739"/>
             <a:ext cx="3880875" cy="4996804"/>
           </a:xfrm>
           <a:prstGeom prst="rect">
@@ -3735,11 +3455,7 @@
           <a:p>
             <a:r>
               <a:rPr lang="en-US" dirty="0" smtClean="0"/>
-              <a:t>High-Level </a:t>
-            </a:r>
-            <a:r>
-              <a:rPr lang="en-US" dirty="0" smtClean="0"/>
-              <a:t>Architecture: Intrusion</a:t>
+              <a:t>High-Level Architecture: Intrusion</a:t>
             </a:r>
             <a:endParaRPr lang="en-US" dirty="0"/>
           </a:p>
@@ -3759,7 +3475,7 @@
         </p:nvGrpSpPr>
         <p:grpSpPr>
           <a:xfrm>
-            <a:off x="3555937" y="5056724"/>
+            <a:off x="3482780" y="5056724"/>
             <a:ext cx="1022716" cy="1395819"/>
             <a:chOff x="355537" y="4897975"/>
             <a:chExt cx="1022716" cy="1395819"/>
@@ -3786,10 +3502,7 @@
               <a:avLst/>
             </a:prstGeom>
             <a:solidFill>
-              <a:schemeClr val="accent4">
-                <a:lumMod val="40000"/>
-                <a:lumOff val="60000"/>
-              </a:schemeClr>
+              <a:srgbClr val="FFFF00"/>
             </a:solidFill>
             <a:ln>
               <a:solidFill>
@@ -3906,136 +3619,2212 @@
       </p:grpSpPr>
       <p:sp>
         <p:nvSpPr>
-          <p:cNvPr id="2" name="Content Placeholder 1"/>
-          <p:cNvSpPr>
-            <a:spLocks noGrp="1"/>
-          </p:cNvSpPr>
-          <p:nvPr>
-            <p:ph idx="1"/>
-          </p:nvPr>
+          <p:cNvPr id="15" name="Rectangle 14">
+            <a:extLst>
+              <a:ext uri="{FF2B5EF4-FFF2-40B4-BE49-F238E27FC236}">
+                <a16:creationId xmlns:a16="http://schemas.microsoft.com/office/drawing/2014/main" id="{DF79D71E-F130-1540-A608-25B3C933F6D8}"/>
+              </a:ext>
+            </a:extLst>
+          </p:cNvPr>
+          <p:cNvSpPr/>
+          <p:nvPr/>
         </p:nvSpPr>
-        <p:spPr/>
+        <p:spPr>
+          <a:xfrm>
+            <a:off x="937494" y="4781471"/>
+            <a:ext cx="2121986" cy="790719"/>
+          </a:xfrm>
+          <a:prstGeom prst="rect">
+            <a:avLst/>
+          </a:prstGeom>
+          <a:solidFill>
+            <a:schemeClr val="accent6">
+              <a:lumMod val="40000"/>
+              <a:lumOff val="60000"/>
+            </a:schemeClr>
+          </a:solidFill>
+          <a:ln w="19050">
+            <a:solidFill>
+              <a:schemeClr val="tx1"/>
+            </a:solidFill>
+          </a:ln>
+        </p:spPr>
+        <p:style>
+          <a:lnRef idx="2">
+            <a:schemeClr val="accent1">
+              <a:shade val="50000"/>
+            </a:schemeClr>
+          </a:lnRef>
+          <a:fillRef idx="1">
+            <a:schemeClr val="accent1"/>
+          </a:fillRef>
+          <a:effectRef idx="0">
+            <a:schemeClr val="accent1"/>
+          </a:effectRef>
+          <a:fontRef idx="minor">
+            <a:schemeClr val="lt1"/>
+          </a:fontRef>
+        </p:style>
         <p:txBody>
-          <a:bodyPr>
-            <a:normAutofit lnSpcReduction="10000"/>
-          </a:bodyPr>
+          <a:bodyPr rtlCol="0" anchor="ctr"/>
           <a:lstStyle/>
           <a:p>
-            <a:pPr>
-              <a:lnSpc>
-                <a:spcPct val="110000"/>
-              </a:lnSpc>
-            </a:pPr>
-            <a:r>
-              <a:rPr lang="en-US" dirty="0" smtClean="0"/>
-              <a:t>Starting point:</a:t>
-            </a:r>
-          </a:p>
-          <a:p>
-            <a:pPr lvl="1">
-              <a:lnSpc>
-                <a:spcPct val="110000"/>
-              </a:lnSpc>
-            </a:pPr>
-            <a:r>
-              <a:rPr lang="en-US" dirty="0" smtClean="0"/>
-              <a:t>Normal &amp; Quarantine NS1 running</a:t>
-            </a:r>
-          </a:p>
-          <a:p>
-            <a:pPr lvl="1">
-              <a:lnSpc>
-                <a:spcPct val="110000"/>
-              </a:lnSpc>
-            </a:pPr>
-            <a:r>
-              <a:rPr lang="en-US" dirty="0" smtClean="0"/>
-              <a:t>NS2 running and machine connected, sending data</a:t>
-            </a:r>
-          </a:p>
-          <a:p>
-            <a:pPr>
-              <a:lnSpc>
-                <a:spcPct val="110000"/>
-              </a:lnSpc>
-            </a:pPr>
-            <a:r>
-              <a:rPr lang="en-US" dirty="0" smtClean="0"/>
-              <a:t>Manual isolation:</a:t>
-            </a:r>
-          </a:p>
-          <a:p>
-            <a:pPr lvl="1">
-              <a:lnSpc>
-                <a:spcPct val="110000"/>
-              </a:lnSpc>
-            </a:pPr>
-            <a:r>
-              <a:rPr lang="en-US" dirty="0" smtClean="0"/>
-              <a:t>Use FMP to manually isolate machine and send data to quarantine NS1</a:t>
-            </a:r>
-          </a:p>
-          <a:p>
-            <a:pPr lvl="1">
-              <a:lnSpc>
-                <a:spcPct val="110000"/>
-              </a:lnSpc>
-            </a:pPr>
-            <a:r>
-              <a:rPr lang="en-US" dirty="0" smtClean="0"/>
-              <a:t>De-isolate and send data back to normal NS1</a:t>
-            </a:r>
-          </a:p>
-          <a:p>
-            <a:pPr>
-              <a:lnSpc>
-                <a:spcPct val="110000"/>
-              </a:lnSpc>
-            </a:pPr>
-            <a:r>
-              <a:rPr lang="en-US" dirty="0" smtClean="0"/>
-              <a:t>Automatic threat detection &amp; isolation:</a:t>
-            </a:r>
-          </a:p>
-          <a:p>
-            <a:pPr lvl="1">
-              <a:lnSpc>
-                <a:spcPct val="110000"/>
-              </a:lnSpc>
-            </a:pPr>
-            <a:r>
-              <a:rPr lang="en-US" dirty="0" smtClean="0"/>
-              <a:t>Intrusion attempt by outside attacker</a:t>
-            </a:r>
-          </a:p>
-          <a:p>
-            <a:pPr lvl="1">
-              <a:lnSpc>
-                <a:spcPct val="110000"/>
-              </a:lnSpc>
-            </a:pPr>
-            <a:r>
-              <a:rPr lang="en-US" dirty="0" smtClean="0"/>
-              <a:t>IDS notices intrusion and triggers alert</a:t>
-            </a:r>
-          </a:p>
-          <a:p>
-            <a:pPr lvl="1">
-              <a:lnSpc>
-                <a:spcPct val="110000"/>
-              </a:lnSpc>
-            </a:pPr>
-            <a:r>
-              <a:rPr lang="en-US" dirty="0" smtClean="0"/>
-              <a:t>NS2 is reconfigured to send data into quarantine NS1</a:t>
-            </a:r>
-            <a:endParaRPr lang="en-US" dirty="0"/>
+            <a:pPr algn="ctr"/>
+            <a:r>
+              <a:rPr lang="en-GB" sz="2000" dirty="0">
+                <a:solidFill>
+                  <a:schemeClr val="tx1"/>
+                </a:solidFill>
+              </a:rPr>
+              <a:t>IDS</a:t>
+            </a:r>
+          </a:p>
+          <a:p>
+            <a:pPr algn="ctr"/>
+            <a:r>
+              <a:rPr lang="en-GB" sz="1400" dirty="0">
+                <a:solidFill>
+                  <a:schemeClr val="tx1"/>
+                </a:solidFill>
+              </a:rPr>
+              <a:t>(Suricata + ELK)</a:t>
+            </a:r>
           </a:p>
         </p:txBody>
       </p:sp>
       <p:sp>
         <p:nvSpPr>
-          <p:cNvPr id="3" name="Title 2"/>
+          <p:cNvPr id="16" name="Rectangle 15">
+            <a:extLst>
+              <a:ext uri="{FF2B5EF4-FFF2-40B4-BE49-F238E27FC236}">
+                <a16:creationId xmlns:a16="http://schemas.microsoft.com/office/drawing/2014/main" id="{2B0C68BB-EF0C-F041-8C41-BA9E0972E5A2}"/>
+              </a:ext>
+            </a:extLst>
+          </p:cNvPr>
+          <p:cNvSpPr/>
+          <p:nvPr/>
+        </p:nvSpPr>
+        <p:spPr>
+          <a:xfrm>
+            <a:off x="4223395" y="4781470"/>
+            <a:ext cx="2121986" cy="790719"/>
+          </a:xfrm>
+          <a:prstGeom prst="rect">
+            <a:avLst/>
+          </a:prstGeom>
+          <a:solidFill>
+            <a:schemeClr val="accent6">
+              <a:lumMod val="40000"/>
+              <a:lumOff val="60000"/>
+            </a:schemeClr>
+          </a:solidFill>
+          <a:ln w="19050">
+            <a:solidFill>
+              <a:schemeClr val="tx1"/>
+            </a:solidFill>
+          </a:ln>
+        </p:spPr>
+        <p:style>
+          <a:lnRef idx="2">
+            <a:schemeClr val="accent1">
+              <a:shade val="50000"/>
+            </a:schemeClr>
+          </a:lnRef>
+          <a:fillRef idx="1">
+            <a:schemeClr val="accent1"/>
+          </a:fillRef>
+          <a:effectRef idx="0">
+            <a:schemeClr val="accent1"/>
+          </a:effectRef>
+          <a:fontRef idx="minor">
+            <a:schemeClr val="lt1"/>
+          </a:fontRef>
+        </p:style>
+        <p:txBody>
+          <a:bodyPr rtlCol="0" anchor="ctr"/>
+          <a:lstStyle/>
+          <a:p>
+            <a:pPr algn="ctr"/>
+            <a:r>
+              <a:rPr lang="en-GB" sz="2000" dirty="0">
+                <a:solidFill>
+                  <a:schemeClr val="tx1"/>
+                </a:solidFill>
+              </a:rPr>
+              <a:t>MDC</a:t>
+            </a:r>
+          </a:p>
+        </p:txBody>
+      </p:sp>
+      <p:grpSp>
+        <p:nvGrpSpPr>
+          <p:cNvPr id="14" name="Group 13"/>
+          <p:cNvGrpSpPr/>
+          <p:nvPr/>
+        </p:nvGrpSpPr>
+        <p:grpSpPr>
+          <a:xfrm>
+            <a:off x="720435" y="1487805"/>
+            <a:ext cx="10695709" cy="2663790"/>
+            <a:chOff x="720435" y="1487805"/>
+            <a:chExt cx="10695709" cy="2663790"/>
+          </a:xfrm>
+        </p:grpSpPr>
+        <p:sp>
+          <p:nvSpPr>
+            <p:cNvPr id="8" name="Rectangle 7">
+              <a:extLst>
+                <a:ext uri="{FF2B5EF4-FFF2-40B4-BE49-F238E27FC236}">
+                  <a16:creationId xmlns:a16="http://schemas.microsoft.com/office/drawing/2014/main" id="{A695F12F-2330-7146-9079-D856E7005816}"/>
+                </a:ext>
+              </a:extLst>
+            </p:cNvPr>
+            <p:cNvSpPr/>
+            <p:nvPr/>
+          </p:nvSpPr>
+          <p:spPr>
+            <a:xfrm>
+              <a:off x="1178759" y="1843462"/>
+              <a:ext cx="1639451" cy="711314"/>
+            </a:xfrm>
+            <a:prstGeom prst="rect">
+              <a:avLst/>
+            </a:prstGeom>
+            <a:solidFill>
+              <a:schemeClr val="accent6">
+                <a:lumMod val="20000"/>
+                <a:lumOff val="80000"/>
+              </a:schemeClr>
+            </a:solidFill>
+            <a:ln w="19050">
+              <a:solidFill>
+                <a:schemeClr val="tx1"/>
+              </a:solidFill>
+            </a:ln>
+          </p:spPr>
+          <p:style>
+            <a:lnRef idx="2">
+              <a:schemeClr val="accent1">
+                <a:shade val="50000"/>
+              </a:schemeClr>
+            </a:lnRef>
+            <a:fillRef idx="1">
+              <a:schemeClr val="accent1"/>
+            </a:fillRef>
+            <a:effectRef idx="0">
+              <a:schemeClr val="accent1"/>
+            </a:effectRef>
+            <a:fontRef idx="minor">
+              <a:schemeClr val="lt1"/>
+            </a:fontRef>
+          </p:style>
+          <p:txBody>
+            <a:bodyPr rtlCol="0" anchor="ctr"/>
+            <a:lstStyle/>
+            <a:p>
+              <a:pPr algn="ctr"/>
+              <a:r>
+                <a:rPr lang="en-GB" sz="2000" dirty="0">
+                  <a:solidFill>
+                    <a:schemeClr val="tx1"/>
+                  </a:solidFill>
+                </a:rPr>
+                <a:t>FSM (MDC)</a:t>
+              </a:r>
+            </a:p>
+          </p:txBody>
+        </p:sp>
+        <p:sp>
+          <p:nvSpPr>
+            <p:cNvPr id="9" name="Rectangle 8">
+              <a:extLst>
+                <a:ext uri="{FF2B5EF4-FFF2-40B4-BE49-F238E27FC236}">
+                  <a16:creationId xmlns:a16="http://schemas.microsoft.com/office/drawing/2014/main" id="{51B49545-2943-C941-B4CF-D9550F9DED67}"/>
+                </a:ext>
+              </a:extLst>
+            </p:cNvPr>
+            <p:cNvSpPr/>
+            <p:nvPr/>
+          </p:nvSpPr>
+          <p:spPr>
+            <a:xfrm>
+              <a:off x="4464662" y="1843462"/>
+              <a:ext cx="1639451" cy="711314"/>
+            </a:xfrm>
+            <a:prstGeom prst="rect">
+              <a:avLst/>
+            </a:prstGeom>
+            <a:solidFill>
+              <a:schemeClr val="accent6">
+                <a:lumMod val="20000"/>
+                <a:lumOff val="80000"/>
+              </a:schemeClr>
+            </a:solidFill>
+            <a:ln w="19050">
+              <a:solidFill>
+                <a:schemeClr val="tx1"/>
+              </a:solidFill>
+            </a:ln>
+          </p:spPr>
+          <p:style>
+            <a:lnRef idx="2">
+              <a:schemeClr val="accent1">
+                <a:shade val="50000"/>
+              </a:schemeClr>
+            </a:lnRef>
+            <a:fillRef idx="1">
+              <a:schemeClr val="accent1"/>
+            </a:fillRef>
+            <a:effectRef idx="0">
+              <a:schemeClr val="accent1"/>
+            </a:effectRef>
+            <a:fontRef idx="minor">
+              <a:schemeClr val="lt1"/>
+            </a:fontRef>
+          </p:style>
+          <p:txBody>
+            <a:bodyPr rtlCol="0" anchor="ctr"/>
+            <a:lstStyle/>
+            <a:p>
+              <a:pPr algn="ctr"/>
+              <a:r>
+                <a:rPr lang="en-GB" sz="2000" dirty="0">
+                  <a:solidFill>
+                    <a:schemeClr val="tx1"/>
+                  </a:solidFill>
+                </a:rPr>
+                <a:t>SSM (NS2)</a:t>
+              </a:r>
+            </a:p>
+          </p:txBody>
+        </p:sp>
+        <p:sp>
+          <p:nvSpPr>
+            <p:cNvPr id="10" name="Rectangle 9">
+              <a:extLst>
+                <a:ext uri="{FF2B5EF4-FFF2-40B4-BE49-F238E27FC236}">
+                  <a16:creationId xmlns:a16="http://schemas.microsoft.com/office/drawing/2014/main" id="{606F0066-BB86-FE45-9EBF-2B4D8E1BCAB8}"/>
+                </a:ext>
+              </a:extLst>
+            </p:cNvPr>
+            <p:cNvSpPr/>
+            <p:nvPr/>
+          </p:nvSpPr>
+          <p:spPr>
+            <a:xfrm>
+              <a:off x="937494" y="3382275"/>
+              <a:ext cx="2121986" cy="455510"/>
+            </a:xfrm>
+            <a:prstGeom prst="rect">
+              <a:avLst/>
+            </a:prstGeom>
+            <a:solidFill>
+              <a:schemeClr val="bg1">
+                <a:lumMod val="85000"/>
+              </a:schemeClr>
+            </a:solidFill>
+            <a:ln w="19050">
+              <a:solidFill>
+                <a:schemeClr val="tx1"/>
+              </a:solidFill>
+            </a:ln>
+          </p:spPr>
+          <p:style>
+            <a:lnRef idx="2">
+              <a:schemeClr val="accent1">
+                <a:shade val="50000"/>
+              </a:schemeClr>
+            </a:lnRef>
+            <a:fillRef idx="1">
+              <a:schemeClr val="accent1"/>
+            </a:fillRef>
+            <a:effectRef idx="0">
+              <a:schemeClr val="accent1"/>
+            </a:effectRef>
+            <a:fontRef idx="minor">
+              <a:schemeClr val="lt1"/>
+            </a:fontRef>
+          </p:style>
+          <p:txBody>
+            <a:bodyPr rtlCol="0" anchor="ctr"/>
+            <a:lstStyle/>
+            <a:p>
+              <a:pPr algn="ctr"/>
+              <a:r>
+                <a:rPr lang="en-GB" sz="2000" dirty="0">
+                  <a:solidFill>
+                    <a:schemeClr val="tx1"/>
+                  </a:solidFill>
+                </a:rPr>
+                <a:t>FLM</a:t>
+              </a:r>
+            </a:p>
+          </p:txBody>
+        </p:sp>
+        <p:sp>
+          <p:nvSpPr>
+            <p:cNvPr id="11" name="Rectangle 10">
+              <a:extLst>
+                <a:ext uri="{FF2B5EF4-FFF2-40B4-BE49-F238E27FC236}">
+                  <a16:creationId xmlns:a16="http://schemas.microsoft.com/office/drawing/2014/main" id="{5B0558CA-CED3-B84C-AC9F-D70F81B6219A}"/>
+                </a:ext>
+              </a:extLst>
+            </p:cNvPr>
+            <p:cNvSpPr/>
+            <p:nvPr/>
+          </p:nvSpPr>
+          <p:spPr>
+            <a:xfrm>
+              <a:off x="4223395" y="3382275"/>
+              <a:ext cx="2121986" cy="455510"/>
+            </a:xfrm>
+            <a:prstGeom prst="rect">
+              <a:avLst/>
+            </a:prstGeom>
+            <a:solidFill>
+              <a:schemeClr val="bg1">
+                <a:lumMod val="85000"/>
+              </a:schemeClr>
+            </a:solidFill>
+            <a:ln w="19050">
+              <a:solidFill>
+                <a:schemeClr val="tx1"/>
+              </a:solidFill>
+            </a:ln>
+          </p:spPr>
+          <p:style>
+            <a:lnRef idx="2">
+              <a:schemeClr val="accent1">
+                <a:shade val="50000"/>
+              </a:schemeClr>
+            </a:lnRef>
+            <a:fillRef idx="1">
+              <a:schemeClr val="accent1"/>
+            </a:fillRef>
+            <a:effectRef idx="0">
+              <a:schemeClr val="accent1"/>
+            </a:effectRef>
+            <a:fontRef idx="minor">
+              <a:schemeClr val="lt1"/>
+            </a:fontRef>
+          </p:style>
+          <p:txBody>
+            <a:bodyPr rtlCol="0" anchor="ctr"/>
+            <a:lstStyle/>
+            <a:p>
+              <a:pPr algn="ctr"/>
+              <a:r>
+                <a:rPr lang="en-GB" sz="2000" dirty="0">
+                  <a:solidFill>
+                    <a:schemeClr val="tx1"/>
+                  </a:solidFill>
+                </a:rPr>
+                <a:t>SLM</a:t>
+              </a:r>
+            </a:p>
+          </p:txBody>
+        </p:sp>
+        <p:sp>
+          <p:nvSpPr>
+            <p:cNvPr id="12" name="Rectangle 11">
+              <a:extLst>
+                <a:ext uri="{FF2B5EF4-FFF2-40B4-BE49-F238E27FC236}">
+                  <a16:creationId xmlns:a16="http://schemas.microsoft.com/office/drawing/2014/main" id="{639DF792-584D-3D4F-B842-39FF2FFA5193}"/>
+                </a:ext>
+              </a:extLst>
+            </p:cNvPr>
+            <p:cNvSpPr/>
+            <p:nvPr/>
+          </p:nvSpPr>
+          <p:spPr>
+            <a:xfrm>
+              <a:off x="7184837" y="2747668"/>
+              <a:ext cx="1553950" cy="1080882"/>
+            </a:xfrm>
+            <a:prstGeom prst="rect">
+              <a:avLst/>
+            </a:prstGeom>
+            <a:solidFill>
+              <a:schemeClr val="bg1">
+                <a:lumMod val="85000"/>
+              </a:schemeClr>
+            </a:solidFill>
+            <a:ln w="19050">
+              <a:solidFill>
+                <a:schemeClr val="tx1"/>
+              </a:solidFill>
+            </a:ln>
+          </p:spPr>
+          <p:style>
+            <a:lnRef idx="2">
+              <a:schemeClr val="accent1">
+                <a:shade val="50000"/>
+              </a:schemeClr>
+            </a:lnRef>
+            <a:fillRef idx="1">
+              <a:schemeClr val="accent1"/>
+            </a:fillRef>
+            <a:effectRef idx="0">
+              <a:schemeClr val="accent1"/>
+            </a:effectRef>
+            <a:fontRef idx="minor">
+              <a:schemeClr val="lt1"/>
+            </a:fontRef>
+          </p:style>
+          <p:txBody>
+            <a:bodyPr rtlCol="0" anchor="ctr"/>
+            <a:lstStyle/>
+            <a:p>
+              <a:pPr algn="ctr"/>
+              <a:r>
+                <a:rPr lang="en-GB" sz="2000" dirty="0">
+                  <a:solidFill>
+                    <a:schemeClr val="tx1"/>
+                  </a:solidFill>
+                </a:rPr>
+                <a:t>Policy Manager</a:t>
+              </a:r>
+            </a:p>
+          </p:txBody>
+        </p:sp>
+        <p:sp>
+          <p:nvSpPr>
+            <p:cNvPr id="13" name="Rectangle 12">
+              <a:extLst>
+                <a:ext uri="{FF2B5EF4-FFF2-40B4-BE49-F238E27FC236}">
+                  <a16:creationId xmlns:a16="http://schemas.microsoft.com/office/drawing/2014/main" id="{12C42DF0-CBA8-A441-B245-6738A83068E0}"/>
+                </a:ext>
+              </a:extLst>
+            </p:cNvPr>
+            <p:cNvSpPr/>
+            <p:nvPr/>
+          </p:nvSpPr>
+          <p:spPr>
+            <a:xfrm>
+              <a:off x="9578243" y="2747667"/>
+              <a:ext cx="1553950" cy="1080881"/>
+            </a:xfrm>
+            <a:prstGeom prst="rect">
+              <a:avLst/>
+            </a:prstGeom>
+            <a:solidFill>
+              <a:schemeClr val="bg1">
+                <a:lumMod val="85000"/>
+              </a:schemeClr>
+            </a:solidFill>
+            <a:ln w="19050">
+              <a:solidFill>
+                <a:schemeClr val="tx1"/>
+              </a:solidFill>
+            </a:ln>
+          </p:spPr>
+          <p:style>
+            <a:lnRef idx="2">
+              <a:schemeClr val="accent1">
+                <a:shade val="50000"/>
+              </a:schemeClr>
+            </a:lnRef>
+            <a:fillRef idx="1">
+              <a:schemeClr val="accent1"/>
+            </a:fillRef>
+            <a:effectRef idx="0">
+              <a:schemeClr val="accent1"/>
+            </a:effectRef>
+            <a:fontRef idx="minor">
+              <a:schemeClr val="lt1"/>
+            </a:fontRef>
+          </p:style>
+          <p:txBody>
+            <a:bodyPr rtlCol="0" anchor="ctr"/>
+            <a:lstStyle/>
+            <a:p>
+              <a:pPr algn="ctr"/>
+              <a:r>
+                <a:rPr lang="en-GB" sz="2000" dirty="0">
+                  <a:solidFill>
+                    <a:schemeClr val="tx1"/>
+                  </a:solidFill>
+                </a:rPr>
+                <a:t>Monitoring Manager</a:t>
+              </a:r>
+            </a:p>
+          </p:txBody>
+        </p:sp>
+        <p:sp>
+          <p:nvSpPr>
+            <p:cNvPr id="18" name="Rectangle 17">
+              <a:extLst>
+                <a:ext uri="{FF2B5EF4-FFF2-40B4-BE49-F238E27FC236}">
+                  <a16:creationId xmlns:a16="http://schemas.microsoft.com/office/drawing/2014/main" id="{08B65EDC-402F-2044-9D6F-42092DEE9A27}"/>
+                </a:ext>
+              </a:extLst>
+            </p:cNvPr>
+            <p:cNvSpPr/>
+            <p:nvPr/>
+          </p:nvSpPr>
+          <p:spPr>
+            <a:xfrm>
+              <a:off x="720435" y="1487805"/>
+              <a:ext cx="10695709" cy="2663790"/>
+            </a:xfrm>
+            <a:prstGeom prst="rect">
+              <a:avLst/>
+            </a:prstGeom>
+            <a:noFill/>
+            <a:ln w="12700">
+              <a:solidFill>
+                <a:schemeClr val="tx1"/>
+              </a:solidFill>
+              <a:prstDash val="dash"/>
+            </a:ln>
+          </p:spPr>
+          <p:style>
+            <a:lnRef idx="2">
+              <a:schemeClr val="accent1">
+                <a:shade val="50000"/>
+              </a:schemeClr>
+            </a:lnRef>
+            <a:fillRef idx="1">
+              <a:schemeClr val="accent1"/>
+            </a:fillRef>
+            <a:effectRef idx="0">
+              <a:schemeClr val="accent1"/>
+            </a:effectRef>
+            <a:fontRef idx="minor">
+              <a:schemeClr val="lt1"/>
+            </a:fontRef>
+          </p:style>
+          <p:txBody>
+            <a:bodyPr rtlCol="0" anchor="t" anchorCtr="0"/>
+            <a:lstStyle/>
+            <a:p>
+              <a:pPr algn="r"/>
+              <a:r>
+                <a:rPr lang="en-GB" sz="2400" dirty="0">
+                  <a:solidFill>
+                    <a:schemeClr val="tx1"/>
+                  </a:solidFill>
+                </a:rPr>
+                <a:t>5GTANGO Service Platform</a:t>
+              </a:r>
+            </a:p>
+          </p:txBody>
+        </p:sp>
+      </p:grpSp>
+      <p:sp>
+        <p:nvSpPr>
+          <p:cNvPr id="19" name="Rectangle 18">
+            <a:extLst>
+              <a:ext uri="{FF2B5EF4-FFF2-40B4-BE49-F238E27FC236}">
+                <a16:creationId xmlns:a16="http://schemas.microsoft.com/office/drawing/2014/main" id="{5AAC9ABD-065F-C148-BDB4-C5DD1CFBE26E}"/>
+              </a:ext>
+            </a:extLst>
+          </p:cNvPr>
+          <p:cNvSpPr/>
+          <p:nvPr/>
+        </p:nvSpPr>
+        <p:spPr>
+          <a:xfrm>
+            <a:off x="713507" y="4585703"/>
+            <a:ext cx="10695709" cy="1253443"/>
+          </a:xfrm>
+          <a:prstGeom prst="rect">
+            <a:avLst/>
+          </a:prstGeom>
+          <a:noFill/>
+          <a:ln w="12700">
+            <a:solidFill>
+              <a:schemeClr val="tx1"/>
+            </a:solidFill>
+            <a:prstDash val="dash"/>
+          </a:ln>
+        </p:spPr>
+        <p:style>
+          <a:lnRef idx="2">
+            <a:schemeClr val="accent1">
+              <a:shade val="50000"/>
+            </a:schemeClr>
+          </a:lnRef>
+          <a:fillRef idx="1">
+            <a:schemeClr val="accent1"/>
+          </a:fillRef>
+          <a:effectRef idx="0">
+            <a:schemeClr val="accent1"/>
+          </a:effectRef>
+          <a:fontRef idx="minor">
+            <a:schemeClr val="lt1"/>
+          </a:fontRef>
+        </p:style>
+        <p:txBody>
+          <a:bodyPr rtlCol="0" anchor="t" anchorCtr="0"/>
+          <a:lstStyle/>
+          <a:p>
+            <a:pPr algn="r"/>
+            <a:r>
+              <a:rPr lang="en-GB" sz="2400" dirty="0">
+                <a:solidFill>
+                  <a:schemeClr val="tx1"/>
+                </a:solidFill>
+              </a:rPr>
+              <a:t>NS2: Machine Interconnection</a:t>
+            </a:r>
+          </a:p>
+        </p:txBody>
+      </p:sp>
+      <p:cxnSp>
+        <p:nvCxnSpPr>
+          <p:cNvPr id="22" name="Straight Arrow Connector 21">
+            <a:extLst>
+              <a:ext uri="{FF2B5EF4-FFF2-40B4-BE49-F238E27FC236}">
+                <a16:creationId xmlns:a16="http://schemas.microsoft.com/office/drawing/2014/main" id="{A7E266B7-C093-FF40-ADE2-9AFF31D5A740}"/>
+              </a:ext>
+            </a:extLst>
+          </p:cNvPr>
+          <p:cNvCxnSpPr>
+            <a:cxnSpLocks/>
+            <a:endCxn id="15" idx="1"/>
+          </p:cNvCxnSpPr>
+          <p:nvPr/>
+        </p:nvCxnSpPr>
+        <p:spPr>
+          <a:xfrm>
+            <a:off x="0" y="5176831"/>
+            <a:ext cx="937494" cy="0"/>
+          </a:xfrm>
+          <a:prstGeom prst="straightConnector1">
+            <a:avLst/>
+          </a:prstGeom>
+          <a:ln w="50800">
+            <a:solidFill>
+              <a:schemeClr val="bg1">
+                <a:lumMod val="50000"/>
+              </a:schemeClr>
+            </a:solidFill>
+            <a:prstDash val="sysDot"/>
+            <a:tailEnd type="arrow" w="lg" len="lg"/>
+          </a:ln>
+        </p:spPr>
+        <p:style>
+          <a:lnRef idx="1">
+            <a:schemeClr val="accent1"/>
+          </a:lnRef>
+          <a:fillRef idx="0">
+            <a:schemeClr val="accent1"/>
+          </a:fillRef>
+          <a:effectRef idx="0">
+            <a:schemeClr val="accent1"/>
+          </a:effectRef>
+          <a:fontRef idx="minor">
+            <a:schemeClr val="tx1"/>
+          </a:fontRef>
+        </p:style>
+      </p:cxnSp>
+      <p:cxnSp>
+        <p:nvCxnSpPr>
+          <p:cNvPr id="25" name="Straight Arrow Connector 24">
+            <a:extLst>
+              <a:ext uri="{FF2B5EF4-FFF2-40B4-BE49-F238E27FC236}">
+                <a16:creationId xmlns:a16="http://schemas.microsoft.com/office/drawing/2014/main" id="{37C2F90F-D6CE-AD41-92F4-A8E79C043335}"/>
+              </a:ext>
+            </a:extLst>
+          </p:cNvPr>
+          <p:cNvCxnSpPr>
+            <a:cxnSpLocks/>
+            <a:stCxn id="15" idx="3"/>
+            <a:endCxn id="16" idx="1"/>
+          </p:cNvCxnSpPr>
+          <p:nvPr/>
+        </p:nvCxnSpPr>
+        <p:spPr>
+          <a:xfrm flipV="1">
+            <a:off x="3059480" y="5176830"/>
+            <a:ext cx="1163915" cy="1"/>
+          </a:xfrm>
+          <a:prstGeom prst="straightConnector1">
+            <a:avLst/>
+          </a:prstGeom>
+          <a:ln w="50800">
+            <a:solidFill>
+              <a:schemeClr val="bg1">
+                <a:lumMod val="50000"/>
+              </a:schemeClr>
+            </a:solidFill>
+            <a:prstDash val="sysDot"/>
+            <a:tailEnd type="arrow" w="lg" len="lg"/>
+          </a:ln>
+        </p:spPr>
+        <p:style>
+          <a:lnRef idx="1">
+            <a:schemeClr val="accent1"/>
+          </a:lnRef>
+          <a:fillRef idx="0">
+            <a:schemeClr val="accent1"/>
+          </a:fillRef>
+          <a:effectRef idx="0">
+            <a:schemeClr val="accent1"/>
+          </a:effectRef>
+          <a:fontRef idx="minor">
+            <a:schemeClr val="tx1"/>
+          </a:fontRef>
+        </p:style>
+      </p:cxnSp>
+      <p:cxnSp>
+        <p:nvCxnSpPr>
+          <p:cNvPr id="28" name="Straight Arrow Connector 27">
+            <a:extLst>
+              <a:ext uri="{FF2B5EF4-FFF2-40B4-BE49-F238E27FC236}">
+                <a16:creationId xmlns:a16="http://schemas.microsoft.com/office/drawing/2014/main" id="{A5A07C19-3100-0645-BAE8-A8405F53BD50}"/>
+              </a:ext>
+            </a:extLst>
+          </p:cNvPr>
+          <p:cNvCxnSpPr>
+            <a:cxnSpLocks/>
+          </p:cNvCxnSpPr>
+          <p:nvPr/>
+        </p:nvCxnSpPr>
+        <p:spPr>
+          <a:xfrm>
+            <a:off x="6345381" y="5259954"/>
+            <a:ext cx="535710" cy="1096424"/>
+          </a:xfrm>
+          <a:prstGeom prst="bentConnector2">
+            <a:avLst/>
+          </a:prstGeom>
+          <a:ln w="50800">
+            <a:solidFill>
+              <a:schemeClr val="bg1">
+                <a:lumMod val="50000"/>
+              </a:schemeClr>
+            </a:solidFill>
+            <a:prstDash val="sysDot"/>
+            <a:tailEnd type="arrow" w="lg" len="lg"/>
+          </a:ln>
+        </p:spPr>
+        <p:style>
+          <a:lnRef idx="1">
+            <a:schemeClr val="accent1"/>
+          </a:lnRef>
+          <a:fillRef idx="0">
+            <a:schemeClr val="accent1"/>
+          </a:fillRef>
+          <a:effectRef idx="0">
+            <a:schemeClr val="accent1"/>
+          </a:effectRef>
+          <a:fontRef idx="minor">
+            <a:schemeClr val="tx1"/>
+          </a:fontRef>
+        </p:style>
+      </p:cxnSp>
+      <p:cxnSp>
+        <p:nvCxnSpPr>
+          <p:cNvPr id="37" name="Straight Arrow Connector 27">
+            <a:extLst>
+              <a:ext uri="{FF2B5EF4-FFF2-40B4-BE49-F238E27FC236}">
+                <a16:creationId xmlns:a16="http://schemas.microsoft.com/office/drawing/2014/main" id="{F1BF49D5-2C81-924F-A1C8-6213BFB68D93}"/>
+              </a:ext>
+            </a:extLst>
+          </p:cNvPr>
+          <p:cNvCxnSpPr>
+            <a:cxnSpLocks/>
+          </p:cNvCxnSpPr>
+          <p:nvPr/>
+        </p:nvCxnSpPr>
+        <p:spPr>
+          <a:xfrm rot="16200000" flipH="1">
+            <a:off x="6164738" y="5242861"/>
+            <a:ext cx="1294160" cy="932874"/>
+          </a:xfrm>
+          <a:prstGeom prst="bentConnector3">
+            <a:avLst>
+              <a:gd name="adj1" fmla="val 41"/>
+            </a:avLst>
+          </a:prstGeom>
+          <a:ln w="50800">
+            <a:solidFill>
+              <a:schemeClr val="bg1">
+                <a:lumMod val="50000"/>
+              </a:schemeClr>
+            </a:solidFill>
+            <a:prstDash val="sysDot"/>
+            <a:tailEnd type="arrow" w="lg" len="lg"/>
+          </a:ln>
+        </p:spPr>
+        <p:style>
+          <a:lnRef idx="1">
+            <a:schemeClr val="accent1"/>
+          </a:lnRef>
+          <a:fillRef idx="0">
+            <a:schemeClr val="accent1"/>
+          </a:fillRef>
+          <a:effectRef idx="0">
+            <a:schemeClr val="accent1"/>
+          </a:effectRef>
+          <a:fontRef idx="minor">
+            <a:schemeClr val="tx1"/>
+          </a:fontRef>
+        </p:style>
+      </p:cxnSp>
+      <p:sp>
+        <p:nvSpPr>
+          <p:cNvPr id="46" name="TextBox 45">
+            <a:extLst>
+              <a:ext uri="{FF2B5EF4-FFF2-40B4-BE49-F238E27FC236}">
+                <a16:creationId xmlns:a16="http://schemas.microsoft.com/office/drawing/2014/main" id="{FBEFB192-765E-594C-840B-08D51692CD6C}"/>
+              </a:ext>
+            </a:extLst>
+          </p:cNvPr>
+          <p:cNvSpPr txBox="1"/>
+          <p:nvPr/>
+        </p:nvSpPr>
+        <p:spPr>
+          <a:xfrm>
+            <a:off x="5190669" y="6086782"/>
+            <a:ext cx="1619546" cy="307777"/>
+          </a:xfrm>
+          <a:prstGeom prst="rect">
+            <a:avLst/>
+          </a:prstGeom>
+          <a:noFill/>
+        </p:spPr>
+        <p:txBody>
+          <a:bodyPr wrap="none" rtlCol="0">
+            <a:spAutoFit/>
+          </a:bodyPr>
+          <a:lstStyle/>
+          <a:p>
+            <a:r>
+              <a:rPr lang="en-GB" sz="1400" dirty="0"/>
+              <a:t>to NS1 (Production)</a:t>
+            </a:r>
+          </a:p>
+        </p:txBody>
+      </p:sp>
+      <p:sp>
+        <p:nvSpPr>
+          <p:cNvPr id="47" name="TextBox 46">
+            <a:extLst>
+              <a:ext uri="{FF2B5EF4-FFF2-40B4-BE49-F238E27FC236}">
+                <a16:creationId xmlns:a16="http://schemas.microsoft.com/office/drawing/2014/main" id="{ABA17ACD-76EB-7D4E-B4C8-52AE1D7CF900}"/>
+              </a:ext>
+            </a:extLst>
+          </p:cNvPr>
+          <p:cNvSpPr txBox="1"/>
+          <p:nvPr/>
+        </p:nvSpPr>
+        <p:spPr>
+          <a:xfrm>
+            <a:off x="7381928" y="6086781"/>
+            <a:ext cx="1642757" cy="307777"/>
+          </a:xfrm>
+          <a:prstGeom prst="rect">
+            <a:avLst/>
+          </a:prstGeom>
+          <a:noFill/>
+        </p:spPr>
+        <p:txBody>
+          <a:bodyPr wrap="none" rtlCol="0">
+            <a:spAutoFit/>
+          </a:bodyPr>
+          <a:lstStyle/>
+          <a:p>
+            <a:r>
+              <a:rPr lang="en-GB" sz="1400" dirty="0"/>
+              <a:t>to NS1 (Quarantine)</a:t>
+            </a:r>
+          </a:p>
+        </p:txBody>
+      </p:sp>
+      <p:sp>
+        <p:nvSpPr>
+          <p:cNvPr id="48" name="TextBox 47">
+            <a:extLst>
+              <a:ext uri="{FF2B5EF4-FFF2-40B4-BE49-F238E27FC236}">
+                <a16:creationId xmlns:a16="http://schemas.microsoft.com/office/drawing/2014/main" id="{20E678AD-4EA0-C548-B418-7050D61134C8}"/>
+              </a:ext>
+            </a:extLst>
+          </p:cNvPr>
+          <p:cNvSpPr txBox="1"/>
+          <p:nvPr/>
+        </p:nvSpPr>
+        <p:spPr>
+          <a:xfrm>
+            <a:off x="-81980" y="5140328"/>
+            <a:ext cx="872828" cy="523220"/>
+          </a:xfrm>
+          <a:prstGeom prst="rect">
+            <a:avLst/>
+          </a:prstGeom>
+          <a:noFill/>
+        </p:spPr>
+        <p:txBody>
+          <a:bodyPr wrap="square" rtlCol="0">
+            <a:spAutoFit/>
+          </a:bodyPr>
+          <a:lstStyle/>
+          <a:p>
+            <a:pPr algn="ctr"/>
+            <a:r>
+              <a:rPr lang="en-GB" sz="1400" dirty="0"/>
+              <a:t>Machine Data</a:t>
+            </a:r>
+          </a:p>
+        </p:txBody>
+      </p:sp>
+      <p:grpSp>
+        <p:nvGrpSpPr>
+          <p:cNvPr id="109" name="Group 108">
+            <a:extLst>
+              <a:ext uri="{FF2B5EF4-FFF2-40B4-BE49-F238E27FC236}">
+                <a16:creationId xmlns:a16="http://schemas.microsoft.com/office/drawing/2014/main" id="{C0F2066D-B4F2-064C-8919-2AC65301F17D}"/>
+              </a:ext>
+            </a:extLst>
+          </p:cNvPr>
+          <p:cNvGrpSpPr/>
+          <p:nvPr/>
+        </p:nvGrpSpPr>
+        <p:grpSpPr>
+          <a:xfrm>
+            <a:off x="1998487" y="3288108"/>
+            <a:ext cx="9133706" cy="2496338"/>
+            <a:chOff x="1998487" y="3671568"/>
+            <a:chExt cx="9133706" cy="2496338"/>
+          </a:xfrm>
+        </p:grpSpPr>
+        <p:cxnSp>
+          <p:nvCxnSpPr>
+            <p:cNvPr id="50" name="Straight Arrow Connector 49" descr="dsasaa">
+              <a:extLst>
+                <a:ext uri="{FF2B5EF4-FFF2-40B4-BE49-F238E27FC236}">
+                  <a16:creationId xmlns:a16="http://schemas.microsoft.com/office/drawing/2014/main" id="{E747AC00-F04C-EF4F-A605-1552DE4F1EAB}"/>
+                </a:ext>
+                <a:ext uri="{C183D7F6-B498-43B3-948B-1728B52AA6E4}">
+                  <adec:decorative xmlns:adec="http://schemas.microsoft.com/office/drawing/2017/decorative" xmlns="" val="0"/>
+                </a:ext>
+              </a:extLst>
+            </p:cNvPr>
+            <p:cNvCxnSpPr>
+              <a:stCxn id="15" idx="2"/>
+              <a:endCxn id="13" idx="3"/>
+            </p:cNvCxnSpPr>
+            <p:nvPr/>
+          </p:nvCxnSpPr>
+          <p:spPr>
+            <a:xfrm rot="5400000" flipH="1" flipV="1">
+              <a:off x="5423299" y="246756"/>
+              <a:ext cx="2284082" cy="9133706"/>
+            </a:xfrm>
+            <a:prstGeom prst="bentConnector4">
+              <a:avLst>
+                <a:gd name="adj1" fmla="val -7177"/>
+                <a:gd name="adj2" fmla="val 106042"/>
+              </a:avLst>
+            </a:prstGeom>
+            <a:ln w="25400">
+              <a:solidFill>
+                <a:srgbClr val="C00000"/>
+              </a:solidFill>
+              <a:tailEnd type="triangle" w="lg" len="lg"/>
+            </a:ln>
+          </p:spPr>
+          <p:style>
+            <a:lnRef idx="1">
+              <a:schemeClr val="accent1"/>
+            </a:lnRef>
+            <a:fillRef idx="0">
+              <a:schemeClr val="accent1"/>
+            </a:fillRef>
+            <a:effectRef idx="0">
+              <a:schemeClr val="accent1"/>
+            </a:effectRef>
+            <a:fontRef idx="minor">
+              <a:schemeClr val="tx1"/>
+            </a:fontRef>
+          </p:style>
+        </p:cxnSp>
+        <p:sp>
+          <p:nvSpPr>
+            <p:cNvPr id="96" name="TextBox 95">
+              <a:extLst>
+                <a:ext uri="{FF2B5EF4-FFF2-40B4-BE49-F238E27FC236}">
+                  <a16:creationId xmlns:a16="http://schemas.microsoft.com/office/drawing/2014/main" id="{BDD6A3C0-686D-CA4D-B4F4-61424E181093}"/>
+                </a:ext>
+              </a:extLst>
+            </p:cNvPr>
+            <p:cNvSpPr txBox="1"/>
+            <p:nvPr/>
+          </p:nvSpPr>
+          <p:spPr>
+            <a:xfrm>
+              <a:off x="8127984" y="5829352"/>
+              <a:ext cx="1637179" cy="338554"/>
+            </a:xfrm>
+            <a:prstGeom prst="rect">
+              <a:avLst/>
+            </a:prstGeom>
+            <a:noFill/>
+          </p:spPr>
+          <p:txBody>
+            <a:bodyPr wrap="none" rtlCol="0">
+              <a:spAutoFit/>
+            </a:bodyPr>
+            <a:lstStyle/>
+            <a:p>
+              <a:pPr algn="ctr"/>
+              <a:r>
+                <a:rPr lang="en-GB" sz="1600" b="1" dirty="0">
+                  <a:solidFill>
+                    <a:srgbClr val="C00000"/>
+                  </a:solidFill>
+                </a:rPr>
+                <a:t>IDS Alarm Metric</a:t>
+              </a:r>
+            </a:p>
+          </p:txBody>
+        </p:sp>
+      </p:grpSp>
+      <p:grpSp>
+        <p:nvGrpSpPr>
+          <p:cNvPr id="110" name="Group 109">
+            <a:extLst>
+              <a:ext uri="{FF2B5EF4-FFF2-40B4-BE49-F238E27FC236}">
+                <a16:creationId xmlns:a16="http://schemas.microsoft.com/office/drawing/2014/main" id="{B67EA5B2-A2B4-2243-A90E-7B600DDB1173}"/>
+              </a:ext>
+            </a:extLst>
+          </p:cNvPr>
+          <p:cNvGrpSpPr/>
+          <p:nvPr/>
+        </p:nvGrpSpPr>
+        <p:grpSpPr>
+          <a:xfrm>
+            <a:off x="8738787" y="2680935"/>
+            <a:ext cx="849103" cy="607174"/>
+            <a:chOff x="8738787" y="3064395"/>
+            <a:chExt cx="849103" cy="607174"/>
+          </a:xfrm>
+        </p:grpSpPr>
+        <p:cxnSp>
+          <p:nvCxnSpPr>
+            <p:cNvPr id="53" name="Straight Arrow Connector 49" descr="dsasaa">
+              <a:extLst>
+                <a:ext uri="{FF2B5EF4-FFF2-40B4-BE49-F238E27FC236}">
+                  <a16:creationId xmlns:a16="http://schemas.microsoft.com/office/drawing/2014/main" id="{804C331E-EF9D-A443-93E2-C495208C286B}"/>
+                </a:ext>
+                <a:ext uri="{C183D7F6-B498-43B3-948B-1728B52AA6E4}">
+                  <adec:decorative xmlns:adec="http://schemas.microsoft.com/office/drawing/2017/decorative" xmlns="" val="0"/>
+                </a:ext>
+              </a:extLst>
+            </p:cNvPr>
+            <p:cNvCxnSpPr>
+              <a:cxnSpLocks/>
+              <a:stCxn id="13" idx="1"/>
+              <a:endCxn id="12" idx="3"/>
+            </p:cNvCxnSpPr>
+            <p:nvPr/>
+          </p:nvCxnSpPr>
+          <p:spPr>
+            <a:xfrm flipH="1">
+              <a:off x="8738787" y="3671568"/>
+              <a:ext cx="839456" cy="1"/>
+            </a:xfrm>
+            <a:prstGeom prst="straightConnector1">
+              <a:avLst/>
+            </a:prstGeom>
+            <a:ln w="25400">
+              <a:solidFill>
+                <a:srgbClr val="C00000"/>
+              </a:solidFill>
+              <a:tailEnd type="triangle" w="lg" len="lg"/>
+            </a:ln>
+          </p:spPr>
+          <p:style>
+            <a:lnRef idx="1">
+              <a:schemeClr val="accent1"/>
+            </a:lnRef>
+            <a:fillRef idx="0">
+              <a:schemeClr val="accent1"/>
+            </a:fillRef>
+            <a:effectRef idx="0">
+              <a:schemeClr val="accent1"/>
+            </a:effectRef>
+            <a:fontRef idx="minor">
+              <a:schemeClr val="tx1"/>
+            </a:fontRef>
+          </p:style>
+        </p:cxnSp>
+        <p:sp>
+          <p:nvSpPr>
+            <p:cNvPr id="97" name="TextBox 96">
+              <a:extLst>
+                <a:ext uri="{FF2B5EF4-FFF2-40B4-BE49-F238E27FC236}">
+                  <a16:creationId xmlns:a16="http://schemas.microsoft.com/office/drawing/2014/main" id="{0D651809-4C6E-F14C-B10D-5E61E65E9521}"/>
+                </a:ext>
+              </a:extLst>
+            </p:cNvPr>
+            <p:cNvSpPr txBox="1"/>
+            <p:nvPr/>
+          </p:nvSpPr>
+          <p:spPr>
+            <a:xfrm>
+              <a:off x="8748434" y="3064395"/>
+              <a:ext cx="839456" cy="584775"/>
+            </a:xfrm>
+            <a:prstGeom prst="rect">
+              <a:avLst/>
+            </a:prstGeom>
+            <a:noFill/>
+          </p:spPr>
+          <p:txBody>
+            <a:bodyPr wrap="square" rtlCol="0">
+              <a:spAutoFit/>
+            </a:bodyPr>
+            <a:lstStyle/>
+            <a:p>
+              <a:pPr algn="ctr"/>
+              <a:r>
+                <a:rPr lang="en-GB" sz="1600" b="1" dirty="0">
+                  <a:solidFill>
+                    <a:srgbClr val="C00000"/>
+                  </a:solidFill>
+                </a:rPr>
+                <a:t>Alarm Trigger</a:t>
+              </a:r>
+            </a:p>
+          </p:txBody>
+        </p:sp>
+      </p:grpSp>
+      <p:grpSp>
+        <p:nvGrpSpPr>
+          <p:cNvPr id="111" name="Group 110">
+            <a:extLst>
+              <a:ext uri="{FF2B5EF4-FFF2-40B4-BE49-F238E27FC236}">
+                <a16:creationId xmlns:a16="http://schemas.microsoft.com/office/drawing/2014/main" id="{1BC8A537-82F0-BD41-84DD-4EF059773F6E}"/>
+              </a:ext>
+            </a:extLst>
+          </p:cNvPr>
+          <p:cNvGrpSpPr/>
+          <p:nvPr/>
+        </p:nvGrpSpPr>
+        <p:grpSpPr>
+          <a:xfrm>
+            <a:off x="6345381" y="3435955"/>
+            <a:ext cx="895927" cy="584775"/>
+            <a:chOff x="6345381" y="3819415"/>
+            <a:chExt cx="895927" cy="584775"/>
+          </a:xfrm>
+        </p:grpSpPr>
+        <p:cxnSp>
+          <p:nvCxnSpPr>
+            <p:cNvPr id="56" name="Straight Arrow Connector 49" descr="dsasaa">
+              <a:extLst>
+                <a:ext uri="{FF2B5EF4-FFF2-40B4-BE49-F238E27FC236}">
+                  <a16:creationId xmlns:a16="http://schemas.microsoft.com/office/drawing/2014/main" id="{0BFF1C4A-93F1-6B40-9B2A-8791CE72098C}"/>
+                </a:ext>
+                <a:ext uri="{C183D7F6-B498-43B3-948B-1728B52AA6E4}">
+                  <adec:decorative xmlns:adec="http://schemas.microsoft.com/office/drawing/2017/decorative" xmlns="" val="0"/>
+                </a:ext>
+              </a:extLst>
+            </p:cNvPr>
+            <p:cNvCxnSpPr>
+              <a:cxnSpLocks/>
+            </p:cNvCxnSpPr>
+            <p:nvPr/>
+          </p:nvCxnSpPr>
+          <p:spPr>
+            <a:xfrm flipH="1">
+              <a:off x="6345381" y="4126053"/>
+              <a:ext cx="839456" cy="1829"/>
+            </a:xfrm>
+            <a:prstGeom prst="straightConnector1">
+              <a:avLst/>
+            </a:prstGeom>
+            <a:ln w="25400">
+              <a:solidFill>
+                <a:srgbClr val="C00000"/>
+              </a:solidFill>
+              <a:tailEnd type="triangle" w="lg" len="lg"/>
+            </a:ln>
+          </p:spPr>
+          <p:style>
+            <a:lnRef idx="1">
+              <a:schemeClr val="accent1"/>
+            </a:lnRef>
+            <a:fillRef idx="0">
+              <a:schemeClr val="accent1"/>
+            </a:fillRef>
+            <a:effectRef idx="0">
+              <a:schemeClr val="accent1"/>
+            </a:effectRef>
+            <a:fontRef idx="minor">
+              <a:schemeClr val="tx1"/>
+            </a:fontRef>
+          </p:style>
+        </p:cxnSp>
+        <p:sp>
+          <p:nvSpPr>
+            <p:cNvPr id="98" name="TextBox 97">
+              <a:extLst>
+                <a:ext uri="{FF2B5EF4-FFF2-40B4-BE49-F238E27FC236}">
+                  <a16:creationId xmlns:a16="http://schemas.microsoft.com/office/drawing/2014/main" id="{BE8DFD8B-A1E1-E848-92AD-0772FE5D0A67}"/>
+                </a:ext>
+              </a:extLst>
+            </p:cNvPr>
+            <p:cNvSpPr txBox="1"/>
+            <p:nvPr/>
+          </p:nvSpPr>
+          <p:spPr>
+            <a:xfrm>
+              <a:off x="6426791" y="3819415"/>
+              <a:ext cx="814517" cy="584775"/>
+            </a:xfrm>
+            <a:prstGeom prst="rect">
+              <a:avLst/>
+            </a:prstGeom>
+            <a:noFill/>
+          </p:spPr>
+          <p:txBody>
+            <a:bodyPr wrap="none" rtlCol="0">
+              <a:spAutoFit/>
+            </a:bodyPr>
+            <a:lstStyle/>
+            <a:p>
+              <a:pPr algn="ctr"/>
+              <a:r>
+                <a:rPr lang="en-GB" sz="1600" b="1" dirty="0" err="1">
+                  <a:solidFill>
+                    <a:srgbClr val="C00000"/>
+                  </a:solidFill>
+                </a:rPr>
+                <a:t>Reconf</a:t>
+              </a:r>
+              <a:r>
+                <a:rPr lang="en-GB" sz="1600" b="1" dirty="0">
+                  <a:solidFill>
+                    <a:srgbClr val="C00000"/>
+                  </a:solidFill>
+                </a:rPr>
+                <a:t>.</a:t>
+              </a:r>
+            </a:p>
+            <a:p>
+              <a:pPr algn="ctr"/>
+              <a:r>
+                <a:rPr lang="en-GB" sz="1600" b="1" dirty="0">
+                  <a:solidFill>
+                    <a:srgbClr val="C00000"/>
+                  </a:solidFill>
+                </a:rPr>
+                <a:t>Trigger</a:t>
+              </a:r>
+            </a:p>
+          </p:txBody>
+        </p:sp>
+      </p:grpSp>
+      <p:grpSp>
+        <p:nvGrpSpPr>
+          <p:cNvPr id="117" name="Group 116">
+            <a:extLst>
+              <a:ext uri="{FF2B5EF4-FFF2-40B4-BE49-F238E27FC236}">
+                <a16:creationId xmlns:a16="http://schemas.microsoft.com/office/drawing/2014/main" id="{FCB55111-DF33-1243-85F7-F3315BA1E412}"/>
+              </a:ext>
+            </a:extLst>
+          </p:cNvPr>
+          <p:cNvGrpSpPr/>
+          <p:nvPr/>
+        </p:nvGrpSpPr>
+        <p:grpSpPr>
+          <a:xfrm>
+            <a:off x="4404706" y="2518000"/>
+            <a:ext cx="814542" cy="871991"/>
+            <a:chOff x="4404706" y="2901460"/>
+            <a:chExt cx="814542" cy="871991"/>
+          </a:xfrm>
+        </p:grpSpPr>
+        <p:cxnSp>
+          <p:nvCxnSpPr>
+            <p:cNvPr id="71" name="Straight Arrow Connector 49" descr="dsasaa">
+              <a:extLst>
+                <a:ext uri="{FF2B5EF4-FFF2-40B4-BE49-F238E27FC236}">
+                  <a16:creationId xmlns:a16="http://schemas.microsoft.com/office/drawing/2014/main" id="{467F0434-65B4-C84C-9C5C-B3CB508BC9F4}"/>
+                </a:ext>
+                <a:ext uri="{C183D7F6-B498-43B3-948B-1728B52AA6E4}">
+                  <adec:decorative xmlns:adec="http://schemas.microsoft.com/office/drawing/2017/decorative" xmlns="" val="0"/>
+                </a:ext>
+              </a:extLst>
+            </p:cNvPr>
+            <p:cNvCxnSpPr>
+              <a:cxnSpLocks/>
+            </p:cNvCxnSpPr>
+            <p:nvPr/>
+          </p:nvCxnSpPr>
+          <p:spPr>
+            <a:xfrm flipV="1">
+              <a:off x="5219247" y="2901460"/>
+              <a:ext cx="1" cy="871991"/>
+            </a:xfrm>
+            <a:prstGeom prst="straightConnector1">
+              <a:avLst/>
+            </a:prstGeom>
+            <a:ln w="25400">
+              <a:solidFill>
+                <a:srgbClr val="C00000"/>
+              </a:solidFill>
+              <a:tailEnd type="triangle" w="lg" len="lg"/>
+            </a:ln>
+          </p:spPr>
+          <p:style>
+            <a:lnRef idx="1">
+              <a:schemeClr val="accent1"/>
+            </a:lnRef>
+            <a:fillRef idx="0">
+              <a:schemeClr val="accent1"/>
+            </a:fillRef>
+            <a:effectRef idx="0">
+              <a:schemeClr val="accent1"/>
+            </a:effectRef>
+            <a:fontRef idx="minor">
+              <a:schemeClr val="tx1"/>
+            </a:fontRef>
+          </p:style>
+        </p:cxnSp>
+        <p:sp>
+          <p:nvSpPr>
+            <p:cNvPr id="103" name="TextBox 102">
+              <a:extLst>
+                <a:ext uri="{FF2B5EF4-FFF2-40B4-BE49-F238E27FC236}">
+                  <a16:creationId xmlns:a16="http://schemas.microsoft.com/office/drawing/2014/main" id="{A0644308-A149-8742-ABE1-B542F93B0CC5}"/>
+                </a:ext>
+              </a:extLst>
+            </p:cNvPr>
+            <p:cNvSpPr txBox="1"/>
+            <p:nvPr/>
+          </p:nvSpPr>
+          <p:spPr>
+            <a:xfrm>
+              <a:off x="4404706" y="3048557"/>
+              <a:ext cx="814517" cy="584775"/>
+            </a:xfrm>
+            <a:prstGeom prst="rect">
+              <a:avLst/>
+            </a:prstGeom>
+            <a:noFill/>
+          </p:spPr>
+          <p:txBody>
+            <a:bodyPr wrap="none" rtlCol="0">
+              <a:spAutoFit/>
+            </a:bodyPr>
+            <a:lstStyle/>
+            <a:p>
+              <a:pPr algn="ctr"/>
+              <a:r>
+                <a:rPr lang="en-GB" sz="1600" b="1" dirty="0" err="1">
+                  <a:solidFill>
+                    <a:srgbClr val="C00000"/>
+                  </a:solidFill>
+                </a:rPr>
+                <a:t>Reconf</a:t>
+              </a:r>
+              <a:r>
+                <a:rPr lang="en-GB" sz="1600" b="1" dirty="0">
+                  <a:solidFill>
+                    <a:srgbClr val="C00000"/>
+                  </a:solidFill>
+                </a:rPr>
+                <a:t>.</a:t>
+              </a:r>
+            </a:p>
+            <a:p>
+              <a:pPr algn="ctr"/>
+              <a:r>
+                <a:rPr lang="en-GB" sz="1600" b="1" dirty="0">
+                  <a:solidFill>
+                    <a:srgbClr val="C00000"/>
+                  </a:solidFill>
+                </a:rPr>
+                <a:t>Event</a:t>
+              </a:r>
+            </a:p>
+          </p:txBody>
+        </p:sp>
+      </p:grpSp>
+      <p:grpSp>
+        <p:nvGrpSpPr>
+          <p:cNvPr id="116" name="Group 115">
+            <a:extLst>
+              <a:ext uri="{FF2B5EF4-FFF2-40B4-BE49-F238E27FC236}">
+                <a16:creationId xmlns:a16="http://schemas.microsoft.com/office/drawing/2014/main" id="{9A998A92-AEEC-4646-9A0C-73C813239C11}"/>
+              </a:ext>
+            </a:extLst>
+          </p:cNvPr>
+          <p:cNvGrpSpPr/>
+          <p:nvPr/>
+        </p:nvGrpSpPr>
+        <p:grpSpPr>
+          <a:xfrm>
+            <a:off x="5407391" y="2529797"/>
+            <a:ext cx="915830" cy="871993"/>
+            <a:chOff x="5407391" y="2913257"/>
+            <a:chExt cx="915830" cy="871993"/>
+          </a:xfrm>
+        </p:grpSpPr>
+        <p:cxnSp>
+          <p:nvCxnSpPr>
+            <p:cNvPr id="72" name="Straight Arrow Connector 49" descr="dsasaa">
+              <a:extLst>
+                <a:ext uri="{FF2B5EF4-FFF2-40B4-BE49-F238E27FC236}">
+                  <a16:creationId xmlns:a16="http://schemas.microsoft.com/office/drawing/2014/main" id="{838C4338-C197-EC46-AFEE-96A7621FF6E1}"/>
+                </a:ext>
+                <a:ext uri="{C183D7F6-B498-43B3-948B-1728B52AA6E4}">
+                  <adec:decorative xmlns:adec="http://schemas.microsoft.com/office/drawing/2017/decorative" xmlns="" val="0"/>
+                </a:ext>
+              </a:extLst>
+            </p:cNvPr>
+            <p:cNvCxnSpPr>
+              <a:cxnSpLocks/>
+            </p:cNvCxnSpPr>
+            <p:nvPr/>
+          </p:nvCxnSpPr>
+          <p:spPr>
+            <a:xfrm>
+              <a:off x="5415127" y="2913257"/>
+              <a:ext cx="0" cy="871993"/>
+            </a:xfrm>
+            <a:prstGeom prst="straightConnector1">
+              <a:avLst/>
+            </a:prstGeom>
+            <a:ln w="25400">
+              <a:solidFill>
+                <a:srgbClr val="C00000"/>
+              </a:solidFill>
+              <a:tailEnd type="triangle" w="lg" len="lg"/>
+            </a:ln>
+          </p:spPr>
+          <p:style>
+            <a:lnRef idx="1">
+              <a:schemeClr val="accent1"/>
+            </a:lnRef>
+            <a:fillRef idx="0">
+              <a:schemeClr val="accent1"/>
+            </a:fillRef>
+            <a:effectRef idx="0">
+              <a:schemeClr val="accent1"/>
+            </a:effectRef>
+            <a:fontRef idx="minor">
+              <a:schemeClr val="tx1"/>
+            </a:fontRef>
+          </p:style>
+        </p:cxnSp>
+        <p:sp>
+          <p:nvSpPr>
+            <p:cNvPr id="104" name="TextBox 103">
+              <a:extLst>
+                <a:ext uri="{FF2B5EF4-FFF2-40B4-BE49-F238E27FC236}">
+                  <a16:creationId xmlns:a16="http://schemas.microsoft.com/office/drawing/2014/main" id="{2E9D9E9D-8364-5D49-B0CC-41A6965DC853}"/>
+                </a:ext>
+              </a:extLst>
+            </p:cNvPr>
+            <p:cNvSpPr txBox="1"/>
+            <p:nvPr/>
+          </p:nvSpPr>
+          <p:spPr>
+            <a:xfrm>
+              <a:off x="5407391" y="2934736"/>
+              <a:ext cx="915830" cy="830997"/>
+            </a:xfrm>
+            <a:prstGeom prst="rect">
+              <a:avLst/>
+            </a:prstGeom>
+            <a:noFill/>
+          </p:spPr>
+          <p:txBody>
+            <a:bodyPr wrap="square" rtlCol="0">
+              <a:spAutoFit/>
+            </a:bodyPr>
+            <a:lstStyle/>
+            <a:p>
+              <a:pPr algn="ctr"/>
+              <a:r>
+                <a:rPr lang="en-GB" sz="1600" b="1" dirty="0" err="1">
+                  <a:solidFill>
+                    <a:srgbClr val="C00000"/>
+                  </a:solidFill>
+                </a:rPr>
+                <a:t>Reconf</a:t>
+              </a:r>
+              <a:r>
+                <a:rPr lang="en-GB" sz="1600" b="1" dirty="0">
+                  <a:solidFill>
+                    <a:srgbClr val="C00000"/>
+                  </a:solidFill>
+                </a:rPr>
+                <a:t>. </a:t>
+              </a:r>
+            </a:p>
+            <a:p>
+              <a:pPr algn="ctr"/>
+              <a:r>
+                <a:rPr lang="en-GB" sz="1600" b="1" dirty="0">
+                  <a:solidFill>
+                    <a:srgbClr val="C00000"/>
+                  </a:solidFill>
+                </a:rPr>
+                <a:t>Result</a:t>
+              </a:r>
+            </a:p>
+            <a:p>
+              <a:pPr algn="ctr"/>
+              <a:r>
+                <a:rPr lang="en-GB" sz="1600" b="1" dirty="0">
+                  <a:solidFill>
+                    <a:srgbClr val="C00000"/>
+                  </a:solidFill>
+                </a:rPr>
+                <a:t>(MDC)</a:t>
+              </a:r>
+            </a:p>
+          </p:txBody>
+        </p:sp>
+      </p:grpSp>
+      <p:grpSp>
+        <p:nvGrpSpPr>
+          <p:cNvPr id="118" name="Group 117">
+            <a:extLst>
+              <a:ext uri="{FF2B5EF4-FFF2-40B4-BE49-F238E27FC236}">
+                <a16:creationId xmlns:a16="http://schemas.microsoft.com/office/drawing/2014/main" id="{55BB5943-F8A0-EB4A-8C0F-806D31DC7CDE}"/>
+              </a:ext>
+            </a:extLst>
+          </p:cNvPr>
+          <p:cNvGrpSpPr/>
+          <p:nvPr/>
+        </p:nvGrpSpPr>
+        <p:grpSpPr>
+          <a:xfrm>
+            <a:off x="3059480" y="2783265"/>
+            <a:ext cx="1163915" cy="830997"/>
+            <a:chOff x="3059480" y="3166725"/>
+            <a:chExt cx="1163915" cy="830997"/>
+          </a:xfrm>
+        </p:grpSpPr>
+        <p:cxnSp>
+          <p:nvCxnSpPr>
+            <p:cNvPr id="75" name="Straight Arrow Connector 49" descr="dsasaa">
+              <a:extLst>
+                <a:ext uri="{FF2B5EF4-FFF2-40B4-BE49-F238E27FC236}">
+                  <a16:creationId xmlns:a16="http://schemas.microsoft.com/office/drawing/2014/main" id="{63B357F9-9885-9343-8C7B-59FB663B9013}"/>
+                </a:ext>
+                <a:ext uri="{C183D7F6-B498-43B3-948B-1728B52AA6E4}">
+                  <adec:decorative xmlns:adec="http://schemas.microsoft.com/office/drawing/2017/decorative" xmlns="" val="0"/>
+                </a:ext>
+              </a:extLst>
+            </p:cNvPr>
+            <p:cNvCxnSpPr>
+              <a:cxnSpLocks/>
+              <a:stCxn id="11" idx="1"/>
+              <a:endCxn id="10" idx="3"/>
+            </p:cNvCxnSpPr>
+            <p:nvPr/>
+          </p:nvCxnSpPr>
+          <p:spPr>
+            <a:xfrm flipH="1">
+              <a:off x="3059480" y="3993490"/>
+              <a:ext cx="1163915" cy="0"/>
+            </a:xfrm>
+            <a:prstGeom prst="straightConnector1">
+              <a:avLst/>
+            </a:prstGeom>
+            <a:ln w="25400">
+              <a:solidFill>
+                <a:srgbClr val="C00000"/>
+              </a:solidFill>
+              <a:tailEnd type="triangle" w="lg" len="lg"/>
+            </a:ln>
+          </p:spPr>
+          <p:style>
+            <a:lnRef idx="1">
+              <a:schemeClr val="accent1"/>
+            </a:lnRef>
+            <a:fillRef idx="0">
+              <a:schemeClr val="accent1"/>
+            </a:fillRef>
+            <a:effectRef idx="0">
+              <a:schemeClr val="accent1"/>
+            </a:effectRef>
+            <a:fontRef idx="minor">
+              <a:schemeClr val="tx1"/>
+            </a:fontRef>
+          </p:style>
+        </p:cxnSp>
+        <p:sp>
+          <p:nvSpPr>
+            <p:cNvPr id="105" name="TextBox 104">
+              <a:extLst>
+                <a:ext uri="{FF2B5EF4-FFF2-40B4-BE49-F238E27FC236}">
+                  <a16:creationId xmlns:a16="http://schemas.microsoft.com/office/drawing/2014/main" id="{8BFC575B-28A1-F346-B815-A731DC0CF494}"/>
+                </a:ext>
+              </a:extLst>
+            </p:cNvPr>
+            <p:cNvSpPr txBox="1"/>
+            <p:nvPr/>
+          </p:nvSpPr>
+          <p:spPr>
+            <a:xfrm>
+              <a:off x="3217029" y="3166725"/>
+              <a:ext cx="915830" cy="830997"/>
+            </a:xfrm>
+            <a:prstGeom prst="rect">
+              <a:avLst/>
+            </a:prstGeom>
+            <a:noFill/>
+          </p:spPr>
+          <p:txBody>
+            <a:bodyPr wrap="square" rtlCol="0">
+              <a:spAutoFit/>
+            </a:bodyPr>
+            <a:lstStyle/>
+            <a:p>
+              <a:pPr algn="ctr"/>
+              <a:r>
+                <a:rPr lang="en-GB" sz="1600" b="1" dirty="0" err="1">
+                  <a:solidFill>
+                    <a:srgbClr val="C00000"/>
+                  </a:solidFill>
+                </a:rPr>
+                <a:t>Reconf</a:t>
+              </a:r>
+              <a:r>
+                <a:rPr lang="en-GB" sz="1600" b="1" dirty="0">
+                  <a:solidFill>
+                    <a:srgbClr val="C00000"/>
+                  </a:solidFill>
+                </a:rPr>
+                <a:t>. </a:t>
+              </a:r>
+            </a:p>
+            <a:p>
+              <a:pPr algn="ctr"/>
+              <a:r>
+                <a:rPr lang="en-GB" sz="1600" b="1" dirty="0">
+                  <a:solidFill>
+                    <a:srgbClr val="C00000"/>
+                  </a:solidFill>
+                </a:rPr>
+                <a:t>Event</a:t>
+              </a:r>
+            </a:p>
+            <a:p>
+              <a:pPr algn="ctr"/>
+              <a:r>
+                <a:rPr lang="en-GB" sz="1600" b="1" dirty="0">
+                  <a:solidFill>
+                    <a:srgbClr val="C00000"/>
+                  </a:solidFill>
+                </a:rPr>
+                <a:t>(MDC)</a:t>
+              </a:r>
+            </a:p>
+          </p:txBody>
+        </p:sp>
+      </p:grpSp>
+      <p:grpSp>
+        <p:nvGrpSpPr>
+          <p:cNvPr id="120" name="Group 119">
+            <a:extLst>
+              <a:ext uri="{FF2B5EF4-FFF2-40B4-BE49-F238E27FC236}">
+                <a16:creationId xmlns:a16="http://schemas.microsoft.com/office/drawing/2014/main" id="{9ED88303-56AB-F24B-AEB0-3F60E94C52EA}"/>
+              </a:ext>
+            </a:extLst>
+          </p:cNvPr>
+          <p:cNvGrpSpPr/>
+          <p:nvPr/>
+        </p:nvGrpSpPr>
+        <p:grpSpPr>
+          <a:xfrm>
+            <a:off x="1124431" y="2521490"/>
+            <a:ext cx="814517" cy="871991"/>
+            <a:chOff x="1124431" y="2904950"/>
+            <a:chExt cx="814517" cy="871991"/>
+          </a:xfrm>
+        </p:grpSpPr>
+        <p:cxnSp>
+          <p:nvCxnSpPr>
+            <p:cNvPr id="73" name="Straight Arrow Connector 49" descr="dsasaa">
+              <a:extLst>
+                <a:ext uri="{FF2B5EF4-FFF2-40B4-BE49-F238E27FC236}">
+                  <a16:creationId xmlns:a16="http://schemas.microsoft.com/office/drawing/2014/main" id="{F7848A9F-4799-124C-B9B7-F000C508DBC0}"/>
+                </a:ext>
+                <a:ext uri="{C183D7F6-B498-43B3-948B-1728B52AA6E4}">
+                  <adec:decorative xmlns:adec="http://schemas.microsoft.com/office/drawing/2017/decorative" xmlns="" val="0"/>
+                </a:ext>
+              </a:extLst>
+            </p:cNvPr>
+            <p:cNvCxnSpPr>
+              <a:cxnSpLocks/>
+            </p:cNvCxnSpPr>
+            <p:nvPr/>
+          </p:nvCxnSpPr>
+          <p:spPr>
+            <a:xfrm flipV="1">
+              <a:off x="1897589" y="2904950"/>
+              <a:ext cx="1" cy="871991"/>
+            </a:xfrm>
+            <a:prstGeom prst="straightConnector1">
+              <a:avLst/>
+            </a:prstGeom>
+            <a:ln w="25400">
+              <a:solidFill>
+                <a:srgbClr val="C00000"/>
+              </a:solidFill>
+              <a:tailEnd type="triangle" w="lg" len="lg"/>
+            </a:ln>
+          </p:spPr>
+          <p:style>
+            <a:lnRef idx="1">
+              <a:schemeClr val="accent1"/>
+            </a:lnRef>
+            <a:fillRef idx="0">
+              <a:schemeClr val="accent1"/>
+            </a:fillRef>
+            <a:effectRef idx="0">
+              <a:schemeClr val="accent1"/>
+            </a:effectRef>
+            <a:fontRef idx="minor">
+              <a:schemeClr val="tx1"/>
+            </a:fontRef>
+          </p:style>
+        </p:cxnSp>
+        <p:sp>
+          <p:nvSpPr>
+            <p:cNvPr id="106" name="TextBox 105">
+              <a:extLst>
+                <a:ext uri="{FF2B5EF4-FFF2-40B4-BE49-F238E27FC236}">
+                  <a16:creationId xmlns:a16="http://schemas.microsoft.com/office/drawing/2014/main" id="{B461CB6F-2865-124B-BC52-7B742ADF9D9B}"/>
+                </a:ext>
+              </a:extLst>
+            </p:cNvPr>
+            <p:cNvSpPr txBox="1"/>
+            <p:nvPr/>
+          </p:nvSpPr>
+          <p:spPr>
+            <a:xfrm>
+              <a:off x="1124431" y="3077986"/>
+              <a:ext cx="814517" cy="584775"/>
+            </a:xfrm>
+            <a:prstGeom prst="rect">
+              <a:avLst/>
+            </a:prstGeom>
+            <a:noFill/>
+          </p:spPr>
+          <p:txBody>
+            <a:bodyPr wrap="none" rtlCol="0">
+              <a:spAutoFit/>
+            </a:bodyPr>
+            <a:lstStyle/>
+            <a:p>
+              <a:pPr algn="ctr"/>
+              <a:r>
+                <a:rPr lang="en-GB" sz="1600" b="1" dirty="0" err="1">
+                  <a:solidFill>
+                    <a:srgbClr val="C00000"/>
+                  </a:solidFill>
+                </a:rPr>
+                <a:t>Reconf</a:t>
+              </a:r>
+              <a:r>
+                <a:rPr lang="en-GB" sz="1600" b="1" dirty="0">
+                  <a:solidFill>
+                    <a:srgbClr val="C00000"/>
+                  </a:solidFill>
+                </a:rPr>
+                <a:t>.</a:t>
+              </a:r>
+            </a:p>
+            <a:p>
+              <a:pPr algn="ctr"/>
+              <a:r>
+                <a:rPr lang="en-GB" sz="1600" b="1" dirty="0">
+                  <a:solidFill>
+                    <a:srgbClr val="C00000"/>
+                  </a:solidFill>
+                </a:rPr>
+                <a:t>Event</a:t>
+              </a:r>
+            </a:p>
+          </p:txBody>
+        </p:sp>
+      </p:grpSp>
+      <p:grpSp>
+        <p:nvGrpSpPr>
+          <p:cNvPr id="119" name="Group 118">
+            <a:extLst>
+              <a:ext uri="{FF2B5EF4-FFF2-40B4-BE49-F238E27FC236}">
+                <a16:creationId xmlns:a16="http://schemas.microsoft.com/office/drawing/2014/main" id="{C80CC919-96F1-1E4B-BB96-EEB566BB5D8F}"/>
+              </a:ext>
+            </a:extLst>
+          </p:cNvPr>
+          <p:cNvGrpSpPr/>
+          <p:nvPr/>
+        </p:nvGrpSpPr>
+        <p:grpSpPr>
+          <a:xfrm>
+            <a:off x="2093445" y="2533287"/>
+            <a:ext cx="814517" cy="871993"/>
+            <a:chOff x="2093445" y="2916747"/>
+            <a:chExt cx="814517" cy="871993"/>
+          </a:xfrm>
+        </p:grpSpPr>
+        <p:cxnSp>
+          <p:nvCxnSpPr>
+            <p:cNvPr id="74" name="Straight Arrow Connector 49" descr="dsasaa">
+              <a:extLst>
+                <a:ext uri="{FF2B5EF4-FFF2-40B4-BE49-F238E27FC236}">
+                  <a16:creationId xmlns:a16="http://schemas.microsoft.com/office/drawing/2014/main" id="{7B1FE48D-3E20-7649-A5ED-455E753BFCCD}"/>
+                </a:ext>
+                <a:ext uri="{C183D7F6-B498-43B3-948B-1728B52AA6E4}">
+                  <adec:decorative xmlns:adec="http://schemas.microsoft.com/office/drawing/2017/decorative" xmlns="" val="0"/>
+                </a:ext>
+              </a:extLst>
+            </p:cNvPr>
+            <p:cNvCxnSpPr>
+              <a:cxnSpLocks/>
+            </p:cNvCxnSpPr>
+            <p:nvPr/>
+          </p:nvCxnSpPr>
+          <p:spPr>
+            <a:xfrm>
+              <a:off x="2093469" y="2916747"/>
+              <a:ext cx="0" cy="871993"/>
+            </a:xfrm>
+            <a:prstGeom prst="straightConnector1">
+              <a:avLst/>
+            </a:prstGeom>
+            <a:ln w="25400">
+              <a:solidFill>
+                <a:srgbClr val="C00000"/>
+              </a:solidFill>
+              <a:tailEnd type="triangle" w="lg" len="lg"/>
+            </a:ln>
+          </p:spPr>
+          <p:style>
+            <a:lnRef idx="1">
+              <a:schemeClr val="accent1"/>
+            </a:lnRef>
+            <a:fillRef idx="0">
+              <a:schemeClr val="accent1"/>
+            </a:fillRef>
+            <a:effectRef idx="0">
+              <a:schemeClr val="accent1"/>
+            </a:effectRef>
+            <a:fontRef idx="minor">
+              <a:schemeClr val="tx1"/>
+            </a:fontRef>
+          </p:style>
+        </p:cxnSp>
+        <p:sp>
+          <p:nvSpPr>
+            <p:cNvPr id="107" name="TextBox 106">
+              <a:extLst>
+                <a:ext uri="{FF2B5EF4-FFF2-40B4-BE49-F238E27FC236}">
+                  <a16:creationId xmlns:a16="http://schemas.microsoft.com/office/drawing/2014/main" id="{A433983C-D4D1-6648-AD13-AA13378CCF4C}"/>
+                </a:ext>
+              </a:extLst>
+            </p:cNvPr>
+            <p:cNvSpPr txBox="1"/>
+            <p:nvPr/>
+          </p:nvSpPr>
+          <p:spPr>
+            <a:xfrm>
+              <a:off x="2093445" y="2922016"/>
+              <a:ext cx="814517" cy="830997"/>
+            </a:xfrm>
+            <a:prstGeom prst="rect">
+              <a:avLst/>
+            </a:prstGeom>
+            <a:noFill/>
+          </p:spPr>
+          <p:txBody>
+            <a:bodyPr wrap="none" rtlCol="0">
+              <a:spAutoFit/>
+            </a:bodyPr>
+            <a:lstStyle/>
+            <a:p>
+              <a:pPr algn="ctr"/>
+              <a:r>
+                <a:rPr lang="en-GB" sz="1600" b="1" dirty="0" err="1">
+                  <a:solidFill>
+                    <a:srgbClr val="C00000"/>
+                  </a:solidFill>
+                </a:rPr>
+                <a:t>Reconf</a:t>
+              </a:r>
+              <a:r>
+                <a:rPr lang="en-GB" sz="1600" b="1" dirty="0">
+                  <a:solidFill>
+                    <a:srgbClr val="C00000"/>
+                  </a:solidFill>
+                </a:rPr>
+                <a:t>.</a:t>
+              </a:r>
+            </a:p>
+            <a:p>
+              <a:pPr algn="ctr"/>
+              <a:r>
+                <a:rPr lang="en-GB" sz="1600" b="1" dirty="0">
+                  <a:solidFill>
+                    <a:srgbClr val="C00000"/>
+                  </a:solidFill>
+                </a:rPr>
+                <a:t>Task</a:t>
+              </a:r>
+            </a:p>
+            <a:p>
+              <a:pPr algn="ctr"/>
+              <a:r>
+                <a:rPr lang="en-GB" sz="1600" b="1" dirty="0">
+                  <a:solidFill>
+                    <a:srgbClr val="C00000"/>
+                  </a:solidFill>
+                </a:rPr>
+                <a:t>(MDC)</a:t>
+              </a:r>
+            </a:p>
+          </p:txBody>
+        </p:sp>
+      </p:grpSp>
+      <p:grpSp>
+        <p:nvGrpSpPr>
+          <p:cNvPr id="121" name="Group 120">
+            <a:extLst>
+              <a:ext uri="{FF2B5EF4-FFF2-40B4-BE49-F238E27FC236}">
+                <a16:creationId xmlns:a16="http://schemas.microsoft.com/office/drawing/2014/main" id="{C910D62B-F6AA-9D4B-BF48-18BB51E9E4FE}"/>
+              </a:ext>
+            </a:extLst>
+          </p:cNvPr>
+          <p:cNvGrpSpPr/>
+          <p:nvPr/>
+        </p:nvGrpSpPr>
+        <p:grpSpPr>
+          <a:xfrm>
+            <a:off x="937494" y="3610030"/>
+            <a:ext cx="4346894" cy="1171440"/>
+            <a:chOff x="937494" y="3993490"/>
+            <a:chExt cx="4346894" cy="1171440"/>
+          </a:xfrm>
+        </p:grpSpPr>
+        <p:cxnSp>
+          <p:nvCxnSpPr>
+            <p:cNvPr id="80" name="Straight Arrow Connector 49" descr="dsasaa">
+              <a:extLst>
+                <a:ext uri="{FF2B5EF4-FFF2-40B4-BE49-F238E27FC236}">
+                  <a16:creationId xmlns:a16="http://schemas.microsoft.com/office/drawing/2014/main" id="{97F3863E-28B4-C143-B87C-0BFBBEB35BD8}"/>
+                </a:ext>
+                <a:ext uri="{C183D7F6-B498-43B3-948B-1728B52AA6E4}">
+                  <adec:decorative xmlns:adec="http://schemas.microsoft.com/office/drawing/2017/decorative" xmlns="" val="0"/>
+                </a:ext>
+              </a:extLst>
+            </p:cNvPr>
+            <p:cNvCxnSpPr>
+              <a:cxnSpLocks/>
+              <a:stCxn id="10" idx="1"/>
+              <a:endCxn id="16" idx="0"/>
+            </p:cNvCxnSpPr>
+            <p:nvPr/>
+          </p:nvCxnSpPr>
+          <p:spPr>
+            <a:xfrm rot="10800000" flipH="1" flipV="1">
+              <a:off x="937494" y="3993490"/>
+              <a:ext cx="4346894" cy="1171440"/>
+            </a:xfrm>
+            <a:prstGeom prst="bentConnector4">
+              <a:avLst>
+                <a:gd name="adj1" fmla="val -8871"/>
+                <a:gd name="adj2" fmla="val 74702"/>
+              </a:avLst>
+            </a:prstGeom>
+            <a:ln w="25400">
+              <a:solidFill>
+                <a:srgbClr val="C00000"/>
+              </a:solidFill>
+              <a:tailEnd type="triangle" w="lg" len="lg"/>
+            </a:ln>
+          </p:spPr>
+          <p:style>
+            <a:lnRef idx="1">
+              <a:schemeClr val="accent1"/>
+            </a:lnRef>
+            <a:fillRef idx="0">
+              <a:schemeClr val="accent1"/>
+            </a:fillRef>
+            <a:effectRef idx="0">
+              <a:schemeClr val="accent1"/>
+            </a:effectRef>
+            <a:fontRef idx="minor">
+              <a:schemeClr val="tx1"/>
+            </a:fontRef>
+          </p:style>
+        </p:cxnSp>
+        <p:sp>
+          <p:nvSpPr>
+            <p:cNvPr id="108" name="TextBox 107">
+              <a:extLst>
+                <a:ext uri="{FF2B5EF4-FFF2-40B4-BE49-F238E27FC236}">
+                  <a16:creationId xmlns:a16="http://schemas.microsoft.com/office/drawing/2014/main" id="{7A8645BC-0381-394D-B6CA-915FB509612E}"/>
+                </a:ext>
+              </a:extLst>
+            </p:cNvPr>
+            <p:cNvSpPr txBox="1"/>
+            <p:nvPr/>
+          </p:nvSpPr>
+          <p:spPr>
+            <a:xfrm>
+              <a:off x="2013516" y="4547465"/>
+              <a:ext cx="2052741" cy="338554"/>
+            </a:xfrm>
+            <a:prstGeom prst="rect">
+              <a:avLst/>
+            </a:prstGeom>
+            <a:noFill/>
+          </p:spPr>
+          <p:txBody>
+            <a:bodyPr wrap="none" rtlCol="0">
+              <a:spAutoFit/>
+            </a:bodyPr>
+            <a:lstStyle/>
+            <a:p>
+              <a:pPr algn="ctr"/>
+              <a:r>
+                <a:rPr lang="en-GB" sz="1600" b="1" dirty="0">
+                  <a:solidFill>
+                    <a:srgbClr val="C00000"/>
+                  </a:solidFill>
+                </a:rPr>
+                <a:t>Reconfigure MDC CNF</a:t>
+              </a:r>
+            </a:p>
+          </p:txBody>
+        </p:sp>
+      </p:grpSp>
+      <p:grpSp>
+        <p:nvGrpSpPr>
+          <p:cNvPr id="3" name="Group 2">
+            <a:extLst>
+              <a:ext uri="{FF2B5EF4-FFF2-40B4-BE49-F238E27FC236}">
+                <a16:creationId xmlns:a16="http://schemas.microsoft.com/office/drawing/2014/main" id="{94FBA9F4-E5B1-B747-B2D3-E9BC9C10BF80}"/>
+              </a:ext>
+            </a:extLst>
+          </p:cNvPr>
+          <p:cNvGrpSpPr/>
+          <p:nvPr/>
+        </p:nvGrpSpPr>
+        <p:grpSpPr>
+          <a:xfrm>
+            <a:off x="355537" y="4514515"/>
+            <a:ext cx="1022716" cy="1395819"/>
+            <a:chOff x="355537" y="4897975"/>
+            <a:chExt cx="1022716" cy="1395819"/>
+          </a:xfrm>
+          <a:solidFill>
+            <a:srgbClr val="FFFF00"/>
+          </a:solidFill>
+        </p:grpSpPr>
+        <p:sp>
+          <p:nvSpPr>
+            <p:cNvPr id="2" name="Lightning Bolt 1">
+              <a:extLst>
+                <a:ext uri="{FF2B5EF4-FFF2-40B4-BE49-F238E27FC236}">
+                  <a16:creationId xmlns:a16="http://schemas.microsoft.com/office/drawing/2014/main" id="{3B85B2E8-5C1D-B14C-A927-AD80FE3759A2}"/>
+                </a:ext>
+              </a:extLst>
+            </p:cNvPr>
+            <p:cNvSpPr/>
+            <p:nvPr/>
+          </p:nvSpPr>
+          <p:spPr>
+            <a:xfrm>
+              <a:off x="540266" y="4897975"/>
+              <a:ext cx="565724" cy="1025215"/>
+            </a:xfrm>
+            <a:prstGeom prst="lightningBolt">
+              <a:avLst/>
+            </a:prstGeom>
+            <a:grpFill/>
+            <a:ln>
+              <a:solidFill>
+                <a:schemeClr val="accent4">
+                  <a:lumMod val="75000"/>
+                </a:schemeClr>
+              </a:solidFill>
+            </a:ln>
+          </p:spPr>
+          <p:style>
+            <a:lnRef idx="2">
+              <a:schemeClr val="accent1">
+                <a:shade val="50000"/>
+              </a:schemeClr>
+            </a:lnRef>
+            <a:fillRef idx="1">
+              <a:schemeClr val="accent1"/>
+            </a:fillRef>
+            <a:effectRef idx="0">
+              <a:schemeClr val="accent1"/>
+            </a:effectRef>
+            <a:fontRef idx="minor">
+              <a:schemeClr val="lt1"/>
+            </a:fontRef>
+          </p:style>
+          <p:txBody>
+            <a:bodyPr rtlCol="0" anchor="ctr"/>
+            <a:lstStyle/>
+            <a:p>
+              <a:pPr algn="ctr"/>
+              <a:endParaRPr lang="en-GB"/>
+            </a:p>
+          </p:txBody>
+        </p:sp>
+        <p:sp>
+          <p:nvSpPr>
+            <p:cNvPr id="65" name="TextBox 64">
+              <a:extLst>
+                <a:ext uri="{FF2B5EF4-FFF2-40B4-BE49-F238E27FC236}">
+                  <a16:creationId xmlns:a16="http://schemas.microsoft.com/office/drawing/2014/main" id="{014A927A-8286-3C4C-9836-3A5A240E07D8}"/>
+                </a:ext>
+              </a:extLst>
+            </p:cNvPr>
+            <p:cNvSpPr txBox="1"/>
+            <p:nvPr/>
+          </p:nvSpPr>
+          <p:spPr>
+            <a:xfrm>
+              <a:off x="355537" y="5955240"/>
+              <a:ext cx="1022716" cy="338554"/>
+            </a:xfrm>
+            <a:prstGeom prst="rect">
+              <a:avLst/>
+            </a:prstGeom>
+            <a:noFill/>
+          </p:spPr>
+          <p:txBody>
+            <a:bodyPr wrap="none" rtlCol="0">
+              <a:spAutoFit/>
+            </a:bodyPr>
+            <a:lstStyle/>
+            <a:p>
+              <a:pPr algn="ctr"/>
+              <a:r>
+                <a:rPr lang="en-GB" sz="1600" b="1" dirty="0">
+                  <a:solidFill>
+                    <a:schemeClr val="accent4">
+                      <a:lumMod val="75000"/>
+                    </a:schemeClr>
+                  </a:solidFill>
+                </a:rPr>
+                <a:t>Intrusion!</a:t>
+              </a:r>
+            </a:p>
+          </p:txBody>
+        </p:sp>
+      </p:grpSp>
+      <p:sp>
+        <p:nvSpPr>
+          <p:cNvPr id="5" name="Title 4"/>
           <p:cNvSpPr>
             <a:spLocks noGrp="1"/>
           </p:cNvSpPr>
@@ -4050,16 +5839,110 @@
           <a:p>
             <a:r>
               <a:rPr lang="en-US" dirty="0" smtClean="0"/>
-              <a:t>UC2 Demo workflow</a:t>
+              <a:t>Details: Intrusion Detection &amp; Reconfiguration</a:t>
             </a:r>
             <a:endParaRPr lang="en-US" dirty="0"/>
           </a:p>
         </p:txBody>
       </p:sp>
+      <p:cxnSp>
+        <p:nvCxnSpPr>
+          <p:cNvPr id="57" name="Straight Arrow Connector 27">
+            <a:extLst>
+              <a:ext uri="{FF2B5EF4-FFF2-40B4-BE49-F238E27FC236}">
+                <a16:creationId xmlns:a16="http://schemas.microsoft.com/office/drawing/2014/main" id="{F1BF49D5-2C81-924F-A1C8-6213BFB68D93}"/>
+              </a:ext>
+            </a:extLst>
+          </p:cNvPr>
+          <p:cNvCxnSpPr>
+            <a:cxnSpLocks/>
+          </p:cNvCxnSpPr>
+          <p:nvPr/>
+        </p:nvCxnSpPr>
+        <p:spPr>
+          <a:xfrm rot="16200000" flipH="1">
+            <a:off x="6163135" y="5248213"/>
+            <a:ext cx="1294160" cy="932874"/>
+          </a:xfrm>
+          <a:prstGeom prst="bentConnector3">
+            <a:avLst>
+              <a:gd name="adj1" fmla="val 41"/>
+            </a:avLst>
+          </a:prstGeom>
+          <a:ln w="50800">
+            <a:solidFill>
+              <a:schemeClr val="tx2"/>
+            </a:solidFill>
+            <a:prstDash val="solid"/>
+            <a:tailEnd type="arrow" w="lg" len="lg"/>
+          </a:ln>
+        </p:spPr>
+        <p:style>
+          <a:lnRef idx="1">
+            <a:schemeClr val="accent1"/>
+          </a:lnRef>
+          <a:fillRef idx="0">
+            <a:schemeClr val="accent1"/>
+          </a:fillRef>
+          <a:effectRef idx="0">
+            <a:schemeClr val="accent1"/>
+          </a:effectRef>
+          <a:fontRef idx="minor">
+            <a:schemeClr val="tx1"/>
+          </a:fontRef>
+        </p:style>
+      </p:cxnSp>
+      <p:cxnSp>
+        <p:nvCxnSpPr>
+          <p:cNvPr id="58" name="Straight Arrow Connector 27">
+            <a:extLst>
+              <a:ext uri="{FF2B5EF4-FFF2-40B4-BE49-F238E27FC236}">
+                <a16:creationId xmlns:a16="http://schemas.microsoft.com/office/drawing/2014/main" id="{A5A07C19-3100-0645-BAE8-A8405F53BD50}"/>
+              </a:ext>
+            </a:extLst>
+          </p:cNvPr>
+          <p:cNvCxnSpPr>
+            <a:cxnSpLocks/>
+          </p:cNvCxnSpPr>
+          <p:nvPr/>
+        </p:nvCxnSpPr>
+        <p:spPr>
+          <a:xfrm>
+            <a:off x="6342175" y="5265306"/>
+            <a:ext cx="535710" cy="1096424"/>
+          </a:xfrm>
+          <a:prstGeom prst="bentConnector2">
+            <a:avLst/>
+          </a:prstGeom>
+          <a:ln w="50800">
+            <a:solidFill>
+              <a:schemeClr val="bg1">
+                <a:lumMod val="50000"/>
+              </a:schemeClr>
+            </a:solidFill>
+            <a:prstDash val="solid"/>
+            <a:tailEnd type="arrow" w="lg" len="lg"/>
+          </a:ln>
+        </p:spPr>
+        <p:style>
+          <a:lnRef idx="1">
+            <a:schemeClr val="accent1"/>
+          </a:lnRef>
+          <a:fillRef idx="0">
+            <a:schemeClr val="accent1"/>
+          </a:fillRef>
+          <a:effectRef idx="0">
+            <a:schemeClr val="accent1"/>
+          </a:effectRef>
+          <a:fontRef idx="minor">
+            <a:schemeClr val="tx1"/>
+          </a:fontRef>
+        </p:style>
+      </p:cxnSp>
     </p:spTree>
     <p:extLst>
       <p:ext uri="{BB962C8B-B14F-4D97-AF65-F5344CB8AC3E}">
-        <p14:creationId xmlns:p14="http://schemas.microsoft.com/office/powerpoint/2010/main" val="1841864630"/>
+        <p14:creationId xmlns:p14="http://schemas.microsoft.com/office/powerpoint/2010/main" val="3219874674"/>
       </p:ext>
     </p:extLst>
   </p:cSld>
@@ -4069,7 +5952,597 @@
   <p:timing>
     <p:tnLst>
       <p:par>
-        <p:cTn id="1" dur="indefinite" restart="never" nodeType="tmRoot"/>
+        <p:cTn id="1" dur="indefinite" restart="never" nodeType="tmRoot">
+          <p:childTnLst>
+            <p:seq concurrent="1" nextAc="seek">
+              <p:cTn id="2" dur="indefinite" nodeType="mainSeq">
+                <p:childTnLst>
+                  <p:par>
+                    <p:cTn id="3" fill="hold">
+                      <p:stCondLst>
+                        <p:cond delay="indefinite"/>
+                      </p:stCondLst>
+                      <p:childTnLst>
+                        <p:par>
+                          <p:cTn id="4" fill="hold">
+                            <p:stCondLst>
+                              <p:cond delay="0"/>
+                            </p:stCondLst>
+                            <p:childTnLst>
+                              <p:par>
+                                <p:cTn id="5" presetID="1" presetClass="entr" presetSubtype="0" fill="hold" nodeType="clickEffect">
+                                  <p:stCondLst>
+                                    <p:cond delay="0"/>
+                                  </p:stCondLst>
+                                  <p:childTnLst>
+                                    <p:set>
+                                      <p:cBhvr>
+                                        <p:cTn id="6" dur="1" fill="hold">
+                                          <p:stCondLst>
+                                            <p:cond delay="0"/>
+                                          </p:stCondLst>
+                                        </p:cTn>
+                                        <p:tgtEl>
+                                          <p:spTgt spid="14"/>
+                                        </p:tgtEl>
+                                        <p:attrNameLst>
+                                          <p:attrName>style.visibility</p:attrName>
+                                        </p:attrNameLst>
+                                      </p:cBhvr>
+                                      <p:to>
+                                        <p:strVal val="visible"/>
+                                      </p:to>
+                                    </p:set>
+                                  </p:childTnLst>
+                                </p:cTn>
+                              </p:par>
+                            </p:childTnLst>
+                          </p:cTn>
+                        </p:par>
+                      </p:childTnLst>
+                    </p:cTn>
+                  </p:par>
+                  <p:par>
+                    <p:cTn id="7" fill="hold">
+                      <p:stCondLst>
+                        <p:cond delay="indefinite"/>
+                      </p:stCondLst>
+                      <p:childTnLst>
+                        <p:par>
+                          <p:cTn id="8" fill="hold">
+                            <p:stCondLst>
+                              <p:cond delay="0"/>
+                            </p:stCondLst>
+                            <p:childTnLst>
+                              <p:par>
+                                <p:cTn id="9" presetID="1" presetClass="entr" presetSubtype="0" fill="hold" nodeType="clickEffect">
+                                  <p:stCondLst>
+                                    <p:cond delay="0"/>
+                                  </p:stCondLst>
+                                  <p:childTnLst>
+                                    <p:set>
+                                      <p:cBhvr>
+                                        <p:cTn id="10" dur="1" fill="hold">
+                                          <p:stCondLst>
+                                            <p:cond delay="0"/>
+                                          </p:stCondLst>
+                                        </p:cTn>
+                                        <p:tgtEl>
+                                          <p:spTgt spid="3"/>
+                                        </p:tgtEl>
+                                        <p:attrNameLst>
+                                          <p:attrName>style.visibility</p:attrName>
+                                        </p:attrNameLst>
+                                      </p:cBhvr>
+                                      <p:to>
+                                        <p:strVal val="visible"/>
+                                      </p:to>
+                                    </p:set>
+                                  </p:childTnLst>
+                                </p:cTn>
+                              </p:par>
+                            </p:childTnLst>
+                          </p:cTn>
+                        </p:par>
+                      </p:childTnLst>
+                    </p:cTn>
+                  </p:par>
+                  <p:par>
+                    <p:cTn id="11" fill="hold">
+                      <p:stCondLst>
+                        <p:cond delay="indefinite"/>
+                      </p:stCondLst>
+                      <p:childTnLst>
+                        <p:par>
+                          <p:cTn id="12" fill="hold">
+                            <p:stCondLst>
+                              <p:cond delay="0"/>
+                            </p:stCondLst>
+                            <p:childTnLst>
+                              <p:par>
+                                <p:cTn id="13" presetID="1" presetClass="entr" presetSubtype="0" fill="hold" nodeType="clickEffect">
+                                  <p:stCondLst>
+                                    <p:cond delay="0"/>
+                                  </p:stCondLst>
+                                  <p:childTnLst>
+                                    <p:set>
+                                      <p:cBhvr>
+                                        <p:cTn id="14" dur="1" fill="hold">
+                                          <p:stCondLst>
+                                            <p:cond delay="0"/>
+                                          </p:stCondLst>
+                                        </p:cTn>
+                                        <p:tgtEl>
+                                          <p:spTgt spid="109"/>
+                                        </p:tgtEl>
+                                        <p:attrNameLst>
+                                          <p:attrName>style.visibility</p:attrName>
+                                        </p:attrNameLst>
+                                      </p:cBhvr>
+                                      <p:to>
+                                        <p:strVal val="visible"/>
+                                      </p:to>
+                                    </p:set>
+                                  </p:childTnLst>
+                                </p:cTn>
+                              </p:par>
+                            </p:childTnLst>
+                          </p:cTn>
+                        </p:par>
+                      </p:childTnLst>
+                    </p:cTn>
+                  </p:par>
+                  <p:par>
+                    <p:cTn id="15" fill="hold">
+                      <p:stCondLst>
+                        <p:cond delay="indefinite"/>
+                      </p:stCondLst>
+                      <p:childTnLst>
+                        <p:par>
+                          <p:cTn id="16" fill="hold">
+                            <p:stCondLst>
+                              <p:cond delay="0"/>
+                            </p:stCondLst>
+                            <p:childTnLst>
+                              <p:par>
+                                <p:cTn id="17" presetID="1" presetClass="entr" presetSubtype="0" fill="hold" nodeType="clickEffect">
+                                  <p:stCondLst>
+                                    <p:cond delay="0"/>
+                                  </p:stCondLst>
+                                  <p:childTnLst>
+                                    <p:set>
+                                      <p:cBhvr>
+                                        <p:cTn id="18" dur="1" fill="hold">
+                                          <p:stCondLst>
+                                            <p:cond delay="0"/>
+                                          </p:stCondLst>
+                                        </p:cTn>
+                                        <p:tgtEl>
+                                          <p:spTgt spid="110"/>
+                                        </p:tgtEl>
+                                        <p:attrNameLst>
+                                          <p:attrName>style.visibility</p:attrName>
+                                        </p:attrNameLst>
+                                      </p:cBhvr>
+                                      <p:to>
+                                        <p:strVal val="visible"/>
+                                      </p:to>
+                                    </p:set>
+                                  </p:childTnLst>
+                                </p:cTn>
+                              </p:par>
+                            </p:childTnLst>
+                          </p:cTn>
+                        </p:par>
+                      </p:childTnLst>
+                    </p:cTn>
+                  </p:par>
+                  <p:par>
+                    <p:cTn id="19" fill="hold">
+                      <p:stCondLst>
+                        <p:cond delay="indefinite"/>
+                      </p:stCondLst>
+                      <p:childTnLst>
+                        <p:par>
+                          <p:cTn id="20" fill="hold">
+                            <p:stCondLst>
+                              <p:cond delay="0"/>
+                            </p:stCondLst>
+                            <p:childTnLst>
+                              <p:par>
+                                <p:cTn id="21" presetID="1" presetClass="entr" presetSubtype="0" fill="hold" nodeType="clickEffect">
+                                  <p:stCondLst>
+                                    <p:cond delay="0"/>
+                                  </p:stCondLst>
+                                  <p:childTnLst>
+                                    <p:set>
+                                      <p:cBhvr>
+                                        <p:cTn id="22" dur="1" fill="hold">
+                                          <p:stCondLst>
+                                            <p:cond delay="0"/>
+                                          </p:stCondLst>
+                                        </p:cTn>
+                                        <p:tgtEl>
+                                          <p:spTgt spid="111"/>
+                                        </p:tgtEl>
+                                        <p:attrNameLst>
+                                          <p:attrName>style.visibility</p:attrName>
+                                        </p:attrNameLst>
+                                      </p:cBhvr>
+                                      <p:to>
+                                        <p:strVal val="visible"/>
+                                      </p:to>
+                                    </p:set>
+                                  </p:childTnLst>
+                                </p:cTn>
+                              </p:par>
+                            </p:childTnLst>
+                          </p:cTn>
+                        </p:par>
+                      </p:childTnLst>
+                    </p:cTn>
+                  </p:par>
+                  <p:par>
+                    <p:cTn id="23" fill="hold">
+                      <p:stCondLst>
+                        <p:cond delay="indefinite"/>
+                      </p:stCondLst>
+                      <p:childTnLst>
+                        <p:par>
+                          <p:cTn id="24" fill="hold">
+                            <p:stCondLst>
+                              <p:cond delay="0"/>
+                            </p:stCondLst>
+                            <p:childTnLst>
+                              <p:par>
+                                <p:cTn id="25" presetID="1" presetClass="entr" presetSubtype="0" fill="hold" nodeType="clickEffect">
+                                  <p:stCondLst>
+                                    <p:cond delay="0"/>
+                                  </p:stCondLst>
+                                  <p:childTnLst>
+                                    <p:set>
+                                      <p:cBhvr>
+                                        <p:cTn id="26" dur="1" fill="hold">
+                                          <p:stCondLst>
+                                            <p:cond delay="0"/>
+                                          </p:stCondLst>
+                                        </p:cTn>
+                                        <p:tgtEl>
+                                          <p:spTgt spid="117"/>
+                                        </p:tgtEl>
+                                        <p:attrNameLst>
+                                          <p:attrName>style.visibility</p:attrName>
+                                        </p:attrNameLst>
+                                      </p:cBhvr>
+                                      <p:to>
+                                        <p:strVal val="visible"/>
+                                      </p:to>
+                                    </p:set>
+                                  </p:childTnLst>
+                                </p:cTn>
+                              </p:par>
+                            </p:childTnLst>
+                          </p:cTn>
+                        </p:par>
+                      </p:childTnLst>
+                    </p:cTn>
+                  </p:par>
+                  <p:par>
+                    <p:cTn id="27" fill="hold">
+                      <p:stCondLst>
+                        <p:cond delay="indefinite"/>
+                      </p:stCondLst>
+                      <p:childTnLst>
+                        <p:par>
+                          <p:cTn id="28" fill="hold">
+                            <p:stCondLst>
+                              <p:cond delay="0"/>
+                            </p:stCondLst>
+                            <p:childTnLst>
+                              <p:par>
+                                <p:cTn id="29" presetID="1" presetClass="entr" presetSubtype="0" fill="hold" nodeType="clickEffect">
+                                  <p:stCondLst>
+                                    <p:cond delay="0"/>
+                                  </p:stCondLst>
+                                  <p:childTnLst>
+                                    <p:set>
+                                      <p:cBhvr>
+                                        <p:cTn id="30" dur="1" fill="hold">
+                                          <p:stCondLst>
+                                            <p:cond delay="0"/>
+                                          </p:stCondLst>
+                                        </p:cTn>
+                                        <p:tgtEl>
+                                          <p:spTgt spid="116"/>
+                                        </p:tgtEl>
+                                        <p:attrNameLst>
+                                          <p:attrName>style.visibility</p:attrName>
+                                        </p:attrNameLst>
+                                      </p:cBhvr>
+                                      <p:to>
+                                        <p:strVal val="visible"/>
+                                      </p:to>
+                                    </p:set>
+                                  </p:childTnLst>
+                                </p:cTn>
+                              </p:par>
+                            </p:childTnLst>
+                          </p:cTn>
+                        </p:par>
+                      </p:childTnLst>
+                    </p:cTn>
+                  </p:par>
+                  <p:par>
+                    <p:cTn id="31" fill="hold">
+                      <p:stCondLst>
+                        <p:cond delay="indefinite"/>
+                      </p:stCondLst>
+                      <p:childTnLst>
+                        <p:par>
+                          <p:cTn id="32" fill="hold">
+                            <p:stCondLst>
+                              <p:cond delay="0"/>
+                            </p:stCondLst>
+                            <p:childTnLst>
+                              <p:par>
+                                <p:cTn id="33" presetID="1" presetClass="entr" presetSubtype="0" fill="hold" nodeType="clickEffect">
+                                  <p:stCondLst>
+                                    <p:cond delay="0"/>
+                                  </p:stCondLst>
+                                  <p:childTnLst>
+                                    <p:set>
+                                      <p:cBhvr>
+                                        <p:cTn id="34" dur="1" fill="hold">
+                                          <p:stCondLst>
+                                            <p:cond delay="0"/>
+                                          </p:stCondLst>
+                                        </p:cTn>
+                                        <p:tgtEl>
+                                          <p:spTgt spid="118"/>
+                                        </p:tgtEl>
+                                        <p:attrNameLst>
+                                          <p:attrName>style.visibility</p:attrName>
+                                        </p:attrNameLst>
+                                      </p:cBhvr>
+                                      <p:to>
+                                        <p:strVal val="visible"/>
+                                      </p:to>
+                                    </p:set>
+                                  </p:childTnLst>
+                                </p:cTn>
+                              </p:par>
+                            </p:childTnLst>
+                          </p:cTn>
+                        </p:par>
+                      </p:childTnLst>
+                    </p:cTn>
+                  </p:par>
+                  <p:par>
+                    <p:cTn id="35" fill="hold">
+                      <p:stCondLst>
+                        <p:cond delay="indefinite"/>
+                      </p:stCondLst>
+                      <p:childTnLst>
+                        <p:par>
+                          <p:cTn id="36" fill="hold">
+                            <p:stCondLst>
+                              <p:cond delay="0"/>
+                            </p:stCondLst>
+                            <p:childTnLst>
+                              <p:par>
+                                <p:cTn id="37" presetID="1" presetClass="entr" presetSubtype="0" fill="hold" nodeType="clickEffect">
+                                  <p:stCondLst>
+                                    <p:cond delay="0"/>
+                                  </p:stCondLst>
+                                  <p:childTnLst>
+                                    <p:set>
+                                      <p:cBhvr>
+                                        <p:cTn id="38" dur="1" fill="hold">
+                                          <p:stCondLst>
+                                            <p:cond delay="0"/>
+                                          </p:stCondLst>
+                                        </p:cTn>
+                                        <p:tgtEl>
+                                          <p:spTgt spid="120"/>
+                                        </p:tgtEl>
+                                        <p:attrNameLst>
+                                          <p:attrName>style.visibility</p:attrName>
+                                        </p:attrNameLst>
+                                      </p:cBhvr>
+                                      <p:to>
+                                        <p:strVal val="visible"/>
+                                      </p:to>
+                                    </p:set>
+                                  </p:childTnLst>
+                                </p:cTn>
+                              </p:par>
+                            </p:childTnLst>
+                          </p:cTn>
+                        </p:par>
+                      </p:childTnLst>
+                    </p:cTn>
+                  </p:par>
+                  <p:par>
+                    <p:cTn id="39" fill="hold">
+                      <p:stCondLst>
+                        <p:cond delay="indefinite"/>
+                      </p:stCondLst>
+                      <p:childTnLst>
+                        <p:par>
+                          <p:cTn id="40" fill="hold">
+                            <p:stCondLst>
+                              <p:cond delay="0"/>
+                            </p:stCondLst>
+                            <p:childTnLst>
+                              <p:par>
+                                <p:cTn id="41" presetID="1" presetClass="entr" presetSubtype="0" fill="hold" nodeType="clickEffect">
+                                  <p:stCondLst>
+                                    <p:cond delay="0"/>
+                                  </p:stCondLst>
+                                  <p:childTnLst>
+                                    <p:set>
+                                      <p:cBhvr>
+                                        <p:cTn id="42" dur="1" fill="hold">
+                                          <p:stCondLst>
+                                            <p:cond delay="0"/>
+                                          </p:stCondLst>
+                                        </p:cTn>
+                                        <p:tgtEl>
+                                          <p:spTgt spid="119"/>
+                                        </p:tgtEl>
+                                        <p:attrNameLst>
+                                          <p:attrName>style.visibility</p:attrName>
+                                        </p:attrNameLst>
+                                      </p:cBhvr>
+                                      <p:to>
+                                        <p:strVal val="visible"/>
+                                      </p:to>
+                                    </p:set>
+                                  </p:childTnLst>
+                                </p:cTn>
+                              </p:par>
+                            </p:childTnLst>
+                          </p:cTn>
+                        </p:par>
+                      </p:childTnLst>
+                    </p:cTn>
+                  </p:par>
+                  <p:par>
+                    <p:cTn id="43" fill="hold">
+                      <p:stCondLst>
+                        <p:cond delay="indefinite"/>
+                      </p:stCondLst>
+                      <p:childTnLst>
+                        <p:par>
+                          <p:cTn id="44" fill="hold">
+                            <p:stCondLst>
+                              <p:cond delay="0"/>
+                            </p:stCondLst>
+                            <p:childTnLst>
+                              <p:par>
+                                <p:cTn id="45" presetID="1" presetClass="entr" presetSubtype="0" fill="hold" nodeType="clickEffect">
+                                  <p:stCondLst>
+                                    <p:cond delay="0"/>
+                                  </p:stCondLst>
+                                  <p:childTnLst>
+                                    <p:set>
+                                      <p:cBhvr>
+                                        <p:cTn id="46" dur="1" fill="hold">
+                                          <p:stCondLst>
+                                            <p:cond delay="0"/>
+                                          </p:stCondLst>
+                                        </p:cTn>
+                                        <p:tgtEl>
+                                          <p:spTgt spid="121"/>
+                                        </p:tgtEl>
+                                        <p:attrNameLst>
+                                          <p:attrName>style.visibility</p:attrName>
+                                        </p:attrNameLst>
+                                      </p:cBhvr>
+                                      <p:to>
+                                        <p:strVal val="visible"/>
+                                      </p:to>
+                                    </p:set>
+                                  </p:childTnLst>
+                                </p:cTn>
+                              </p:par>
+                            </p:childTnLst>
+                          </p:cTn>
+                        </p:par>
+                      </p:childTnLst>
+                    </p:cTn>
+                  </p:par>
+                  <p:par>
+                    <p:cTn id="47" fill="hold">
+                      <p:stCondLst>
+                        <p:cond delay="indefinite"/>
+                      </p:stCondLst>
+                      <p:childTnLst>
+                        <p:par>
+                          <p:cTn id="48" fill="hold">
+                            <p:stCondLst>
+                              <p:cond delay="0"/>
+                            </p:stCondLst>
+                            <p:childTnLst>
+                              <p:par>
+                                <p:cTn id="49" presetID="1" presetClass="entr" presetSubtype="0" fill="hold" nodeType="clickEffect">
+                                  <p:stCondLst>
+                                    <p:cond delay="0"/>
+                                  </p:stCondLst>
+                                  <p:childTnLst>
+                                    <p:set>
+                                      <p:cBhvr>
+                                        <p:cTn id="50" dur="1" fill="hold">
+                                          <p:stCondLst>
+                                            <p:cond delay="0"/>
+                                          </p:stCondLst>
+                                        </p:cTn>
+                                        <p:tgtEl>
+                                          <p:spTgt spid="57"/>
+                                        </p:tgtEl>
+                                        <p:attrNameLst>
+                                          <p:attrName>style.visibility</p:attrName>
+                                        </p:attrNameLst>
+                                      </p:cBhvr>
+                                      <p:to>
+                                        <p:strVal val="visible"/>
+                                      </p:to>
+                                    </p:set>
+                                  </p:childTnLst>
+                                </p:cTn>
+                              </p:par>
+                              <p:par>
+                                <p:cTn id="51" presetID="1" presetClass="exit" presetSubtype="0" fill="hold" nodeType="withEffect">
+                                  <p:stCondLst>
+                                    <p:cond delay="0"/>
+                                  </p:stCondLst>
+                                  <p:childTnLst>
+                                    <p:set>
+                                      <p:cBhvr>
+                                        <p:cTn id="52" dur="1" fill="hold">
+                                          <p:stCondLst>
+                                            <p:cond delay="0"/>
+                                          </p:stCondLst>
+                                        </p:cTn>
+                                        <p:tgtEl>
+                                          <p:spTgt spid="58"/>
+                                        </p:tgtEl>
+                                        <p:attrNameLst>
+                                          <p:attrName>style.visibility</p:attrName>
+                                        </p:attrNameLst>
+                                      </p:cBhvr>
+                                      <p:to>
+                                        <p:strVal val="hidden"/>
+                                      </p:to>
+                                    </p:set>
+                                  </p:childTnLst>
+                                </p:cTn>
+                              </p:par>
+                            </p:childTnLst>
+                          </p:cTn>
+                        </p:par>
+                      </p:childTnLst>
+                    </p:cTn>
+                  </p:par>
+                </p:childTnLst>
+              </p:cTn>
+              <p:prevCondLst>
+                <p:cond evt="onPrev" delay="0">
+                  <p:tgtEl>
+                    <p:sldTgt/>
+                  </p:tgtEl>
+                </p:cond>
+              </p:prevCondLst>
+              <p:nextCondLst>
+                <p:cond evt="onNext" delay="0">
+                  <p:tgtEl>
+                    <p:sldTgt/>
+                  </p:tgtEl>
+                </p:cond>
+              </p:nextCondLst>
+            </p:seq>
+          </p:childTnLst>
+        </p:cTn>
       </p:par>
     </p:tnLst>
   </p:timing>
@@ -4095,12 +6568,113 @@
       </p:grpSpPr>
       <p:sp>
         <p:nvSpPr>
-          <p:cNvPr id="5" name="Title 4"/>
+          <p:cNvPr id="2" name="Content Placeholder 1"/>
           <p:cNvSpPr>
             <a:spLocks noGrp="1"/>
           </p:cNvSpPr>
           <p:nvPr>
-            <p:ph type="ctrTitle"/>
+            <p:ph idx="1"/>
+          </p:nvPr>
+        </p:nvSpPr>
+        <p:spPr/>
+        <p:txBody>
+          <a:bodyPr>
+            <a:normAutofit/>
+          </a:bodyPr>
+          <a:lstStyle/>
+          <a:p>
+            <a:pPr>
+              <a:lnSpc>
+                <a:spcPct val="110000"/>
+              </a:lnSpc>
+            </a:pPr>
+            <a:r>
+              <a:rPr lang="en-US" dirty="0" smtClean="0"/>
+              <a:t>Starting point:</a:t>
+            </a:r>
+          </a:p>
+          <a:p>
+            <a:pPr lvl="1">
+              <a:lnSpc>
+                <a:spcPct val="110000"/>
+              </a:lnSpc>
+            </a:pPr>
+            <a:r>
+              <a:rPr lang="en-US" dirty="0" smtClean="0"/>
+              <a:t>Normal &amp; Quarantine NS1 running</a:t>
+            </a:r>
+          </a:p>
+          <a:p>
+            <a:pPr lvl="1">
+              <a:lnSpc>
+                <a:spcPct val="110000"/>
+              </a:lnSpc>
+            </a:pPr>
+            <a:r>
+              <a:rPr lang="en-US" dirty="0" smtClean="0"/>
+              <a:t>NS2 running and machine connected, sending </a:t>
+            </a:r>
+            <a:r>
+              <a:rPr lang="en-US" dirty="0" smtClean="0"/>
+              <a:t>data</a:t>
+            </a:r>
+          </a:p>
+          <a:p>
+            <a:pPr lvl="1">
+              <a:lnSpc>
+                <a:spcPct val="110000"/>
+              </a:lnSpc>
+            </a:pPr>
+            <a:endParaRPr lang="en-US" dirty="0" smtClean="0"/>
+          </a:p>
+          <a:p>
+            <a:pPr>
+              <a:lnSpc>
+                <a:spcPct val="110000"/>
+              </a:lnSpc>
+            </a:pPr>
+            <a:r>
+              <a:rPr lang="en-US" dirty="0" smtClean="0"/>
+              <a:t>Intrusion </a:t>
+            </a:r>
+            <a:r>
+              <a:rPr lang="en-US" dirty="0" smtClean="0"/>
+              <a:t>attempt by outside attacker</a:t>
+            </a:r>
+          </a:p>
+          <a:p>
+            <a:pPr>
+              <a:lnSpc>
+                <a:spcPct val="110000"/>
+              </a:lnSpc>
+            </a:pPr>
+            <a:r>
+              <a:rPr lang="en-US" dirty="0" smtClean="0"/>
+              <a:t>IDS notices intrusion and triggers alert</a:t>
+            </a:r>
+          </a:p>
+          <a:p>
+            <a:pPr>
+              <a:lnSpc>
+                <a:spcPct val="110000"/>
+              </a:lnSpc>
+            </a:pPr>
+            <a:r>
+              <a:rPr lang="en-US" dirty="0" smtClean="0"/>
+              <a:t>NS2 is reconfigured to send data into quarantine NS1</a:t>
+            </a:r>
+            <a:endParaRPr lang="en-US" dirty="0"/>
+          </a:p>
+        </p:txBody>
+      </p:sp>
+      <p:sp>
+        <p:nvSpPr>
+          <p:cNvPr id="3" name="Title 2"/>
+          <p:cNvSpPr>
+            <a:spLocks noGrp="1"/>
+          </p:cNvSpPr>
+          <p:nvPr>
+            <p:ph type="title"/>
           </p:nvPr>
         </p:nvSpPr>
         <p:spPr/>
@@ -4110,30 +6684,7 @@
           <a:p>
             <a:r>
               <a:rPr lang="en-US" dirty="0" smtClean="0"/>
-              <a:t>Demo time!</a:t>
-            </a:r>
-            <a:endParaRPr lang="en-US" dirty="0"/>
-          </a:p>
-        </p:txBody>
-      </p:sp>
-      <p:sp>
-        <p:nvSpPr>
-          <p:cNvPr id="6" name="Subtitle 5"/>
-          <p:cNvSpPr>
-            <a:spLocks noGrp="1"/>
-          </p:cNvSpPr>
-          <p:nvPr>
-            <p:ph type="subTitle" idx="1"/>
-          </p:nvPr>
-        </p:nvSpPr>
-        <p:spPr/>
-        <p:txBody>
-          <a:bodyPr/>
-          <a:lstStyle/>
-          <a:p>
-            <a:r>
-              <a:rPr lang="en-US" dirty="0" smtClean="0"/>
-              <a:t>Preparation: Starting IMMS, receiving data</a:t>
+              <a:t>Demo Steps</a:t>
             </a:r>
             <a:endParaRPr lang="en-US" dirty="0"/>
           </a:p>
@@ -4142,7 +6693,7 @@
     </p:spTree>
     <p:extLst>
       <p:ext uri="{BB962C8B-B14F-4D97-AF65-F5344CB8AC3E}">
-        <p14:creationId xmlns:p14="http://schemas.microsoft.com/office/powerpoint/2010/main" val="898955816"/>
+        <p14:creationId xmlns:p14="http://schemas.microsoft.com/office/powerpoint/2010/main" val="1841864630"/>
       </p:ext>
     </p:extLst>
   </p:cSld>
@@ -4178,12 +6729,2217 @@
       </p:grpSpPr>
       <p:sp>
         <p:nvSpPr>
+          <p:cNvPr id="15" name="Rectangle 14">
+            <a:extLst>
+              <a:ext uri="{FF2B5EF4-FFF2-40B4-BE49-F238E27FC236}">
+                <a16:creationId xmlns:a16="http://schemas.microsoft.com/office/drawing/2014/main" id="{DF79D71E-F130-1540-A608-25B3C933F6D8}"/>
+              </a:ext>
+            </a:extLst>
+          </p:cNvPr>
+          <p:cNvSpPr/>
+          <p:nvPr/>
+        </p:nvSpPr>
+        <p:spPr>
+          <a:xfrm>
+            <a:off x="937494" y="4781471"/>
+            <a:ext cx="2121986" cy="790719"/>
+          </a:xfrm>
+          <a:prstGeom prst="rect">
+            <a:avLst/>
+          </a:prstGeom>
+          <a:solidFill>
+            <a:schemeClr val="accent6">
+              <a:lumMod val="40000"/>
+              <a:lumOff val="60000"/>
+            </a:schemeClr>
+          </a:solidFill>
+          <a:ln w="19050">
+            <a:solidFill>
+              <a:schemeClr val="tx1"/>
+            </a:solidFill>
+          </a:ln>
+        </p:spPr>
+        <p:style>
+          <a:lnRef idx="2">
+            <a:schemeClr val="accent1">
+              <a:shade val="50000"/>
+            </a:schemeClr>
+          </a:lnRef>
+          <a:fillRef idx="1">
+            <a:schemeClr val="accent1"/>
+          </a:fillRef>
+          <a:effectRef idx="0">
+            <a:schemeClr val="accent1"/>
+          </a:effectRef>
+          <a:fontRef idx="minor">
+            <a:schemeClr val="lt1"/>
+          </a:fontRef>
+        </p:style>
+        <p:txBody>
+          <a:bodyPr rtlCol="0" anchor="ctr"/>
+          <a:lstStyle/>
+          <a:p>
+            <a:pPr algn="ctr"/>
+            <a:r>
+              <a:rPr lang="en-GB" sz="2000" dirty="0">
+                <a:solidFill>
+                  <a:schemeClr val="tx1"/>
+                </a:solidFill>
+              </a:rPr>
+              <a:t>IDS</a:t>
+            </a:r>
+          </a:p>
+          <a:p>
+            <a:pPr algn="ctr"/>
+            <a:r>
+              <a:rPr lang="en-GB" sz="1400" dirty="0">
+                <a:solidFill>
+                  <a:schemeClr val="tx1"/>
+                </a:solidFill>
+              </a:rPr>
+              <a:t>(Suricata + ELK)</a:t>
+            </a:r>
+          </a:p>
+        </p:txBody>
+      </p:sp>
+      <p:sp>
+        <p:nvSpPr>
+          <p:cNvPr id="16" name="Rectangle 15">
+            <a:extLst>
+              <a:ext uri="{FF2B5EF4-FFF2-40B4-BE49-F238E27FC236}">
+                <a16:creationId xmlns:a16="http://schemas.microsoft.com/office/drawing/2014/main" id="{2B0C68BB-EF0C-F041-8C41-BA9E0972E5A2}"/>
+              </a:ext>
+            </a:extLst>
+          </p:cNvPr>
+          <p:cNvSpPr/>
+          <p:nvPr/>
+        </p:nvSpPr>
+        <p:spPr>
+          <a:xfrm>
+            <a:off x="4223395" y="4781470"/>
+            <a:ext cx="2121986" cy="790719"/>
+          </a:xfrm>
+          <a:prstGeom prst="rect">
+            <a:avLst/>
+          </a:prstGeom>
+          <a:solidFill>
+            <a:schemeClr val="accent6">
+              <a:lumMod val="40000"/>
+              <a:lumOff val="60000"/>
+            </a:schemeClr>
+          </a:solidFill>
+          <a:ln w="19050">
+            <a:solidFill>
+              <a:schemeClr val="tx1"/>
+            </a:solidFill>
+          </a:ln>
+        </p:spPr>
+        <p:style>
+          <a:lnRef idx="2">
+            <a:schemeClr val="accent1">
+              <a:shade val="50000"/>
+            </a:schemeClr>
+          </a:lnRef>
+          <a:fillRef idx="1">
+            <a:schemeClr val="accent1"/>
+          </a:fillRef>
+          <a:effectRef idx="0">
+            <a:schemeClr val="accent1"/>
+          </a:effectRef>
+          <a:fontRef idx="minor">
+            <a:schemeClr val="lt1"/>
+          </a:fontRef>
+        </p:style>
+        <p:txBody>
+          <a:bodyPr rtlCol="0" anchor="ctr"/>
+          <a:lstStyle/>
+          <a:p>
+            <a:pPr algn="ctr"/>
+            <a:r>
+              <a:rPr lang="en-GB" sz="2000" dirty="0">
+                <a:solidFill>
+                  <a:schemeClr val="tx1"/>
+                </a:solidFill>
+              </a:rPr>
+              <a:t>MDC</a:t>
+            </a:r>
+          </a:p>
+        </p:txBody>
+      </p:sp>
+      <p:grpSp>
+        <p:nvGrpSpPr>
+          <p:cNvPr id="14" name="Group 13"/>
+          <p:cNvGrpSpPr/>
+          <p:nvPr/>
+        </p:nvGrpSpPr>
+        <p:grpSpPr>
+          <a:xfrm>
+            <a:off x="720435" y="1487805"/>
+            <a:ext cx="10695709" cy="2663790"/>
+            <a:chOff x="720435" y="1487805"/>
+            <a:chExt cx="10695709" cy="2663790"/>
+          </a:xfrm>
+        </p:grpSpPr>
+        <p:sp>
+          <p:nvSpPr>
+            <p:cNvPr id="8" name="Rectangle 7">
+              <a:extLst>
+                <a:ext uri="{FF2B5EF4-FFF2-40B4-BE49-F238E27FC236}">
+                  <a16:creationId xmlns:a16="http://schemas.microsoft.com/office/drawing/2014/main" id="{A695F12F-2330-7146-9079-D856E7005816}"/>
+                </a:ext>
+              </a:extLst>
+            </p:cNvPr>
+            <p:cNvSpPr/>
+            <p:nvPr/>
+          </p:nvSpPr>
+          <p:spPr>
+            <a:xfrm>
+              <a:off x="1178759" y="1843462"/>
+              <a:ext cx="1639451" cy="711314"/>
+            </a:xfrm>
+            <a:prstGeom prst="rect">
+              <a:avLst/>
+            </a:prstGeom>
+            <a:solidFill>
+              <a:schemeClr val="accent6">
+                <a:lumMod val="20000"/>
+                <a:lumOff val="80000"/>
+              </a:schemeClr>
+            </a:solidFill>
+            <a:ln w="19050">
+              <a:solidFill>
+                <a:schemeClr val="tx1"/>
+              </a:solidFill>
+            </a:ln>
+          </p:spPr>
+          <p:style>
+            <a:lnRef idx="2">
+              <a:schemeClr val="accent1">
+                <a:shade val="50000"/>
+              </a:schemeClr>
+            </a:lnRef>
+            <a:fillRef idx="1">
+              <a:schemeClr val="accent1"/>
+            </a:fillRef>
+            <a:effectRef idx="0">
+              <a:schemeClr val="accent1"/>
+            </a:effectRef>
+            <a:fontRef idx="minor">
+              <a:schemeClr val="lt1"/>
+            </a:fontRef>
+          </p:style>
+          <p:txBody>
+            <a:bodyPr rtlCol="0" anchor="ctr"/>
+            <a:lstStyle/>
+            <a:p>
+              <a:pPr algn="ctr"/>
+              <a:r>
+                <a:rPr lang="en-GB" sz="2000" dirty="0">
+                  <a:solidFill>
+                    <a:schemeClr val="tx1"/>
+                  </a:solidFill>
+                </a:rPr>
+                <a:t>FSM (MDC)</a:t>
+              </a:r>
+            </a:p>
+          </p:txBody>
+        </p:sp>
+        <p:sp>
+          <p:nvSpPr>
+            <p:cNvPr id="9" name="Rectangle 8">
+              <a:extLst>
+                <a:ext uri="{FF2B5EF4-FFF2-40B4-BE49-F238E27FC236}">
+                  <a16:creationId xmlns:a16="http://schemas.microsoft.com/office/drawing/2014/main" id="{51B49545-2943-C941-B4CF-D9550F9DED67}"/>
+                </a:ext>
+              </a:extLst>
+            </p:cNvPr>
+            <p:cNvSpPr/>
+            <p:nvPr/>
+          </p:nvSpPr>
+          <p:spPr>
+            <a:xfrm>
+              <a:off x="4464662" y="1843462"/>
+              <a:ext cx="1639451" cy="711314"/>
+            </a:xfrm>
+            <a:prstGeom prst="rect">
+              <a:avLst/>
+            </a:prstGeom>
+            <a:solidFill>
+              <a:schemeClr val="accent6">
+                <a:lumMod val="20000"/>
+                <a:lumOff val="80000"/>
+              </a:schemeClr>
+            </a:solidFill>
+            <a:ln w="19050">
+              <a:solidFill>
+                <a:schemeClr val="tx1"/>
+              </a:solidFill>
+            </a:ln>
+          </p:spPr>
+          <p:style>
+            <a:lnRef idx="2">
+              <a:schemeClr val="accent1">
+                <a:shade val="50000"/>
+              </a:schemeClr>
+            </a:lnRef>
+            <a:fillRef idx="1">
+              <a:schemeClr val="accent1"/>
+            </a:fillRef>
+            <a:effectRef idx="0">
+              <a:schemeClr val="accent1"/>
+            </a:effectRef>
+            <a:fontRef idx="minor">
+              <a:schemeClr val="lt1"/>
+            </a:fontRef>
+          </p:style>
+          <p:txBody>
+            <a:bodyPr rtlCol="0" anchor="ctr"/>
+            <a:lstStyle/>
+            <a:p>
+              <a:pPr algn="ctr"/>
+              <a:r>
+                <a:rPr lang="en-GB" sz="2000" dirty="0">
+                  <a:solidFill>
+                    <a:schemeClr val="tx1"/>
+                  </a:solidFill>
+                </a:rPr>
+                <a:t>SSM (NS2)</a:t>
+              </a:r>
+            </a:p>
+          </p:txBody>
+        </p:sp>
+        <p:sp>
+          <p:nvSpPr>
+            <p:cNvPr id="10" name="Rectangle 9">
+              <a:extLst>
+                <a:ext uri="{FF2B5EF4-FFF2-40B4-BE49-F238E27FC236}">
+                  <a16:creationId xmlns:a16="http://schemas.microsoft.com/office/drawing/2014/main" id="{606F0066-BB86-FE45-9EBF-2B4D8E1BCAB8}"/>
+                </a:ext>
+              </a:extLst>
+            </p:cNvPr>
+            <p:cNvSpPr/>
+            <p:nvPr/>
+          </p:nvSpPr>
+          <p:spPr>
+            <a:xfrm>
+              <a:off x="937494" y="3382275"/>
+              <a:ext cx="2121986" cy="455510"/>
+            </a:xfrm>
+            <a:prstGeom prst="rect">
+              <a:avLst/>
+            </a:prstGeom>
+            <a:solidFill>
+              <a:schemeClr val="bg1">
+                <a:lumMod val="85000"/>
+              </a:schemeClr>
+            </a:solidFill>
+            <a:ln w="19050">
+              <a:solidFill>
+                <a:schemeClr val="tx1"/>
+              </a:solidFill>
+            </a:ln>
+          </p:spPr>
+          <p:style>
+            <a:lnRef idx="2">
+              <a:schemeClr val="accent1">
+                <a:shade val="50000"/>
+              </a:schemeClr>
+            </a:lnRef>
+            <a:fillRef idx="1">
+              <a:schemeClr val="accent1"/>
+            </a:fillRef>
+            <a:effectRef idx="0">
+              <a:schemeClr val="accent1"/>
+            </a:effectRef>
+            <a:fontRef idx="minor">
+              <a:schemeClr val="lt1"/>
+            </a:fontRef>
+          </p:style>
+          <p:txBody>
+            <a:bodyPr rtlCol="0" anchor="ctr"/>
+            <a:lstStyle/>
+            <a:p>
+              <a:pPr algn="ctr"/>
+              <a:r>
+                <a:rPr lang="en-GB" sz="2000" dirty="0">
+                  <a:solidFill>
+                    <a:schemeClr val="tx1"/>
+                  </a:solidFill>
+                </a:rPr>
+                <a:t>FLM</a:t>
+              </a:r>
+            </a:p>
+          </p:txBody>
+        </p:sp>
+        <p:sp>
+          <p:nvSpPr>
+            <p:cNvPr id="11" name="Rectangle 10">
+              <a:extLst>
+                <a:ext uri="{FF2B5EF4-FFF2-40B4-BE49-F238E27FC236}">
+                  <a16:creationId xmlns:a16="http://schemas.microsoft.com/office/drawing/2014/main" id="{5B0558CA-CED3-B84C-AC9F-D70F81B6219A}"/>
+                </a:ext>
+              </a:extLst>
+            </p:cNvPr>
+            <p:cNvSpPr/>
+            <p:nvPr/>
+          </p:nvSpPr>
+          <p:spPr>
+            <a:xfrm>
+              <a:off x="4223395" y="3382275"/>
+              <a:ext cx="2121986" cy="455510"/>
+            </a:xfrm>
+            <a:prstGeom prst="rect">
+              <a:avLst/>
+            </a:prstGeom>
+            <a:solidFill>
+              <a:schemeClr val="bg1">
+                <a:lumMod val="85000"/>
+              </a:schemeClr>
+            </a:solidFill>
+            <a:ln w="19050">
+              <a:solidFill>
+                <a:schemeClr val="tx1"/>
+              </a:solidFill>
+            </a:ln>
+          </p:spPr>
+          <p:style>
+            <a:lnRef idx="2">
+              <a:schemeClr val="accent1">
+                <a:shade val="50000"/>
+              </a:schemeClr>
+            </a:lnRef>
+            <a:fillRef idx="1">
+              <a:schemeClr val="accent1"/>
+            </a:fillRef>
+            <a:effectRef idx="0">
+              <a:schemeClr val="accent1"/>
+            </a:effectRef>
+            <a:fontRef idx="minor">
+              <a:schemeClr val="lt1"/>
+            </a:fontRef>
+          </p:style>
+          <p:txBody>
+            <a:bodyPr rtlCol="0" anchor="ctr"/>
+            <a:lstStyle/>
+            <a:p>
+              <a:pPr algn="ctr"/>
+              <a:r>
+                <a:rPr lang="en-GB" sz="2000" dirty="0">
+                  <a:solidFill>
+                    <a:schemeClr val="tx1"/>
+                  </a:solidFill>
+                </a:rPr>
+                <a:t>SLM</a:t>
+              </a:r>
+            </a:p>
+          </p:txBody>
+        </p:sp>
+        <p:sp>
+          <p:nvSpPr>
+            <p:cNvPr id="12" name="Rectangle 11">
+              <a:extLst>
+                <a:ext uri="{FF2B5EF4-FFF2-40B4-BE49-F238E27FC236}">
+                  <a16:creationId xmlns:a16="http://schemas.microsoft.com/office/drawing/2014/main" id="{639DF792-584D-3D4F-B842-39FF2FFA5193}"/>
+                </a:ext>
+              </a:extLst>
+            </p:cNvPr>
+            <p:cNvSpPr/>
+            <p:nvPr/>
+          </p:nvSpPr>
+          <p:spPr>
+            <a:xfrm>
+              <a:off x="7184837" y="2747668"/>
+              <a:ext cx="1553950" cy="1080882"/>
+            </a:xfrm>
+            <a:prstGeom prst="rect">
+              <a:avLst/>
+            </a:prstGeom>
+            <a:solidFill>
+              <a:schemeClr val="bg1">
+                <a:lumMod val="85000"/>
+              </a:schemeClr>
+            </a:solidFill>
+            <a:ln w="19050">
+              <a:solidFill>
+                <a:schemeClr val="tx1"/>
+              </a:solidFill>
+            </a:ln>
+          </p:spPr>
+          <p:style>
+            <a:lnRef idx="2">
+              <a:schemeClr val="accent1">
+                <a:shade val="50000"/>
+              </a:schemeClr>
+            </a:lnRef>
+            <a:fillRef idx="1">
+              <a:schemeClr val="accent1"/>
+            </a:fillRef>
+            <a:effectRef idx="0">
+              <a:schemeClr val="accent1"/>
+            </a:effectRef>
+            <a:fontRef idx="minor">
+              <a:schemeClr val="lt1"/>
+            </a:fontRef>
+          </p:style>
+          <p:txBody>
+            <a:bodyPr rtlCol="0" anchor="ctr"/>
+            <a:lstStyle/>
+            <a:p>
+              <a:pPr algn="ctr"/>
+              <a:r>
+                <a:rPr lang="en-GB" sz="2000" dirty="0">
+                  <a:solidFill>
+                    <a:schemeClr val="tx1"/>
+                  </a:solidFill>
+                </a:rPr>
+                <a:t>Policy Manager</a:t>
+              </a:r>
+            </a:p>
+          </p:txBody>
+        </p:sp>
+        <p:sp>
+          <p:nvSpPr>
+            <p:cNvPr id="13" name="Rectangle 12">
+              <a:extLst>
+                <a:ext uri="{FF2B5EF4-FFF2-40B4-BE49-F238E27FC236}">
+                  <a16:creationId xmlns:a16="http://schemas.microsoft.com/office/drawing/2014/main" id="{12C42DF0-CBA8-A441-B245-6738A83068E0}"/>
+                </a:ext>
+              </a:extLst>
+            </p:cNvPr>
+            <p:cNvSpPr/>
+            <p:nvPr/>
+          </p:nvSpPr>
+          <p:spPr>
+            <a:xfrm>
+              <a:off x="9578243" y="2747667"/>
+              <a:ext cx="1553950" cy="1080881"/>
+            </a:xfrm>
+            <a:prstGeom prst="rect">
+              <a:avLst/>
+            </a:prstGeom>
+            <a:solidFill>
+              <a:schemeClr val="bg1">
+                <a:lumMod val="85000"/>
+              </a:schemeClr>
+            </a:solidFill>
+            <a:ln w="19050">
+              <a:solidFill>
+                <a:schemeClr val="tx1"/>
+              </a:solidFill>
+            </a:ln>
+          </p:spPr>
+          <p:style>
+            <a:lnRef idx="2">
+              <a:schemeClr val="accent1">
+                <a:shade val="50000"/>
+              </a:schemeClr>
+            </a:lnRef>
+            <a:fillRef idx="1">
+              <a:schemeClr val="accent1"/>
+            </a:fillRef>
+            <a:effectRef idx="0">
+              <a:schemeClr val="accent1"/>
+            </a:effectRef>
+            <a:fontRef idx="minor">
+              <a:schemeClr val="lt1"/>
+            </a:fontRef>
+          </p:style>
+          <p:txBody>
+            <a:bodyPr rtlCol="0" anchor="ctr"/>
+            <a:lstStyle/>
+            <a:p>
+              <a:pPr algn="ctr"/>
+              <a:r>
+                <a:rPr lang="en-GB" sz="2000" dirty="0">
+                  <a:solidFill>
+                    <a:schemeClr val="tx1"/>
+                  </a:solidFill>
+                </a:rPr>
+                <a:t>Monitoring Manager</a:t>
+              </a:r>
+            </a:p>
+          </p:txBody>
+        </p:sp>
+        <p:sp>
+          <p:nvSpPr>
+            <p:cNvPr id="18" name="Rectangle 17">
+              <a:extLst>
+                <a:ext uri="{FF2B5EF4-FFF2-40B4-BE49-F238E27FC236}">
+                  <a16:creationId xmlns:a16="http://schemas.microsoft.com/office/drawing/2014/main" id="{08B65EDC-402F-2044-9D6F-42092DEE9A27}"/>
+                </a:ext>
+              </a:extLst>
+            </p:cNvPr>
+            <p:cNvSpPr/>
+            <p:nvPr/>
+          </p:nvSpPr>
+          <p:spPr>
+            <a:xfrm>
+              <a:off x="720435" y="1487805"/>
+              <a:ext cx="10695709" cy="2663790"/>
+            </a:xfrm>
+            <a:prstGeom prst="rect">
+              <a:avLst/>
+            </a:prstGeom>
+            <a:noFill/>
+            <a:ln w="12700">
+              <a:solidFill>
+                <a:schemeClr val="tx1"/>
+              </a:solidFill>
+              <a:prstDash val="dash"/>
+            </a:ln>
+          </p:spPr>
+          <p:style>
+            <a:lnRef idx="2">
+              <a:schemeClr val="accent1">
+                <a:shade val="50000"/>
+              </a:schemeClr>
+            </a:lnRef>
+            <a:fillRef idx="1">
+              <a:schemeClr val="accent1"/>
+            </a:fillRef>
+            <a:effectRef idx="0">
+              <a:schemeClr val="accent1"/>
+            </a:effectRef>
+            <a:fontRef idx="minor">
+              <a:schemeClr val="lt1"/>
+            </a:fontRef>
+          </p:style>
+          <p:txBody>
+            <a:bodyPr rtlCol="0" anchor="t" anchorCtr="0"/>
+            <a:lstStyle/>
+            <a:p>
+              <a:pPr algn="r"/>
+              <a:r>
+                <a:rPr lang="en-GB" sz="2400" dirty="0">
+                  <a:solidFill>
+                    <a:schemeClr val="tx1"/>
+                  </a:solidFill>
+                </a:rPr>
+                <a:t>5GTANGO Service Platform</a:t>
+              </a:r>
+            </a:p>
+          </p:txBody>
+        </p:sp>
+      </p:grpSp>
+      <p:sp>
+        <p:nvSpPr>
+          <p:cNvPr id="19" name="Rectangle 18">
+            <a:extLst>
+              <a:ext uri="{FF2B5EF4-FFF2-40B4-BE49-F238E27FC236}">
+                <a16:creationId xmlns:a16="http://schemas.microsoft.com/office/drawing/2014/main" id="{5AAC9ABD-065F-C148-BDB4-C5DD1CFBE26E}"/>
+              </a:ext>
+            </a:extLst>
+          </p:cNvPr>
+          <p:cNvSpPr/>
+          <p:nvPr/>
+        </p:nvSpPr>
+        <p:spPr>
+          <a:xfrm>
+            <a:off x="713507" y="4585703"/>
+            <a:ext cx="10695709" cy="1253443"/>
+          </a:xfrm>
+          <a:prstGeom prst="rect">
+            <a:avLst/>
+          </a:prstGeom>
+          <a:noFill/>
+          <a:ln w="12700">
+            <a:solidFill>
+              <a:schemeClr val="tx1"/>
+            </a:solidFill>
+            <a:prstDash val="dash"/>
+          </a:ln>
+        </p:spPr>
+        <p:style>
+          <a:lnRef idx="2">
+            <a:schemeClr val="accent1">
+              <a:shade val="50000"/>
+            </a:schemeClr>
+          </a:lnRef>
+          <a:fillRef idx="1">
+            <a:schemeClr val="accent1"/>
+          </a:fillRef>
+          <a:effectRef idx="0">
+            <a:schemeClr val="accent1"/>
+          </a:effectRef>
+          <a:fontRef idx="minor">
+            <a:schemeClr val="lt1"/>
+          </a:fontRef>
+        </p:style>
+        <p:txBody>
+          <a:bodyPr rtlCol="0" anchor="t" anchorCtr="0"/>
+          <a:lstStyle/>
+          <a:p>
+            <a:pPr algn="r"/>
+            <a:r>
+              <a:rPr lang="en-GB" sz="2400" dirty="0">
+                <a:solidFill>
+                  <a:schemeClr val="tx1"/>
+                </a:solidFill>
+              </a:rPr>
+              <a:t>NS2: Machine Interconnection</a:t>
+            </a:r>
+          </a:p>
+        </p:txBody>
+      </p:sp>
+      <p:cxnSp>
+        <p:nvCxnSpPr>
+          <p:cNvPr id="22" name="Straight Arrow Connector 21">
+            <a:extLst>
+              <a:ext uri="{FF2B5EF4-FFF2-40B4-BE49-F238E27FC236}">
+                <a16:creationId xmlns:a16="http://schemas.microsoft.com/office/drawing/2014/main" id="{A7E266B7-C093-FF40-ADE2-9AFF31D5A740}"/>
+              </a:ext>
+            </a:extLst>
+          </p:cNvPr>
+          <p:cNvCxnSpPr>
+            <a:cxnSpLocks/>
+            <a:endCxn id="15" idx="1"/>
+          </p:cNvCxnSpPr>
+          <p:nvPr/>
+        </p:nvCxnSpPr>
+        <p:spPr>
+          <a:xfrm>
+            <a:off x="0" y="5176831"/>
+            <a:ext cx="937494" cy="0"/>
+          </a:xfrm>
+          <a:prstGeom prst="straightConnector1">
+            <a:avLst/>
+          </a:prstGeom>
+          <a:ln w="50800">
+            <a:solidFill>
+              <a:schemeClr val="bg1">
+                <a:lumMod val="50000"/>
+              </a:schemeClr>
+            </a:solidFill>
+            <a:prstDash val="sysDot"/>
+            <a:tailEnd type="arrow" w="lg" len="lg"/>
+          </a:ln>
+        </p:spPr>
+        <p:style>
+          <a:lnRef idx="1">
+            <a:schemeClr val="accent1"/>
+          </a:lnRef>
+          <a:fillRef idx="0">
+            <a:schemeClr val="accent1"/>
+          </a:fillRef>
+          <a:effectRef idx="0">
+            <a:schemeClr val="accent1"/>
+          </a:effectRef>
+          <a:fontRef idx="minor">
+            <a:schemeClr val="tx1"/>
+          </a:fontRef>
+        </p:style>
+      </p:cxnSp>
+      <p:cxnSp>
+        <p:nvCxnSpPr>
+          <p:cNvPr id="25" name="Straight Arrow Connector 24">
+            <a:extLst>
+              <a:ext uri="{FF2B5EF4-FFF2-40B4-BE49-F238E27FC236}">
+                <a16:creationId xmlns:a16="http://schemas.microsoft.com/office/drawing/2014/main" id="{37C2F90F-D6CE-AD41-92F4-A8E79C043335}"/>
+              </a:ext>
+            </a:extLst>
+          </p:cNvPr>
+          <p:cNvCxnSpPr>
+            <a:cxnSpLocks/>
+            <a:stCxn id="15" idx="3"/>
+            <a:endCxn id="16" idx="1"/>
+          </p:cNvCxnSpPr>
+          <p:nvPr/>
+        </p:nvCxnSpPr>
+        <p:spPr>
+          <a:xfrm flipV="1">
+            <a:off x="3059480" y="5176830"/>
+            <a:ext cx="1163915" cy="1"/>
+          </a:xfrm>
+          <a:prstGeom prst="straightConnector1">
+            <a:avLst/>
+          </a:prstGeom>
+          <a:ln w="50800">
+            <a:solidFill>
+              <a:schemeClr val="bg1">
+                <a:lumMod val="50000"/>
+              </a:schemeClr>
+            </a:solidFill>
+            <a:prstDash val="sysDot"/>
+            <a:tailEnd type="arrow" w="lg" len="lg"/>
+          </a:ln>
+        </p:spPr>
+        <p:style>
+          <a:lnRef idx="1">
+            <a:schemeClr val="accent1"/>
+          </a:lnRef>
+          <a:fillRef idx="0">
+            <a:schemeClr val="accent1"/>
+          </a:fillRef>
+          <a:effectRef idx="0">
+            <a:schemeClr val="accent1"/>
+          </a:effectRef>
+          <a:fontRef idx="minor">
+            <a:schemeClr val="tx1"/>
+          </a:fontRef>
+        </p:style>
+      </p:cxnSp>
+      <p:cxnSp>
+        <p:nvCxnSpPr>
+          <p:cNvPr id="28" name="Straight Arrow Connector 27">
+            <a:extLst>
+              <a:ext uri="{FF2B5EF4-FFF2-40B4-BE49-F238E27FC236}">
+                <a16:creationId xmlns:a16="http://schemas.microsoft.com/office/drawing/2014/main" id="{A5A07C19-3100-0645-BAE8-A8405F53BD50}"/>
+              </a:ext>
+            </a:extLst>
+          </p:cNvPr>
+          <p:cNvCxnSpPr>
+            <a:cxnSpLocks/>
+          </p:cNvCxnSpPr>
+          <p:nvPr/>
+        </p:nvCxnSpPr>
+        <p:spPr>
+          <a:xfrm>
+            <a:off x="6345381" y="5259954"/>
+            <a:ext cx="535710" cy="1096424"/>
+          </a:xfrm>
+          <a:prstGeom prst="bentConnector2">
+            <a:avLst/>
+          </a:prstGeom>
+          <a:ln w="50800">
+            <a:solidFill>
+              <a:schemeClr val="bg1">
+                <a:lumMod val="50000"/>
+              </a:schemeClr>
+            </a:solidFill>
+            <a:prstDash val="sysDot"/>
+            <a:tailEnd type="arrow" w="lg" len="lg"/>
+          </a:ln>
+        </p:spPr>
+        <p:style>
+          <a:lnRef idx="1">
+            <a:schemeClr val="accent1"/>
+          </a:lnRef>
+          <a:fillRef idx="0">
+            <a:schemeClr val="accent1"/>
+          </a:fillRef>
+          <a:effectRef idx="0">
+            <a:schemeClr val="accent1"/>
+          </a:effectRef>
+          <a:fontRef idx="minor">
+            <a:schemeClr val="tx1"/>
+          </a:fontRef>
+        </p:style>
+      </p:cxnSp>
+      <p:cxnSp>
+        <p:nvCxnSpPr>
+          <p:cNvPr id="37" name="Straight Arrow Connector 27">
+            <a:extLst>
+              <a:ext uri="{FF2B5EF4-FFF2-40B4-BE49-F238E27FC236}">
+                <a16:creationId xmlns:a16="http://schemas.microsoft.com/office/drawing/2014/main" id="{F1BF49D5-2C81-924F-A1C8-6213BFB68D93}"/>
+              </a:ext>
+            </a:extLst>
+          </p:cNvPr>
+          <p:cNvCxnSpPr>
+            <a:cxnSpLocks/>
+          </p:cNvCxnSpPr>
+          <p:nvPr/>
+        </p:nvCxnSpPr>
+        <p:spPr>
+          <a:xfrm rot="16200000" flipH="1">
+            <a:off x="6164738" y="5242861"/>
+            <a:ext cx="1294160" cy="932874"/>
+          </a:xfrm>
+          <a:prstGeom prst="bentConnector3">
+            <a:avLst>
+              <a:gd name="adj1" fmla="val 41"/>
+            </a:avLst>
+          </a:prstGeom>
+          <a:ln w="50800">
+            <a:solidFill>
+              <a:schemeClr val="bg1">
+                <a:lumMod val="50000"/>
+              </a:schemeClr>
+            </a:solidFill>
+            <a:prstDash val="sysDot"/>
+            <a:tailEnd type="arrow" w="lg" len="lg"/>
+          </a:ln>
+        </p:spPr>
+        <p:style>
+          <a:lnRef idx="1">
+            <a:schemeClr val="accent1"/>
+          </a:lnRef>
+          <a:fillRef idx="0">
+            <a:schemeClr val="accent1"/>
+          </a:fillRef>
+          <a:effectRef idx="0">
+            <a:schemeClr val="accent1"/>
+          </a:effectRef>
+          <a:fontRef idx="minor">
+            <a:schemeClr val="tx1"/>
+          </a:fontRef>
+        </p:style>
+      </p:cxnSp>
+      <p:sp>
+        <p:nvSpPr>
+          <p:cNvPr id="46" name="TextBox 45">
+            <a:extLst>
+              <a:ext uri="{FF2B5EF4-FFF2-40B4-BE49-F238E27FC236}">
+                <a16:creationId xmlns:a16="http://schemas.microsoft.com/office/drawing/2014/main" id="{FBEFB192-765E-594C-840B-08D51692CD6C}"/>
+              </a:ext>
+            </a:extLst>
+          </p:cNvPr>
+          <p:cNvSpPr txBox="1"/>
+          <p:nvPr/>
+        </p:nvSpPr>
+        <p:spPr>
+          <a:xfrm>
+            <a:off x="5190669" y="6086782"/>
+            <a:ext cx="1619546" cy="307777"/>
+          </a:xfrm>
+          <a:prstGeom prst="rect">
+            <a:avLst/>
+          </a:prstGeom>
+          <a:noFill/>
+        </p:spPr>
+        <p:txBody>
+          <a:bodyPr wrap="none" rtlCol="0">
+            <a:spAutoFit/>
+          </a:bodyPr>
+          <a:lstStyle/>
+          <a:p>
+            <a:r>
+              <a:rPr lang="en-GB" sz="1400" dirty="0"/>
+              <a:t>to NS1 (Production)</a:t>
+            </a:r>
+          </a:p>
+        </p:txBody>
+      </p:sp>
+      <p:sp>
+        <p:nvSpPr>
+          <p:cNvPr id="47" name="TextBox 46">
+            <a:extLst>
+              <a:ext uri="{FF2B5EF4-FFF2-40B4-BE49-F238E27FC236}">
+                <a16:creationId xmlns:a16="http://schemas.microsoft.com/office/drawing/2014/main" id="{ABA17ACD-76EB-7D4E-B4C8-52AE1D7CF900}"/>
+              </a:ext>
+            </a:extLst>
+          </p:cNvPr>
+          <p:cNvSpPr txBox="1"/>
+          <p:nvPr/>
+        </p:nvSpPr>
+        <p:spPr>
+          <a:xfrm>
+            <a:off x="7381928" y="6086781"/>
+            <a:ext cx="1642757" cy="307777"/>
+          </a:xfrm>
+          <a:prstGeom prst="rect">
+            <a:avLst/>
+          </a:prstGeom>
+          <a:noFill/>
+        </p:spPr>
+        <p:txBody>
+          <a:bodyPr wrap="none" rtlCol="0">
+            <a:spAutoFit/>
+          </a:bodyPr>
+          <a:lstStyle/>
+          <a:p>
+            <a:r>
+              <a:rPr lang="en-GB" sz="1400" dirty="0"/>
+              <a:t>to NS1 (Quarantine)</a:t>
+            </a:r>
+          </a:p>
+        </p:txBody>
+      </p:sp>
+      <p:sp>
+        <p:nvSpPr>
+          <p:cNvPr id="48" name="TextBox 47">
+            <a:extLst>
+              <a:ext uri="{FF2B5EF4-FFF2-40B4-BE49-F238E27FC236}">
+                <a16:creationId xmlns:a16="http://schemas.microsoft.com/office/drawing/2014/main" id="{20E678AD-4EA0-C548-B418-7050D61134C8}"/>
+              </a:ext>
+            </a:extLst>
+          </p:cNvPr>
+          <p:cNvSpPr txBox="1"/>
+          <p:nvPr/>
+        </p:nvSpPr>
+        <p:spPr>
+          <a:xfrm>
+            <a:off x="-81980" y="5140328"/>
+            <a:ext cx="872828" cy="523220"/>
+          </a:xfrm>
+          <a:prstGeom prst="rect">
+            <a:avLst/>
+          </a:prstGeom>
+          <a:noFill/>
+        </p:spPr>
+        <p:txBody>
+          <a:bodyPr wrap="square" rtlCol="0">
+            <a:spAutoFit/>
+          </a:bodyPr>
+          <a:lstStyle/>
+          <a:p>
+            <a:pPr algn="ctr"/>
+            <a:r>
+              <a:rPr lang="en-GB" sz="1400" dirty="0"/>
+              <a:t>Machine Data</a:t>
+            </a:r>
+          </a:p>
+        </p:txBody>
+      </p:sp>
+      <p:grpSp>
+        <p:nvGrpSpPr>
+          <p:cNvPr id="109" name="Group 108">
+            <a:extLst>
+              <a:ext uri="{FF2B5EF4-FFF2-40B4-BE49-F238E27FC236}">
+                <a16:creationId xmlns:a16="http://schemas.microsoft.com/office/drawing/2014/main" id="{C0F2066D-B4F2-064C-8919-2AC65301F17D}"/>
+              </a:ext>
+            </a:extLst>
+          </p:cNvPr>
+          <p:cNvGrpSpPr/>
+          <p:nvPr/>
+        </p:nvGrpSpPr>
+        <p:grpSpPr>
+          <a:xfrm>
+            <a:off x="1998487" y="3288108"/>
+            <a:ext cx="9133706" cy="2496338"/>
+            <a:chOff x="1998487" y="3671568"/>
+            <a:chExt cx="9133706" cy="2496338"/>
+          </a:xfrm>
+        </p:grpSpPr>
+        <p:cxnSp>
+          <p:nvCxnSpPr>
+            <p:cNvPr id="50" name="Straight Arrow Connector 49" descr="dsasaa">
+              <a:extLst>
+                <a:ext uri="{FF2B5EF4-FFF2-40B4-BE49-F238E27FC236}">
+                  <a16:creationId xmlns:a16="http://schemas.microsoft.com/office/drawing/2014/main" id="{E747AC00-F04C-EF4F-A605-1552DE4F1EAB}"/>
+                </a:ext>
+                <a:ext uri="{C183D7F6-B498-43B3-948B-1728B52AA6E4}">
+                  <adec:decorative xmlns:adec="http://schemas.microsoft.com/office/drawing/2017/decorative" xmlns="" val="0"/>
+                </a:ext>
+              </a:extLst>
+            </p:cNvPr>
+            <p:cNvCxnSpPr>
+              <a:stCxn id="15" idx="2"/>
+              <a:endCxn id="13" idx="3"/>
+            </p:cNvCxnSpPr>
+            <p:nvPr/>
+          </p:nvCxnSpPr>
+          <p:spPr>
+            <a:xfrm rot="5400000" flipH="1" flipV="1">
+              <a:off x="5423299" y="246756"/>
+              <a:ext cx="2284082" cy="9133706"/>
+            </a:xfrm>
+            <a:prstGeom prst="bentConnector4">
+              <a:avLst>
+                <a:gd name="adj1" fmla="val -7177"/>
+                <a:gd name="adj2" fmla="val 106042"/>
+              </a:avLst>
+            </a:prstGeom>
+            <a:ln w="25400">
+              <a:solidFill>
+                <a:srgbClr val="C00000"/>
+              </a:solidFill>
+              <a:tailEnd type="triangle" w="lg" len="lg"/>
+            </a:ln>
+          </p:spPr>
+          <p:style>
+            <a:lnRef idx="1">
+              <a:schemeClr val="accent1"/>
+            </a:lnRef>
+            <a:fillRef idx="0">
+              <a:schemeClr val="accent1"/>
+            </a:fillRef>
+            <a:effectRef idx="0">
+              <a:schemeClr val="accent1"/>
+            </a:effectRef>
+            <a:fontRef idx="minor">
+              <a:schemeClr val="tx1"/>
+            </a:fontRef>
+          </p:style>
+        </p:cxnSp>
+        <p:sp>
+          <p:nvSpPr>
+            <p:cNvPr id="96" name="TextBox 95">
+              <a:extLst>
+                <a:ext uri="{FF2B5EF4-FFF2-40B4-BE49-F238E27FC236}">
+                  <a16:creationId xmlns:a16="http://schemas.microsoft.com/office/drawing/2014/main" id="{BDD6A3C0-686D-CA4D-B4F4-61424E181093}"/>
+                </a:ext>
+              </a:extLst>
+            </p:cNvPr>
+            <p:cNvSpPr txBox="1"/>
+            <p:nvPr/>
+          </p:nvSpPr>
+          <p:spPr>
+            <a:xfrm>
+              <a:off x="8127984" y="5829352"/>
+              <a:ext cx="1637179" cy="338554"/>
+            </a:xfrm>
+            <a:prstGeom prst="rect">
+              <a:avLst/>
+            </a:prstGeom>
+            <a:noFill/>
+          </p:spPr>
+          <p:txBody>
+            <a:bodyPr wrap="none" rtlCol="0">
+              <a:spAutoFit/>
+            </a:bodyPr>
+            <a:lstStyle/>
+            <a:p>
+              <a:pPr algn="ctr"/>
+              <a:r>
+                <a:rPr lang="en-GB" sz="1600" b="1" dirty="0">
+                  <a:solidFill>
+                    <a:srgbClr val="C00000"/>
+                  </a:solidFill>
+                </a:rPr>
+                <a:t>IDS Alarm Metric</a:t>
+              </a:r>
+            </a:p>
+          </p:txBody>
+        </p:sp>
+      </p:grpSp>
+      <p:grpSp>
+        <p:nvGrpSpPr>
+          <p:cNvPr id="110" name="Group 109">
+            <a:extLst>
+              <a:ext uri="{FF2B5EF4-FFF2-40B4-BE49-F238E27FC236}">
+                <a16:creationId xmlns:a16="http://schemas.microsoft.com/office/drawing/2014/main" id="{B67EA5B2-A2B4-2243-A90E-7B600DDB1173}"/>
+              </a:ext>
+            </a:extLst>
+          </p:cNvPr>
+          <p:cNvGrpSpPr/>
+          <p:nvPr/>
+        </p:nvGrpSpPr>
+        <p:grpSpPr>
+          <a:xfrm>
+            <a:off x="8738787" y="2680935"/>
+            <a:ext cx="849103" cy="607174"/>
+            <a:chOff x="8738787" y="3064395"/>
+            <a:chExt cx="849103" cy="607174"/>
+          </a:xfrm>
+        </p:grpSpPr>
+        <p:cxnSp>
+          <p:nvCxnSpPr>
+            <p:cNvPr id="53" name="Straight Arrow Connector 49" descr="dsasaa">
+              <a:extLst>
+                <a:ext uri="{FF2B5EF4-FFF2-40B4-BE49-F238E27FC236}">
+                  <a16:creationId xmlns:a16="http://schemas.microsoft.com/office/drawing/2014/main" id="{804C331E-EF9D-A443-93E2-C495208C286B}"/>
+                </a:ext>
+                <a:ext uri="{C183D7F6-B498-43B3-948B-1728B52AA6E4}">
+                  <adec:decorative xmlns:adec="http://schemas.microsoft.com/office/drawing/2017/decorative" xmlns="" val="0"/>
+                </a:ext>
+              </a:extLst>
+            </p:cNvPr>
+            <p:cNvCxnSpPr>
+              <a:cxnSpLocks/>
+              <a:stCxn id="13" idx="1"/>
+              <a:endCxn id="12" idx="3"/>
+            </p:cNvCxnSpPr>
+            <p:nvPr/>
+          </p:nvCxnSpPr>
+          <p:spPr>
+            <a:xfrm flipH="1">
+              <a:off x="8738787" y="3671568"/>
+              <a:ext cx="839456" cy="1"/>
+            </a:xfrm>
+            <a:prstGeom prst="straightConnector1">
+              <a:avLst/>
+            </a:prstGeom>
+            <a:ln w="25400">
+              <a:solidFill>
+                <a:srgbClr val="C00000"/>
+              </a:solidFill>
+              <a:tailEnd type="triangle" w="lg" len="lg"/>
+            </a:ln>
+          </p:spPr>
+          <p:style>
+            <a:lnRef idx="1">
+              <a:schemeClr val="accent1"/>
+            </a:lnRef>
+            <a:fillRef idx="0">
+              <a:schemeClr val="accent1"/>
+            </a:fillRef>
+            <a:effectRef idx="0">
+              <a:schemeClr val="accent1"/>
+            </a:effectRef>
+            <a:fontRef idx="minor">
+              <a:schemeClr val="tx1"/>
+            </a:fontRef>
+          </p:style>
+        </p:cxnSp>
+        <p:sp>
+          <p:nvSpPr>
+            <p:cNvPr id="97" name="TextBox 96">
+              <a:extLst>
+                <a:ext uri="{FF2B5EF4-FFF2-40B4-BE49-F238E27FC236}">
+                  <a16:creationId xmlns:a16="http://schemas.microsoft.com/office/drawing/2014/main" id="{0D651809-4C6E-F14C-B10D-5E61E65E9521}"/>
+                </a:ext>
+              </a:extLst>
+            </p:cNvPr>
+            <p:cNvSpPr txBox="1"/>
+            <p:nvPr/>
+          </p:nvSpPr>
+          <p:spPr>
+            <a:xfrm>
+              <a:off x="8748434" y="3064395"/>
+              <a:ext cx="839456" cy="584775"/>
+            </a:xfrm>
+            <a:prstGeom prst="rect">
+              <a:avLst/>
+            </a:prstGeom>
+            <a:noFill/>
+          </p:spPr>
+          <p:txBody>
+            <a:bodyPr wrap="square" rtlCol="0">
+              <a:spAutoFit/>
+            </a:bodyPr>
+            <a:lstStyle/>
+            <a:p>
+              <a:pPr algn="ctr"/>
+              <a:r>
+                <a:rPr lang="en-GB" sz="1600" b="1" dirty="0">
+                  <a:solidFill>
+                    <a:srgbClr val="C00000"/>
+                  </a:solidFill>
+                </a:rPr>
+                <a:t>Alarm Trigger</a:t>
+              </a:r>
+            </a:p>
+          </p:txBody>
+        </p:sp>
+      </p:grpSp>
+      <p:grpSp>
+        <p:nvGrpSpPr>
+          <p:cNvPr id="111" name="Group 110">
+            <a:extLst>
+              <a:ext uri="{FF2B5EF4-FFF2-40B4-BE49-F238E27FC236}">
+                <a16:creationId xmlns:a16="http://schemas.microsoft.com/office/drawing/2014/main" id="{1BC8A537-82F0-BD41-84DD-4EF059773F6E}"/>
+              </a:ext>
+            </a:extLst>
+          </p:cNvPr>
+          <p:cNvGrpSpPr/>
+          <p:nvPr/>
+        </p:nvGrpSpPr>
+        <p:grpSpPr>
+          <a:xfrm>
+            <a:off x="6345381" y="3435955"/>
+            <a:ext cx="895927" cy="584775"/>
+            <a:chOff x="6345381" y="3819415"/>
+            <a:chExt cx="895927" cy="584775"/>
+          </a:xfrm>
+        </p:grpSpPr>
+        <p:cxnSp>
+          <p:nvCxnSpPr>
+            <p:cNvPr id="56" name="Straight Arrow Connector 49" descr="dsasaa">
+              <a:extLst>
+                <a:ext uri="{FF2B5EF4-FFF2-40B4-BE49-F238E27FC236}">
+                  <a16:creationId xmlns:a16="http://schemas.microsoft.com/office/drawing/2014/main" id="{0BFF1C4A-93F1-6B40-9B2A-8791CE72098C}"/>
+                </a:ext>
+                <a:ext uri="{C183D7F6-B498-43B3-948B-1728B52AA6E4}">
+                  <adec:decorative xmlns:adec="http://schemas.microsoft.com/office/drawing/2017/decorative" xmlns="" val="0"/>
+                </a:ext>
+              </a:extLst>
+            </p:cNvPr>
+            <p:cNvCxnSpPr>
+              <a:cxnSpLocks/>
+            </p:cNvCxnSpPr>
+            <p:nvPr/>
+          </p:nvCxnSpPr>
+          <p:spPr>
+            <a:xfrm flipH="1">
+              <a:off x="6345381" y="4126053"/>
+              <a:ext cx="839456" cy="1829"/>
+            </a:xfrm>
+            <a:prstGeom prst="straightConnector1">
+              <a:avLst/>
+            </a:prstGeom>
+            <a:ln w="25400">
+              <a:solidFill>
+                <a:srgbClr val="C00000"/>
+              </a:solidFill>
+              <a:tailEnd type="triangle" w="lg" len="lg"/>
+            </a:ln>
+          </p:spPr>
+          <p:style>
+            <a:lnRef idx="1">
+              <a:schemeClr val="accent1"/>
+            </a:lnRef>
+            <a:fillRef idx="0">
+              <a:schemeClr val="accent1"/>
+            </a:fillRef>
+            <a:effectRef idx="0">
+              <a:schemeClr val="accent1"/>
+            </a:effectRef>
+            <a:fontRef idx="minor">
+              <a:schemeClr val="tx1"/>
+            </a:fontRef>
+          </p:style>
+        </p:cxnSp>
+        <p:sp>
+          <p:nvSpPr>
+            <p:cNvPr id="98" name="TextBox 97">
+              <a:extLst>
+                <a:ext uri="{FF2B5EF4-FFF2-40B4-BE49-F238E27FC236}">
+                  <a16:creationId xmlns:a16="http://schemas.microsoft.com/office/drawing/2014/main" id="{BE8DFD8B-A1E1-E848-92AD-0772FE5D0A67}"/>
+                </a:ext>
+              </a:extLst>
+            </p:cNvPr>
+            <p:cNvSpPr txBox="1"/>
+            <p:nvPr/>
+          </p:nvSpPr>
+          <p:spPr>
+            <a:xfrm>
+              <a:off x="6426791" y="3819415"/>
+              <a:ext cx="814517" cy="584775"/>
+            </a:xfrm>
+            <a:prstGeom prst="rect">
+              <a:avLst/>
+            </a:prstGeom>
+            <a:noFill/>
+          </p:spPr>
+          <p:txBody>
+            <a:bodyPr wrap="none" rtlCol="0">
+              <a:spAutoFit/>
+            </a:bodyPr>
+            <a:lstStyle/>
+            <a:p>
+              <a:pPr algn="ctr"/>
+              <a:r>
+                <a:rPr lang="en-GB" sz="1600" b="1" dirty="0" err="1">
+                  <a:solidFill>
+                    <a:srgbClr val="C00000"/>
+                  </a:solidFill>
+                </a:rPr>
+                <a:t>Reconf</a:t>
+              </a:r>
+              <a:r>
+                <a:rPr lang="en-GB" sz="1600" b="1" dirty="0">
+                  <a:solidFill>
+                    <a:srgbClr val="C00000"/>
+                  </a:solidFill>
+                </a:rPr>
+                <a:t>.</a:t>
+              </a:r>
+            </a:p>
+            <a:p>
+              <a:pPr algn="ctr"/>
+              <a:r>
+                <a:rPr lang="en-GB" sz="1600" b="1" dirty="0">
+                  <a:solidFill>
+                    <a:srgbClr val="C00000"/>
+                  </a:solidFill>
+                </a:rPr>
+                <a:t>Trigger</a:t>
+              </a:r>
+            </a:p>
+          </p:txBody>
+        </p:sp>
+      </p:grpSp>
+      <p:grpSp>
+        <p:nvGrpSpPr>
+          <p:cNvPr id="117" name="Group 116">
+            <a:extLst>
+              <a:ext uri="{FF2B5EF4-FFF2-40B4-BE49-F238E27FC236}">
+                <a16:creationId xmlns:a16="http://schemas.microsoft.com/office/drawing/2014/main" id="{FCB55111-DF33-1243-85F7-F3315BA1E412}"/>
+              </a:ext>
+            </a:extLst>
+          </p:cNvPr>
+          <p:cNvGrpSpPr/>
+          <p:nvPr/>
+        </p:nvGrpSpPr>
+        <p:grpSpPr>
+          <a:xfrm>
+            <a:off x="4404706" y="2518000"/>
+            <a:ext cx="814542" cy="871991"/>
+            <a:chOff x="4404706" y="2901460"/>
+            <a:chExt cx="814542" cy="871991"/>
+          </a:xfrm>
+        </p:grpSpPr>
+        <p:cxnSp>
+          <p:nvCxnSpPr>
+            <p:cNvPr id="71" name="Straight Arrow Connector 49" descr="dsasaa">
+              <a:extLst>
+                <a:ext uri="{FF2B5EF4-FFF2-40B4-BE49-F238E27FC236}">
+                  <a16:creationId xmlns:a16="http://schemas.microsoft.com/office/drawing/2014/main" id="{467F0434-65B4-C84C-9C5C-B3CB508BC9F4}"/>
+                </a:ext>
+                <a:ext uri="{C183D7F6-B498-43B3-948B-1728B52AA6E4}">
+                  <adec:decorative xmlns:adec="http://schemas.microsoft.com/office/drawing/2017/decorative" xmlns="" val="0"/>
+                </a:ext>
+              </a:extLst>
+            </p:cNvPr>
+            <p:cNvCxnSpPr>
+              <a:cxnSpLocks/>
+            </p:cNvCxnSpPr>
+            <p:nvPr/>
+          </p:nvCxnSpPr>
+          <p:spPr>
+            <a:xfrm flipV="1">
+              <a:off x="5219247" y="2901460"/>
+              <a:ext cx="1" cy="871991"/>
+            </a:xfrm>
+            <a:prstGeom prst="straightConnector1">
+              <a:avLst/>
+            </a:prstGeom>
+            <a:ln w="25400">
+              <a:solidFill>
+                <a:srgbClr val="C00000"/>
+              </a:solidFill>
+              <a:tailEnd type="triangle" w="lg" len="lg"/>
+            </a:ln>
+          </p:spPr>
+          <p:style>
+            <a:lnRef idx="1">
+              <a:schemeClr val="accent1"/>
+            </a:lnRef>
+            <a:fillRef idx="0">
+              <a:schemeClr val="accent1"/>
+            </a:fillRef>
+            <a:effectRef idx="0">
+              <a:schemeClr val="accent1"/>
+            </a:effectRef>
+            <a:fontRef idx="minor">
+              <a:schemeClr val="tx1"/>
+            </a:fontRef>
+          </p:style>
+        </p:cxnSp>
+        <p:sp>
+          <p:nvSpPr>
+            <p:cNvPr id="103" name="TextBox 102">
+              <a:extLst>
+                <a:ext uri="{FF2B5EF4-FFF2-40B4-BE49-F238E27FC236}">
+                  <a16:creationId xmlns:a16="http://schemas.microsoft.com/office/drawing/2014/main" id="{A0644308-A149-8742-ABE1-B542F93B0CC5}"/>
+                </a:ext>
+              </a:extLst>
+            </p:cNvPr>
+            <p:cNvSpPr txBox="1"/>
+            <p:nvPr/>
+          </p:nvSpPr>
+          <p:spPr>
+            <a:xfrm>
+              <a:off x="4404706" y="3048557"/>
+              <a:ext cx="814517" cy="584775"/>
+            </a:xfrm>
+            <a:prstGeom prst="rect">
+              <a:avLst/>
+            </a:prstGeom>
+            <a:noFill/>
+          </p:spPr>
+          <p:txBody>
+            <a:bodyPr wrap="none" rtlCol="0">
+              <a:spAutoFit/>
+            </a:bodyPr>
+            <a:lstStyle/>
+            <a:p>
+              <a:pPr algn="ctr"/>
+              <a:r>
+                <a:rPr lang="en-GB" sz="1600" b="1" dirty="0" err="1">
+                  <a:solidFill>
+                    <a:srgbClr val="C00000"/>
+                  </a:solidFill>
+                </a:rPr>
+                <a:t>Reconf</a:t>
+              </a:r>
+              <a:r>
+                <a:rPr lang="en-GB" sz="1600" b="1" dirty="0">
+                  <a:solidFill>
+                    <a:srgbClr val="C00000"/>
+                  </a:solidFill>
+                </a:rPr>
+                <a:t>.</a:t>
+              </a:r>
+            </a:p>
+            <a:p>
+              <a:pPr algn="ctr"/>
+              <a:r>
+                <a:rPr lang="en-GB" sz="1600" b="1" dirty="0">
+                  <a:solidFill>
+                    <a:srgbClr val="C00000"/>
+                  </a:solidFill>
+                </a:rPr>
+                <a:t>Event</a:t>
+              </a:r>
+            </a:p>
+          </p:txBody>
+        </p:sp>
+      </p:grpSp>
+      <p:grpSp>
+        <p:nvGrpSpPr>
+          <p:cNvPr id="116" name="Group 115">
+            <a:extLst>
+              <a:ext uri="{FF2B5EF4-FFF2-40B4-BE49-F238E27FC236}">
+                <a16:creationId xmlns:a16="http://schemas.microsoft.com/office/drawing/2014/main" id="{9A998A92-AEEC-4646-9A0C-73C813239C11}"/>
+              </a:ext>
+            </a:extLst>
+          </p:cNvPr>
+          <p:cNvGrpSpPr/>
+          <p:nvPr/>
+        </p:nvGrpSpPr>
+        <p:grpSpPr>
+          <a:xfrm>
+            <a:off x="5407391" y="2529797"/>
+            <a:ext cx="915830" cy="871993"/>
+            <a:chOff x="5407391" y="2913257"/>
+            <a:chExt cx="915830" cy="871993"/>
+          </a:xfrm>
+        </p:grpSpPr>
+        <p:cxnSp>
+          <p:nvCxnSpPr>
+            <p:cNvPr id="72" name="Straight Arrow Connector 49" descr="dsasaa">
+              <a:extLst>
+                <a:ext uri="{FF2B5EF4-FFF2-40B4-BE49-F238E27FC236}">
+                  <a16:creationId xmlns:a16="http://schemas.microsoft.com/office/drawing/2014/main" id="{838C4338-C197-EC46-AFEE-96A7621FF6E1}"/>
+                </a:ext>
+                <a:ext uri="{C183D7F6-B498-43B3-948B-1728B52AA6E4}">
+                  <adec:decorative xmlns:adec="http://schemas.microsoft.com/office/drawing/2017/decorative" xmlns="" val="0"/>
+                </a:ext>
+              </a:extLst>
+            </p:cNvPr>
+            <p:cNvCxnSpPr>
+              <a:cxnSpLocks/>
+            </p:cNvCxnSpPr>
+            <p:nvPr/>
+          </p:nvCxnSpPr>
+          <p:spPr>
+            <a:xfrm>
+              <a:off x="5415127" y="2913257"/>
+              <a:ext cx="0" cy="871993"/>
+            </a:xfrm>
+            <a:prstGeom prst="straightConnector1">
+              <a:avLst/>
+            </a:prstGeom>
+            <a:ln w="25400">
+              <a:solidFill>
+                <a:srgbClr val="C00000"/>
+              </a:solidFill>
+              <a:tailEnd type="triangle" w="lg" len="lg"/>
+            </a:ln>
+          </p:spPr>
+          <p:style>
+            <a:lnRef idx="1">
+              <a:schemeClr val="accent1"/>
+            </a:lnRef>
+            <a:fillRef idx="0">
+              <a:schemeClr val="accent1"/>
+            </a:fillRef>
+            <a:effectRef idx="0">
+              <a:schemeClr val="accent1"/>
+            </a:effectRef>
+            <a:fontRef idx="minor">
+              <a:schemeClr val="tx1"/>
+            </a:fontRef>
+          </p:style>
+        </p:cxnSp>
+        <p:sp>
+          <p:nvSpPr>
+            <p:cNvPr id="104" name="TextBox 103">
+              <a:extLst>
+                <a:ext uri="{FF2B5EF4-FFF2-40B4-BE49-F238E27FC236}">
+                  <a16:creationId xmlns:a16="http://schemas.microsoft.com/office/drawing/2014/main" id="{2E9D9E9D-8364-5D49-B0CC-41A6965DC853}"/>
+                </a:ext>
+              </a:extLst>
+            </p:cNvPr>
+            <p:cNvSpPr txBox="1"/>
+            <p:nvPr/>
+          </p:nvSpPr>
+          <p:spPr>
+            <a:xfrm>
+              <a:off x="5407391" y="2934736"/>
+              <a:ext cx="915830" cy="830997"/>
+            </a:xfrm>
+            <a:prstGeom prst="rect">
+              <a:avLst/>
+            </a:prstGeom>
+            <a:noFill/>
+          </p:spPr>
+          <p:txBody>
+            <a:bodyPr wrap="square" rtlCol="0">
+              <a:spAutoFit/>
+            </a:bodyPr>
+            <a:lstStyle/>
+            <a:p>
+              <a:pPr algn="ctr"/>
+              <a:r>
+                <a:rPr lang="en-GB" sz="1600" b="1" dirty="0" err="1">
+                  <a:solidFill>
+                    <a:srgbClr val="C00000"/>
+                  </a:solidFill>
+                </a:rPr>
+                <a:t>Reconf</a:t>
+              </a:r>
+              <a:r>
+                <a:rPr lang="en-GB" sz="1600" b="1" dirty="0">
+                  <a:solidFill>
+                    <a:srgbClr val="C00000"/>
+                  </a:solidFill>
+                </a:rPr>
+                <a:t>. </a:t>
+              </a:r>
+            </a:p>
+            <a:p>
+              <a:pPr algn="ctr"/>
+              <a:r>
+                <a:rPr lang="en-GB" sz="1600" b="1" dirty="0">
+                  <a:solidFill>
+                    <a:srgbClr val="C00000"/>
+                  </a:solidFill>
+                </a:rPr>
+                <a:t>Result</a:t>
+              </a:r>
+            </a:p>
+            <a:p>
+              <a:pPr algn="ctr"/>
+              <a:r>
+                <a:rPr lang="en-GB" sz="1600" b="1" dirty="0">
+                  <a:solidFill>
+                    <a:srgbClr val="C00000"/>
+                  </a:solidFill>
+                </a:rPr>
+                <a:t>(MDC)</a:t>
+              </a:r>
+            </a:p>
+          </p:txBody>
+        </p:sp>
+      </p:grpSp>
+      <p:grpSp>
+        <p:nvGrpSpPr>
+          <p:cNvPr id="118" name="Group 117">
+            <a:extLst>
+              <a:ext uri="{FF2B5EF4-FFF2-40B4-BE49-F238E27FC236}">
+                <a16:creationId xmlns:a16="http://schemas.microsoft.com/office/drawing/2014/main" id="{55BB5943-F8A0-EB4A-8C0F-806D31DC7CDE}"/>
+              </a:ext>
+            </a:extLst>
+          </p:cNvPr>
+          <p:cNvGrpSpPr/>
+          <p:nvPr/>
+        </p:nvGrpSpPr>
+        <p:grpSpPr>
+          <a:xfrm>
+            <a:off x="3059480" y="2783265"/>
+            <a:ext cx="1163915" cy="830997"/>
+            <a:chOff x="3059480" y="3166725"/>
+            <a:chExt cx="1163915" cy="830997"/>
+          </a:xfrm>
+        </p:grpSpPr>
+        <p:cxnSp>
+          <p:nvCxnSpPr>
+            <p:cNvPr id="75" name="Straight Arrow Connector 49" descr="dsasaa">
+              <a:extLst>
+                <a:ext uri="{FF2B5EF4-FFF2-40B4-BE49-F238E27FC236}">
+                  <a16:creationId xmlns:a16="http://schemas.microsoft.com/office/drawing/2014/main" id="{63B357F9-9885-9343-8C7B-59FB663B9013}"/>
+                </a:ext>
+                <a:ext uri="{C183D7F6-B498-43B3-948B-1728B52AA6E4}">
+                  <adec:decorative xmlns:adec="http://schemas.microsoft.com/office/drawing/2017/decorative" xmlns="" val="0"/>
+                </a:ext>
+              </a:extLst>
+            </p:cNvPr>
+            <p:cNvCxnSpPr>
+              <a:cxnSpLocks/>
+              <a:stCxn id="11" idx="1"/>
+              <a:endCxn id="10" idx="3"/>
+            </p:cNvCxnSpPr>
+            <p:nvPr/>
+          </p:nvCxnSpPr>
+          <p:spPr>
+            <a:xfrm flipH="1">
+              <a:off x="3059480" y="3993490"/>
+              <a:ext cx="1163915" cy="0"/>
+            </a:xfrm>
+            <a:prstGeom prst="straightConnector1">
+              <a:avLst/>
+            </a:prstGeom>
+            <a:ln w="25400">
+              <a:solidFill>
+                <a:srgbClr val="C00000"/>
+              </a:solidFill>
+              <a:tailEnd type="triangle" w="lg" len="lg"/>
+            </a:ln>
+          </p:spPr>
+          <p:style>
+            <a:lnRef idx="1">
+              <a:schemeClr val="accent1"/>
+            </a:lnRef>
+            <a:fillRef idx="0">
+              <a:schemeClr val="accent1"/>
+            </a:fillRef>
+            <a:effectRef idx="0">
+              <a:schemeClr val="accent1"/>
+            </a:effectRef>
+            <a:fontRef idx="minor">
+              <a:schemeClr val="tx1"/>
+            </a:fontRef>
+          </p:style>
+        </p:cxnSp>
+        <p:sp>
+          <p:nvSpPr>
+            <p:cNvPr id="105" name="TextBox 104">
+              <a:extLst>
+                <a:ext uri="{FF2B5EF4-FFF2-40B4-BE49-F238E27FC236}">
+                  <a16:creationId xmlns:a16="http://schemas.microsoft.com/office/drawing/2014/main" id="{8BFC575B-28A1-F346-B815-A731DC0CF494}"/>
+                </a:ext>
+              </a:extLst>
+            </p:cNvPr>
+            <p:cNvSpPr txBox="1"/>
+            <p:nvPr/>
+          </p:nvSpPr>
+          <p:spPr>
+            <a:xfrm>
+              <a:off x="3217029" y="3166725"/>
+              <a:ext cx="915830" cy="830997"/>
+            </a:xfrm>
+            <a:prstGeom prst="rect">
+              <a:avLst/>
+            </a:prstGeom>
+            <a:noFill/>
+          </p:spPr>
+          <p:txBody>
+            <a:bodyPr wrap="square" rtlCol="0">
+              <a:spAutoFit/>
+            </a:bodyPr>
+            <a:lstStyle/>
+            <a:p>
+              <a:pPr algn="ctr"/>
+              <a:r>
+                <a:rPr lang="en-GB" sz="1600" b="1" dirty="0" err="1">
+                  <a:solidFill>
+                    <a:srgbClr val="C00000"/>
+                  </a:solidFill>
+                </a:rPr>
+                <a:t>Reconf</a:t>
+              </a:r>
+              <a:r>
+                <a:rPr lang="en-GB" sz="1600" b="1" dirty="0">
+                  <a:solidFill>
+                    <a:srgbClr val="C00000"/>
+                  </a:solidFill>
+                </a:rPr>
+                <a:t>. </a:t>
+              </a:r>
+            </a:p>
+            <a:p>
+              <a:pPr algn="ctr"/>
+              <a:r>
+                <a:rPr lang="en-GB" sz="1600" b="1" dirty="0">
+                  <a:solidFill>
+                    <a:srgbClr val="C00000"/>
+                  </a:solidFill>
+                </a:rPr>
+                <a:t>Event</a:t>
+              </a:r>
+            </a:p>
+            <a:p>
+              <a:pPr algn="ctr"/>
+              <a:r>
+                <a:rPr lang="en-GB" sz="1600" b="1" dirty="0">
+                  <a:solidFill>
+                    <a:srgbClr val="C00000"/>
+                  </a:solidFill>
+                </a:rPr>
+                <a:t>(MDC)</a:t>
+              </a:r>
+            </a:p>
+          </p:txBody>
+        </p:sp>
+      </p:grpSp>
+      <p:grpSp>
+        <p:nvGrpSpPr>
+          <p:cNvPr id="120" name="Group 119">
+            <a:extLst>
+              <a:ext uri="{FF2B5EF4-FFF2-40B4-BE49-F238E27FC236}">
+                <a16:creationId xmlns:a16="http://schemas.microsoft.com/office/drawing/2014/main" id="{9ED88303-56AB-F24B-AEB0-3F60E94C52EA}"/>
+              </a:ext>
+            </a:extLst>
+          </p:cNvPr>
+          <p:cNvGrpSpPr/>
+          <p:nvPr/>
+        </p:nvGrpSpPr>
+        <p:grpSpPr>
+          <a:xfrm>
+            <a:off x="1124431" y="2521490"/>
+            <a:ext cx="814517" cy="871991"/>
+            <a:chOff x="1124431" y="2904950"/>
+            <a:chExt cx="814517" cy="871991"/>
+          </a:xfrm>
+        </p:grpSpPr>
+        <p:cxnSp>
+          <p:nvCxnSpPr>
+            <p:cNvPr id="73" name="Straight Arrow Connector 49" descr="dsasaa">
+              <a:extLst>
+                <a:ext uri="{FF2B5EF4-FFF2-40B4-BE49-F238E27FC236}">
+                  <a16:creationId xmlns:a16="http://schemas.microsoft.com/office/drawing/2014/main" id="{F7848A9F-4799-124C-B9B7-F000C508DBC0}"/>
+                </a:ext>
+                <a:ext uri="{C183D7F6-B498-43B3-948B-1728B52AA6E4}">
+                  <adec:decorative xmlns:adec="http://schemas.microsoft.com/office/drawing/2017/decorative" xmlns="" val="0"/>
+                </a:ext>
+              </a:extLst>
+            </p:cNvPr>
+            <p:cNvCxnSpPr>
+              <a:cxnSpLocks/>
+            </p:cNvCxnSpPr>
+            <p:nvPr/>
+          </p:nvCxnSpPr>
+          <p:spPr>
+            <a:xfrm flipV="1">
+              <a:off x="1897589" y="2904950"/>
+              <a:ext cx="1" cy="871991"/>
+            </a:xfrm>
+            <a:prstGeom prst="straightConnector1">
+              <a:avLst/>
+            </a:prstGeom>
+            <a:ln w="25400">
+              <a:solidFill>
+                <a:srgbClr val="C00000"/>
+              </a:solidFill>
+              <a:tailEnd type="triangle" w="lg" len="lg"/>
+            </a:ln>
+          </p:spPr>
+          <p:style>
+            <a:lnRef idx="1">
+              <a:schemeClr val="accent1"/>
+            </a:lnRef>
+            <a:fillRef idx="0">
+              <a:schemeClr val="accent1"/>
+            </a:fillRef>
+            <a:effectRef idx="0">
+              <a:schemeClr val="accent1"/>
+            </a:effectRef>
+            <a:fontRef idx="minor">
+              <a:schemeClr val="tx1"/>
+            </a:fontRef>
+          </p:style>
+        </p:cxnSp>
+        <p:sp>
+          <p:nvSpPr>
+            <p:cNvPr id="106" name="TextBox 105">
+              <a:extLst>
+                <a:ext uri="{FF2B5EF4-FFF2-40B4-BE49-F238E27FC236}">
+                  <a16:creationId xmlns:a16="http://schemas.microsoft.com/office/drawing/2014/main" id="{B461CB6F-2865-124B-BC52-7B742ADF9D9B}"/>
+                </a:ext>
+              </a:extLst>
+            </p:cNvPr>
+            <p:cNvSpPr txBox="1"/>
+            <p:nvPr/>
+          </p:nvSpPr>
+          <p:spPr>
+            <a:xfrm>
+              <a:off x="1124431" y="3077986"/>
+              <a:ext cx="814517" cy="584775"/>
+            </a:xfrm>
+            <a:prstGeom prst="rect">
+              <a:avLst/>
+            </a:prstGeom>
+            <a:noFill/>
+          </p:spPr>
+          <p:txBody>
+            <a:bodyPr wrap="none" rtlCol="0">
+              <a:spAutoFit/>
+            </a:bodyPr>
+            <a:lstStyle/>
+            <a:p>
+              <a:pPr algn="ctr"/>
+              <a:r>
+                <a:rPr lang="en-GB" sz="1600" b="1" dirty="0" err="1">
+                  <a:solidFill>
+                    <a:srgbClr val="C00000"/>
+                  </a:solidFill>
+                </a:rPr>
+                <a:t>Reconf</a:t>
+              </a:r>
+              <a:r>
+                <a:rPr lang="en-GB" sz="1600" b="1" dirty="0">
+                  <a:solidFill>
+                    <a:srgbClr val="C00000"/>
+                  </a:solidFill>
+                </a:rPr>
+                <a:t>.</a:t>
+              </a:r>
+            </a:p>
+            <a:p>
+              <a:pPr algn="ctr"/>
+              <a:r>
+                <a:rPr lang="en-GB" sz="1600" b="1" dirty="0">
+                  <a:solidFill>
+                    <a:srgbClr val="C00000"/>
+                  </a:solidFill>
+                </a:rPr>
+                <a:t>Event</a:t>
+              </a:r>
+            </a:p>
+          </p:txBody>
+        </p:sp>
+      </p:grpSp>
+      <p:grpSp>
+        <p:nvGrpSpPr>
+          <p:cNvPr id="119" name="Group 118">
+            <a:extLst>
+              <a:ext uri="{FF2B5EF4-FFF2-40B4-BE49-F238E27FC236}">
+                <a16:creationId xmlns:a16="http://schemas.microsoft.com/office/drawing/2014/main" id="{C80CC919-96F1-1E4B-BB96-EEB566BB5D8F}"/>
+              </a:ext>
+            </a:extLst>
+          </p:cNvPr>
+          <p:cNvGrpSpPr/>
+          <p:nvPr/>
+        </p:nvGrpSpPr>
+        <p:grpSpPr>
+          <a:xfrm>
+            <a:off x="2093445" y="2533287"/>
+            <a:ext cx="814517" cy="871993"/>
+            <a:chOff x="2093445" y="2916747"/>
+            <a:chExt cx="814517" cy="871993"/>
+          </a:xfrm>
+        </p:grpSpPr>
+        <p:cxnSp>
+          <p:nvCxnSpPr>
+            <p:cNvPr id="74" name="Straight Arrow Connector 49" descr="dsasaa">
+              <a:extLst>
+                <a:ext uri="{FF2B5EF4-FFF2-40B4-BE49-F238E27FC236}">
+                  <a16:creationId xmlns:a16="http://schemas.microsoft.com/office/drawing/2014/main" id="{7B1FE48D-3E20-7649-A5ED-455E753BFCCD}"/>
+                </a:ext>
+                <a:ext uri="{C183D7F6-B498-43B3-948B-1728B52AA6E4}">
+                  <adec:decorative xmlns:adec="http://schemas.microsoft.com/office/drawing/2017/decorative" xmlns="" val="0"/>
+                </a:ext>
+              </a:extLst>
+            </p:cNvPr>
+            <p:cNvCxnSpPr>
+              <a:cxnSpLocks/>
+            </p:cNvCxnSpPr>
+            <p:nvPr/>
+          </p:nvCxnSpPr>
+          <p:spPr>
+            <a:xfrm>
+              <a:off x="2093469" y="2916747"/>
+              <a:ext cx="0" cy="871993"/>
+            </a:xfrm>
+            <a:prstGeom prst="straightConnector1">
+              <a:avLst/>
+            </a:prstGeom>
+            <a:ln w="25400">
+              <a:solidFill>
+                <a:srgbClr val="C00000"/>
+              </a:solidFill>
+              <a:tailEnd type="triangle" w="lg" len="lg"/>
+            </a:ln>
+          </p:spPr>
+          <p:style>
+            <a:lnRef idx="1">
+              <a:schemeClr val="accent1"/>
+            </a:lnRef>
+            <a:fillRef idx="0">
+              <a:schemeClr val="accent1"/>
+            </a:fillRef>
+            <a:effectRef idx="0">
+              <a:schemeClr val="accent1"/>
+            </a:effectRef>
+            <a:fontRef idx="minor">
+              <a:schemeClr val="tx1"/>
+            </a:fontRef>
+          </p:style>
+        </p:cxnSp>
+        <p:sp>
+          <p:nvSpPr>
+            <p:cNvPr id="107" name="TextBox 106">
+              <a:extLst>
+                <a:ext uri="{FF2B5EF4-FFF2-40B4-BE49-F238E27FC236}">
+                  <a16:creationId xmlns:a16="http://schemas.microsoft.com/office/drawing/2014/main" id="{A433983C-D4D1-6648-AD13-AA13378CCF4C}"/>
+                </a:ext>
+              </a:extLst>
+            </p:cNvPr>
+            <p:cNvSpPr txBox="1"/>
+            <p:nvPr/>
+          </p:nvSpPr>
+          <p:spPr>
+            <a:xfrm>
+              <a:off x="2093445" y="2922016"/>
+              <a:ext cx="814517" cy="830997"/>
+            </a:xfrm>
+            <a:prstGeom prst="rect">
+              <a:avLst/>
+            </a:prstGeom>
+            <a:noFill/>
+          </p:spPr>
+          <p:txBody>
+            <a:bodyPr wrap="none" rtlCol="0">
+              <a:spAutoFit/>
+            </a:bodyPr>
+            <a:lstStyle/>
+            <a:p>
+              <a:pPr algn="ctr"/>
+              <a:r>
+                <a:rPr lang="en-GB" sz="1600" b="1" dirty="0" err="1">
+                  <a:solidFill>
+                    <a:srgbClr val="C00000"/>
+                  </a:solidFill>
+                </a:rPr>
+                <a:t>Reconf</a:t>
+              </a:r>
+              <a:r>
+                <a:rPr lang="en-GB" sz="1600" b="1" dirty="0">
+                  <a:solidFill>
+                    <a:srgbClr val="C00000"/>
+                  </a:solidFill>
+                </a:rPr>
+                <a:t>.</a:t>
+              </a:r>
+            </a:p>
+            <a:p>
+              <a:pPr algn="ctr"/>
+              <a:r>
+                <a:rPr lang="en-GB" sz="1600" b="1" dirty="0">
+                  <a:solidFill>
+                    <a:srgbClr val="C00000"/>
+                  </a:solidFill>
+                </a:rPr>
+                <a:t>Task</a:t>
+              </a:r>
+            </a:p>
+            <a:p>
+              <a:pPr algn="ctr"/>
+              <a:r>
+                <a:rPr lang="en-GB" sz="1600" b="1" dirty="0">
+                  <a:solidFill>
+                    <a:srgbClr val="C00000"/>
+                  </a:solidFill>
+                </a:rPr>
+                <a:t>(MDC)</a:t>
+              </a:r>
+            </a:p>
+          </p:txBody>
+        </p:sp>
+      </p:grpSp>
+      <p:grpSp>
+        <p:nvGrpSpPr>
+          <p:cNvPr id="121" name="Group 120">
+            <a:extLst>
+              <a:ext uri="{FF2B5EF4-FFF2-40B4-BE49-F238E27FC236}">
+                <a16:creationId xmlns:a16="http://schemas.microsoft.com/office/drawing/2014/main" id="{C910D62B-F6AA-9D4B-BF48-18BB51E9E4FE}"/>
+              </a:ext>
+            </a:extLst>
+          </p:cNvPr>
+          <p:cNvGrpSpPr/>
+          <p:nvPr/>
+        </p:nvGrpSpPr>
+        <p:grpSpPr>
+          <a:xfrm>
+            <a:off x="937494" y="3610030"/>
+            <a:ext cx="4346894" cy="1171440"/>
+            <a:chOff x="937494" y="3993490"/>
+            <a:chExt cx="4346894" cy="1171440"/>
+          </a:xfrm>
+        </p:grpSpPr>
+        <p:cxnSp>
+          <p:nvCxnSpPr>
+            <p:cNvPr id="80" name="Straight Arrow Connector 49" descr="dsasaa">
+              <a:extLst>
+                <a:ext uri="{FF2B5EF4-FFF2-40B4-BE49-F238E27FC236}">
+                  <a16:creationId xmlns:a16="http://schemas.microsoft.com/office/drawing/2014/main" id="{97F3863E-28B4-C143-B87C-0BFBBEB35BD8}"/>
+                </a:ext>
+                <a:ext uri="{C183D7F6-B498-43B3-948B-1728B52AA6E4}">
+                  <adec:decorative xmlns:adec="http://schemas.microsoft.com/office/drawing/2017/decorative" xmlns="" val="0"/>
+                </a:ext>
+              </a:extLst>
+            </p:cNvPr>
+            <p:cNvCxnSpPr>
+              <a:cxnSpLocks/>
+              <a:stCxn id="10" idx="1"/>
+              <a:endCxn id="16" idx="0"/>
+            </p:cNvCxnSpPr>
+            <p:nvPr/>
+          </p:nvCxnSpPr>
+          <p:spPr>
+            <a:xfrm rot="10800000" flipH="1" flipV="1">
+              <a:off x="937494" y="3993490"/>
+              <a:ext cx="4346894" cy="1171440"/>
+            </a:xfrm>
+            <a:prstGeom prst="bentConnector4">
+              <a:avLst>
+                <a:gd name="adj1" fmla="val -8871"/>
+                <a:gd name="adj2" fmla="val 74702"/>
+              </a:avLst>
+            </a:prstGeom>
+            <a:ln w="25400">
+              <a:solidFill>
+                <a:srgbClr val="C00000"/>
+              </a:solidFill>
+              <a:tailEnd type="triangle" w="lg" len="lg"/>
+            </a:ln>
+          </p:spPr>
+          <p:style>
+            <a:lnRef idx="1">
+              <a:schemeClr val="accent1"/>
+            </a:lnRef>
+            <a:fillRef idx="0">
+              <a:schemeClr val="accent1"/>
+            </a:fillRef>
+            <a:effectRef idx="0">
+              <a:schemeClr val="accent1"/>
+            </a:effectRef>
+            <a:fontRef idx="minor">
+              <a:schemeClr val="tx1"/>
+            </a:fontRef>
+          </p:style>
+        </p:cxnSp>
+        <p:sp>
+          <p:nvSpPr>
+            <p:cNvPr id="108" name="TextBox 107">
+              <a:extLst>
+                <a:ext uri="{FF2B5EF4-FFF2-40B4-BE49-F238E27FC236}">
+                  <a16:creationId xmlns:a16="http://schemas.microsoft.com/office/drawing/2014/main" id="{7A8645BC-0381-394D-B6CA-915FB509612E}"/>
+                </a:ext>
+              </a:extLst>
+            </p:cNvPr>
+            <p:cNvSpPr txBox="1"/>
+            <p:nvPr/>
+          </p:nvSpPr>
+          <p:spPr>
+            <a:xfrm>
+              <a:off x="2013516" y="4547465"/>
+              <a:ext cx="2052741" cy="338554"/>
+            </a:xfrm>
+            <a:prstGeom prst="rect">
+              <a:avLst/>
+            </a:prstGeom>
+            <a:noFill/>
+          </p:spPr>
+          <p:txBody>
+            <a:bodyPr wrap="none" rtlCol="0">
+              <a:spAutoFit/>
+            </a:bodyPr>
+            <a:lstStyle/>
+            <a:p>
+              <a:pPr algn="ctr"/>
+              <a:r>
+                <a:rPr lang="en-GB" sz="1600" b="1" dirty="0">
+                  <a:solidFill>
+                    <a:srgbClr val="C00000"/>
+                  </a:solidFill>
+                </a:rPr>
+                <a:t>Reconfigure MDC CNF</a:t>
+              </a:r>
+            </a:p>
+          </p:txBody>
+        </p:sp>
+      </p:grpSp>
+      <p:grpSp>
+        <p:nvGrpSpPr>
+          <p:cNvPr id="3" name="Group 2">
+            <a:extLst>
+              <a:ext uri="{FF2B5EF4-FFF2-40B4-BE49-F238E27FC236}">
+                <a16:creationId xmlns:a16="http://schemas.microsoft.com/office/drawing/2014/main" id="{94FBA9F4-E5B1-B747-B2D3-E9BC9C10BF80}"/>
+              </a:ext>
+            </a:extLst>
+          </p:cNvPr>
+          <p:cNvGrpSpPr/>
+          <p:nvPr/>
+        </p:nvGrpSpPr>
+        <p:grpSpPr>
+          <a:xfrm>
+            <a:off x="355537" y="4514515"/>
+            <a:ext cx="1022716" cy="1395819"/>
+            <a:chOff x="355537" y="4897975"/>
+            <a:chExt cx="1022716" cy="1395819"/>
+          </a:xfrm>
+          <a:solidFill>
+            <a:srgbClr val="FFFF00"/>
+          </a:solidFill>
+        </p:grpSpPr>
+        <p:sp>
+          <p:nvSpPr>
+            <p:cNvPr id="2" name="Lightning Bolt 1">
+              <a:extLst>
+                <a:ext uri="{FF2B5EF4-FFF2-40B4-BE49-F238E27FC236}">
+                  <a16:creationId xmlns:a16="http://schemas.microsoft.com/office/drawing/2014/main" id="{3B85B2E8-5C1D-B14C-A927-AD80FE3759A2}"/>
+                </a:ext>
+              </a:extLst>
+            </p:cNvPr>
+            <p:cNvSpPr/>
+            <p:nvPr/>
+          </p:nvSpPr>
+          <p:spPr>
+            <a:xfrm>
+              <a:off x="540266" y="4897975"/>
+              <a:ext cx="565724" cy="1025215"/>
+            </a:xfrm>
+            <a:prstGeom prst="lightningBolt">
+              <a:avLst/>
+            </a:prstGeom>
+            <a:grpFill/>
+            <a:ln>
+              <a:solidFill>
+                <a:schemeClr val="accent4">
+                  <a:lumMod val="75000"/>
+                </a:schemeClr>
+              </a:solidFill>
+            </a:ln>
+          </p:spPr>
+          <p:style>
+            <a:lnRef idx="2">
+              <a:schemeClr val="accent1">
+                <a:shade val="50000"/>
+              </a:schemeClr>
+            </a:lnRef>
+            <a:fillRef idx="1">
+              <a:schemeClr val="accent1"/>
+            </a:fillRef>
+            <a:effectRef idx="0">
+              <a:schemeClr val="accent1"/>
+            </a:effectRef>
+            <a:fontRef idx="minor">
+              <a:schemeClr val="lt1"/>
+            </a:fontRef>
+          </p:style>
+          <p:txBody>
+            <a:bodyPr rtlCol="0" anchor="ctr"/>
+            <a:lstStyle/>
+            <a:p>
+              <a:pPr algn="ctr"/>
+              <a:endParaRPr lang="en-GB"/>
+            </a:p>
+          </p:txBody>
+        </p:sp>
+        <p:sp>
+          <p:nvSpPr>
+            <p:cNvPr id="65" name="TextBox 64">
+              <a:extLst>
+                <a:ext uri="{FF2B5EF4-FFF2-40B4-BE49-F238E27FC236}">
+                  <a16:creationId xmlns:a16="http://schemas.microsoft.com/office/drawing/2014/main" id="{014A927A-8286-3C4C-9836-3A5A240E07D8}"/>
+                </a:ext>
+              </a:extLst>
+            </p:cNvPr>
+            <p:cNvSpPr txBox="1"/>
+            <p:nvPr/>
+          </p:nvSpPr>
+          <p:spPr>
+            <a:xfrm>
+              <a:off x="355537" y="5955240"/>
+              <a:ext cx="1022716" cy="338554"/>
+            </a:xfrm>
+            <a:prstGeom prst="rect">
+              <a:avLst/>
+            </a:prstGeom>
+            <a:noFill/>
+          </p:spPr>
+          <p:txBody>
+            <a:bodyPr wrap="none" rtlCol="0">
+              <a:spAutoFit/>
+            </a:bodyPr>
+            <a:lstStyle/>
+            <a:p>
+              <a:pPr algn="ctr"/>
+              <a:r>
+                <a:rPr lang="en-GB" sz="1600" b="1" dirty="0">
+                  <a:solidFill>
+                    <a:schemeClr val="accent4">
+                      <a:lumMod val="75000"/>
+                    </a:schemeClr>
+                  </a:solidFill>
+                </a:rPr>
+                <a:t>Intrusion!</a:t>
+              </a:r>
+            </a:p>
+          </p:txBody>
+        </p:sp>
+      </p:grpSp>
+      <p:sp>
+        <p:nvSpPr>
           <p:cNvPr id="5" name="Title 4"/>
           <p:cNvSpPr>
             <a:spLocks noGrp="1"/>
           </p:cNvSpPr>
           <p:nvPr>
-            <p:ph type="ctrTitle"/>
+            <p:ph type="title"/>
           </p:nvPr>
         </p:nvSpPr>
         <p:spPr/>
@@ -4193,38 +8949,7 @@
           <a:p>
             <a:r>
               <a:rPr lang="en-US" dirty="0" smtClean="0"/>
-              <a:t>Demo time!</a:t>
-            </a:r>
-            <a:endParaRPr lang="en-US" dirty="0"/>
-          </a:p>
-        </p:txBody>
-      </p:sp>
-      <p:sp>
-        <p:nvSpPr>
-          <p:cNvPr id="6" name="Subtitle 5"/>
-          <p:cNvSpPr>
-            <a:spLocks noGrp="1"/>
-          </p:cNvSpPr>
-          <p:nvPr>
-            <p:ph type="subTitle" idx="1"/>
-          </p:nvPr>
-        </p:nvSpPr>
-        <p:spPr/>
-        <p:txBody>
-          <a:bodyPr/>
-          <a:lstStyle/>
-          <a:p>
-            <a:r>
-              <a:rPr lang="en-US" dirty="0" smtClean="0"/>
-              <a:t>Manual isolation/</a:t>
-            </a:r>
-            <a:r>
-              <a:rPr lang="en-US" dirty="0" err="1" smtClean="0"/>
-              <a:t>deisolation</a:t>
-            </a:r>
-            <a:r>
-              <a:rPr lang="en-US" dirty="0" smtClean="0"/>
-              <a:t> with FMP</a:t>
+              <a:t>Details: Intrusion Detection &amp; Reconfiguration</a:t>
             </a:r>
             <a:endParaRPr lang="en-US" dirty="0"/>
           </a:p>
@@ -4233,7 +8958,7 @@
     </p:spTree>
     <p:extLst>
       <p:ext uri="{BB962C8B-B14F-4D97-AF65-F5344CB8AC3E}">
-        <p14:creationId xmlns:p14="http://schemas.microsoft.com/office/powerpoint/2010/main" val="3736328388"/>
+        <p14:creationId xmlns:p14="http://schemas.microsoft.com/office/powerpoint/2010/main" val="2252665199"/>
       </p:ext>
     </p:extLst>
   </p:cSld>
@@ -4267,91 +8992,9 @@
           <a:chExt cx="0" cy="0"/>
         </a:xfrm>
       </p:grpSpPr>
-      <p:pic>
-        <p:nvPicPr>
-          <p:cNvPr id="4" name="Content Placeholder 3"/>
-          <p:cNvPicPr>
-            <a:picLocks noGrp="1" noChangeAspect="1"/>
-          </p:cNvPicPr>
-          <p:nvPr>
-            <p:ph idx="1"/>
-          </p:nvPr>
-        </p:nvPicPr>
-        <p:blipFill>
-          <a:blip r:embed="rId2">
-            <a:extLst>
-              <a:ext uri="{28A0092B-C50C-407E-A947-70E740481C1C}">
-                <a14:useLocalDpi xmlns:a14="http://schemas.microsoft.com/office/drawing/2010/main" val="0"/>
-              </a:ext>
-            </a:extLst>
-          </a:blip>
-          <a:stretch>
-            <a:fillRect/>
-          </a:stretch>
-        </p:blipFill>
-        <p:spPr>
-          <a:xfrm>
-            <a:off x="1673578" y="1354138"/>
-            <a:ext cx="8844844" cy="4975225"/>
-          </a:xfrm>
-        </p:spPr>
-      </p:pic>
       <p:sp>
         <p:nvSpPr>
-          <p:cNvPr id="3" name="Title 2"/>
-          <p:cNvSpPr>
-            <a:spLocks noGrp="1"/>
-          </p:cNvSpPr>
-          <p:nvPr>
-            <p:ph type="title"/>
-          </p:nvPr>
-        </p:nvSpPr>
-        <p:spPr/>
-        <p:txBody>
-          <a:bodyPr/>
-          <a:lstStyle/>
-          <a:p>
-            <a:r>
-              <a:rPr lang="en-US" dirty="0" smtClean="0"/>
-              <a:t>Manual Reconfiguration</a:t>
-            </a:r>
-            <a:endParaRPr lang="en-US" dirty="0"/>
-          </a:p>
-        </p:txBody>
-      </p:sp>
-    </p:spTree>
-    <p:extLst>
-      <p:ext uri="{BB962C8B-B14F-4D97-AF65-F5344CB8AC3E}">
-        <p14:creationId xmlns:p14="http://schemas.microsoft.com/office/powerpoint/2010/main" val="2072500333"/>
-      </p:ext>
-    </p:extLst>
-  </p:cSld>
-  <p:clrMapOvr>
-    <a:masterClrMapping/>
-  </p:clrMapOvr>
-</p:sld>
-</file>
-
-<file path=ppt/slides/slide8.xml><?xml version="1.0" encoding="utf-8"?>
-<p:sld xmlns:a="http://schemas.openxmlformats.org/drawingml/2006/main" xmlns:r="http://schemas.openxmlformats.org/officeDocument/2006/relationships" xmlns:p="http://schemas.openxmlformats.org/presentationml/2006/main">
-  <p:cSld>
-    <p:spTree>
-      <p:nvGrpSpPr>
-        <p:cNvPr id="1" name=""/>
-        <p:cNvGrpSpPr/>
-        <p:nvPr/>
-      </p:nvGrpSpPr>
-      <p:grpSpPr>
-        <a:xfrm>
-          <a:off x="0" y="0"/>
-          <a:ext cx="0" cy="0"/>
-          <a:chOff x="0" y="0"/>
-          <a:chExt cx="0" cy="0"/>
-        </a:xfrm>
-      </p:grpSpPr>
-      <p:sp>
-        <p:nvSpPr>
-          <p:cNvPr id="4" name="Title 3"/>
+          <p:cNvPr id="5" name="Title 4"/>
           <p:cNvSpPr>
             <a:spLocks noGrp="1"/>
           </p:cNvSpPr>
@@ -4365,16 +9008,15 @@
           <a:lstStyle/>
           <a:p>
             <a:r>
-              <a:rPr lang="en-US" dirty="0" smtClean="0"/>
-              <a:t>Manual Isolation</a:t>
-            </a:r>
-            <a:endParaRPr lang="en-US" dirty="0"/>
+              <a:rPr lang="en-US" dirty="0"/>
+              <a:t>Thanks!</a:t>
+            </a:r>
           </a:p>
         </p:txBody>
       </p:sp>
       <p:sp>
         <p:nvSpPr>
-          <p:cNvPr id="5" name="Subtitle 4"/>
+          <p:cNvPr id="6" name="Subtitle 5"/>
           <p:cNvSpPr>
             <a:spLocks noGrp="1"/>
           </p:cNvSpPr>
@@ -4387,131 +9029,20 @@
           <a:bodyPr/>
           <a:lstStyle/>
           <a:p>
-            <a:r>
-              <a:rPr lang="en-US" dirty="0" smtClean="0"/>
-              <a:t>Manual isolation of machine via FMP</a:t>
-            </a:r>
-            <a:endParaRPr lang="en-US" dirty="0"/>
+            <a:endParaRPr lang="en-US"/>
           </a:p>
         </p:txBody>
       </p:sp>
     </p:spTree>
     <p:extLst>
       <p:ext uri="{BB962C8B-B14F-4D97-AF65-F5344CB8AC3E}">
-        <p14:creationId xmlns:p14="http://schemas.microsoft.com/office/powerpoint/2010/main" val="393950747"/>
+        <p14:creationId xmlns:p14="http://schemas.microsoft.com/office/powerpoint/2010/main" val="839276976"/>
       </p:ext>
     </p:extLst>
   </p:cSld>
   <p:clrMapOvr>
     <a:masterClrMapping/>
   </p:clrMapOvr>
-  <mc:AlternateContent xmlns:mc="http://schemas.openxmlformats.org/markup-compatibility/2006" xmlns:p14="http://schemas.microsoft.com/office/powerpoint/2010/main">
-    <mc:Choice Requires="p14">
-      <p:transition spd="slow" p14:dur="2000"/>
-    </mc:Choice>
-    <mc:Fallback xmlns="">
-      <p:transition spd="slow"/>
-    </mc:Fallback>
-  </mc:AlternateContent>
-  <p:timing>
-    <p:tnLst>
-      <p:par>
-        <p:cTn id="1" dur="indefinite" restart="never" nodeType="tmRoot"/>
-      </p:par>
-    </p:tnLst>
-  </p:timing>
-</p:sld>
-</file>
-
-<file path=ppt/slides/slide9.xml><?xml version="1.0" encoding="utf-8"?>
-<p:sld xmlns:a="http://schemas.openxmlformats.org/drawingml/2006/main" xmlns:r="http://schemas.openxmlformats.org/officeDocument/2006/relationships" xmlns:p="http://schemas.openxmlformats.org/presentationml/2006/main">
-  <p:cSld>
-    <p:spTree>
-      <p:nvGrpSpPr>
-        <p:cNvPr id="1" name=""/>
-        <p:cNvGrpSpPr/>
-        <p:nvPr/>
-      </p:nvGrpSpPr>
-      <p:grpSpPr>
-        <a:xfrm>
-          <a:off x="0" y="0"/>
-          <a:ext cx="0" cy="0"/>
-          <a:chOff x="0" y="0"/>
-          <a:chExt cx="0" cy="0"/>
-        </a:xfrm>
-      </p:grpSpPr>
-      <p:sp>
-        <p:nvSpPr>
-          <p:cNvPr id="4" name="Title 3"/>
-          <p:cNvSpPr>
-            <a:spLocks noGrp="1"/>
-          </p:cNvSpPr>
-          <p:nvPr>
-            <p:ph type="ctrTitle"/>
-          </p:nvPr>
-        </p:nvSpPr>
-        <p:spPr/>
-        <p:txBody>
-          <a:bodyPr/>
-          <a:lstStyle/>
-          <a:p>
-            <a:r>
-              <a:rPr lang="en-US" dirty="0" smtClean="0"/>
-              <a:t>Manual Deisolation</a:t>
-            </a:r>
-            <a:endParaRPr lang="en-US" dirty="0"/>
-          </a:p>
-        </p:txBody>
-      </p:sp>
-      <p:sp>
-        <p:nvSpPr>
-          <p:cNvPr id="5" name="Subtitle 4"/>
-          <p:cNvSpPr>
-            <a:spLocks noGrp="1"/>
-          </p:cNvSpPr>
-          <p:nvPr>
-            <p:ph type="subTitle" idx="1"/>
-          </p:nvPr>
-        </p:nvSpPr>
-        <p:spPr/>
-        <p:txBody>
-          <a:bodyPr/>
-          <a:lstStyle/>
-          <a:p>
-            <a:r>
-              <a:rPr lang="en-US" dirty="0" smtClean="0"/>
-              <a:t>Manual </a:t>
-            </a:r>
-            <a:r>
-              <a:rPr lang="en-US" dirty="0" err="1" smtClean="0"/>
-              <a:t>deisolation</a:t>
-            </a:r>
-            <a:r>
-              <a:rPr lang="en-US" dirty="0" smtClean="0"/>
-              <a:t> of machine via FMP</a:t>
-            </a:r>
-            <a:endParaRPr lang="en-US" dirty="0"/>
-          </a:p>
-        </p:txBody>
-      </p:sp>
-    </p:spTree>
-    <p:extLst>
-      <p:ext uri="{BB962C8B-B14F-4D97-AF65-F5344CB8AC3E}">
-        <p14:creationId xmlns:p14="http://schemas.microsoft.com/office/powerpoint/2010/main" val="2108415595"/>
-      </p:ext>
-    </p:extLst>
-  </p:cSld>
-  <p:clrMapOvr>
-    <a:masterClrMapping/>
-  </p:clrMapOvr>
-  <mc:AlternateContent xmlns:mc="http://schemas.openxmlformats.org/markup-compatibility/2006" xmlns:p14="http://schemas.microsoft.com/office/powerpoint/2010/main">
-    <mc:Choice Requires="p14">
-      <p:transition spd="slow" p14:dur="2000"/>
-    </mc:Choice>
-    <mc:Fallback xmlns="">
-      <p:transition spd="slow"/>
-    </mc:Fallback>
-  </mc:AlternateContent>
   <p:timing>
     <p:tnLst>
       <p:par>
